--- a/GaletFreineur/EtudeTheorique/images/Figures.pptx
+++ b/GaletFreineur/EtudeTheorique/images/Figures.pptx
@@ -288,7 +288,7 @@
           <a:p>
             <a:fld id="{AA309A6D-C09C-4548-B29A-6CF363A7E532}" type="datetimeFigureOut">
               <a:rPr lang="fr-FR" smtClean="0"/>
-              <a:t>13/01/2016</a:t>
+              <a:t>17/01/2016</a:t>
             </a:fld>
             <a:endParaRPr lang="fr-BE"/>
           </a:p>
@@ -453,7 +453,7 @@
           <a:p>
             <a:fld id="{AA309A6D-C09C-4548-B29A-6CF363A7E532}" type="datetimeFigureOut">
               <a:rPr lang="fr-FR" smtClean="0"/>
-              <a:t>13/01/2016</a:t>
+              <a:t>17/01/2016</a:t>
             </a:fld>
             <a:endParaRPr lang="fr-BE"/>
           </a:p>
@@ -628,7 +628,7 @@
           <a:p>
             <a:fld id="{AA309A6D-C09C-4548-B29A-6CF363A7E532}" type="datetimeFigureOut">
               <a:rPr lang="fr-FR" smtClean="0"/>
-              <a:t>13/01/2016</a:t>
+              <a:t>17/01/2016</a:t>
             </a:fld>
             <a:endParaRPr lang="fr-BE"/>
           </a:p>
@@ -793,7 +793,7 @@
           <a:p>
             <a:fld id="{AA309A6D-C09C-4548-B29A-6CF363A7E532}" type="datetimeFigureOut">
               <a:rPr lang="fr-FR" smtClean="0"/>
-              <a:t>13/01/2016</a:t>
+              <a:t>17/01/2016</a:t>
             </a:fld>
             <a:endParaRPr lang="fr-BE"/>
           </a:p>
@@ -1034,7 +1034,7 @@
           <a:p>
             <a:fld id="{AA309A6D-C09C-4548-B29A-6CF363A7E532}" type="datetimeFigureOut">
               <a:rPr lang="fr-FR" smtClean="0"/>
-              <a:t>13/01/2016</a:t>
+              <a:t>17/01/2016</a:t>
             </a:fld>
             <a:endParaRPr lang="fr-BE"/>
           </a:p>
@@ -1317,7 +1317,7 @@
           <a:p>
             <a:fld id="{AA309A6D-C09C-4548-B29A-6CF363A7E532}" type="datetimeFigureOut">
               <a:rPr lang="fr-FR" smtClean="0"/>
-              <a:t>13/01/2016</a:t>
+              <a:t>17/01/2016</a:t>
             </a:fld>
             <a:endParaRPr lang="fr-BE"/>
           </a:p>
@@ -1734,7 +1734,7 @@
           <a:p>
             <a:fld id="{AA309A6D-C09C-4548-B29A-6CF363A7E532}" type="datetimeFigureOut">
               <a:rPr lang="fr-FR" smtClean="0"/>
-              <a:t>13/01/2016</a:t>
+              <a:t>17/01/2016</a:t>
             </a:fld>
             <a:endParaRPr lang="fr-BE"/>
           </a:p>
@@ -1847,7 +1847,7 @@
           <a:p>
             <a:fld id="{AA309A6D-C09C-4548-B29A-6CF363A7E532}" type="datetimeFigureOut">
               <a:rPr lang="fr-FR" smtClean="0"/>
-              <a:t>13/01/2016</a:t>
+              <a:t>17/01/2016</a:t>
             </a:fld>
             <a:endParaRPr lang="fr-BE"/>
           </a:p>
@@ -1937,7 +1937,7 @@
           <a:p>
             <a:fld id="{AA309A6D-C09C-4548-B29A-6CF363A7E532}" type="datetimeFigureOut">
               <a:rPr lang="fr-FR" smtClean="0"/>
-              <a:t>13/01/2016</a:t>
+              <a:t>17/01/2016</a:t>
             </a:fld>
             <a:endParaRPr lang="fr-BE"/>
           </a:p>
@@ -2209,7 +2209,7 @@
           <a:p>
             <a:fld id="{AA309A6D-C09C-4548-B29A-6CF363A7E532}" type="datetimeFigureOut">
               <a:rPr lang="fr-FR" smtClean="0"/>
-              <a:t>13/01/2016</a:t>
+              <a:t>17/01/2016</a:t>
             </a:fld>
             <a:endParaRPr lang="fr-BE"/>
           </a:p>
@@ -2457,7 +2457,7 @@
           <a:p>
             <a:fld id="{AA309A6D-C09C-4548-B29A-6CF363A7E532}" type="datetimeFigureOut">
               <a:rPr lang="fr-FR" smtClean="0"/>
-              <a:t>13/01/2016</a:t>
+              <a:t>17/01/2016</a:t>
             </a:fld>
             <a:endParaRPr lang="fr-BE"/>
           </a:p>
@@ -2665,7 +2665,7 @@
           <a:p>
             <a:fld id="{AA309A6D-C09C-4548-B29A-6CF363A7E532}" type="datetimeFigureOut">
               <a:rPr lang="fr-FR" smtClean="0"/>
-              <a:t>13/01/2016</a:t>
+              <a:t>17/01/2016</a:t>
             </a:fld>
             <a:endParaRPr lang="fr-BE"/>
           </a:p>
@@ -5001,7 +5001,7 @@
         </p:nvCxnSpPr>
         <p:spPr>
           <a:xfrm>
-            <a:off x="2484156" y="5137788"/>
+            <a:off x="2484156" y="5128263"/>
             <a:ext cx="422038" cy="0"/>
           </a:xfrm>
           <a:prstGeom prst="line">
@@ -5232,6 +5232,1309 @@
           </a:extLst>
         </p:spPr>
       </p:pic>
+      <p:grpSp>
+        <p:nvGrpSpPr>
+          <p:cNvPr id="25" name="Groupe 24"/>
+          <p:cNvGrpSpPr/>
+          <p:nvPr/>
+        </p:nvGrpSpPr>
+        <p:grpSpPr>
+          <a:xfrm flipV="1">
+            <a:off x="899592" y="5997562"/>
+            <a:ext cx="955226" cy="1031838"/>
+            <a:chOff x="1152648" y="4310332"/>
+            <a:chExt cx="955226" cy="1031838"/>
+          </a:xfrm>
+        </p:grpSpPr>
+        <p:cxnSp>
+          <p:nvCxnSpPr>
+            <p:cNvPr id="83" name="Connecteur droit 82"/>
+            <p:cNvCxnSpPr/>
+            <p:nvPr/>
+          </p:nvCxnSpPr>
+          <p:spPr>
+            <a:xfrm flipH="1" flipV="1">
+              <a:off x="1494725" y="5342170"/>
+              <a:ext cx="613149" cy="0"/>
+            </a:xfrm>
+            <a:prstGeom prst="line">
+              <a:avLst/>
+            </a:prstGeom>
+            <a:ln w="28575">
+              <a:solidFill>
+                <a:srgbClr val="00B050"/>
+              </a:solidFill>
+            </a:ln>
+          </p:spPr>
+          <p:style>
+            <a:lnRef idx="1">
+              <a:schemeClr val="accent1"/>
+            </a:lnRef>
+            <a:fillRef idx="0">
+              <a:schemeClr val="accent1"/>
+            </a:fillRef>
+            <a:effectRef idx="0">
+              <a:schemeClr val="accent1"/>
+            </a:effectRef>
+            <a:fontRef idx="minor">
+              <a:schemeClr val="tx1"/>
+            </a:fontRef>
+          </p:style>
+        </p:cxnSp>
+        <p:sp>
+          <p:nvSpPr>
+            <p:cNvPr id="85" name="Rectangle 84"/>
+            <p:cNvSpPr/>
+            <p:nvPr/>
+          </p:nvSpPr>
+          <p:spPr>
+            <a:xfrm>
+              <a:off x="1314724" y="4769552"/>
+              <a:ext cx="360000" cy="180000"/>
+            </a:xfrm>
+            <a:prstGeom prst="rect">
+              <a:avLst/>
+            </a:prstGeom>
+            <a:noFill/>
+            <a:ln w="28575">
+              <a:solidFill>
+                <a:srgbClr val="00B050"/>
+              </a:solidFill>
+            </a:ln>
+          </p:spPr>
+          <p:style>
+            <a:lnRef idx="2">
+              <a:schemeClr val="accent1">
+                <a:shade val="50000"/>
+              </a:schemeClr>
+            </a:lnRef>
+            <a:fillRef idx="1">
+              <a:schemeClr val="accent1"/>
+            </a:fillRef>
+            <a:effectRef idx="0">
+              <a:schemeClr val="accent1"/>
+            </a:effectRef>
+            <a:fontRef idx="minor">
+              <a:schemeClr val="lt1"/>
+            </a:fontRef>
+          </p:style>
+          <p:txBody>
+            <a:bodyPr rtlCol="0" anchor="ctr"/>
+            <a:lstStyle/>
+            <a:p>
+              <a:pPr algn="ctr"/>
+              <a:endParaRPr lang="fr-FR"/>
+            </a:p>
+          </p:txBody>
+        </p:sp>
+        <p:cxnSp>
+          <p:nvCxnSpPr>
+            <p:cNvPr id="87" name="Connecteur droit 86"/>
+            <p:cNvCxnSpPr/>
+            <p:nvPr/>
+          </p:nvCxnSpPr>
+          <p:spPr>
+            <a:xfrm>
+              <a:off x="1728038" y="4769552"/>
+              <a:ext cx="0" cy="180000"/>
+            </a:xfrm>
+            <a:prstGeom prst="line">
+              <a:avLst/>
+            </a:prstGeom>
+            <a:ln w="28575">
+              <a:solidFill>
+                <a:srgbClr val="660033"/>
+              </a:solidFill>
+            </a:ln>
+          </p:spPr>
+          <p:style>
+            <a:lnRef idx="1">
+              <a:schemeClr val="accent1"/>
+            </a:lnRef>
+            <a:fillRef idx="0">
+              <a:schemeClr val="accent1"/>
+            </a:fillRef>
+            <a:effectRef idx="0">
+              <a:schemeClr val="accent1"/>
+            </a:effectRef>
+            <a:fontRef idx="minor">
+              <a:schemeClr val="tx1"/>
+            </a:fontRef>
+          </p:style>
+        </p:cxnSp>
+        <p:cxnSp>
+          <p:nvCxnSpPr>
+            <p:cNvPr id="88" name="Connecteur droit 87"/>
+            <p:cNvCxnSpPr/>
+            <p:nvPr/>
+          </p:nvCxnSpPr>
+          <p:spPr>
+            <a:xfrm>
+              <a:off x="1261410" y="4769552"/>
+              <a:ext cx="0" cy="180000"/>
+            </a:xfrm>
+            <a:prstGeom prst="line">
+              <a:avLst/>
+            </a:prstGeom>
+            <a:ln w="28575">
+              <a:solidFill>
+                <a:srgbClr val="660033"/>
+              </a:solidFill>
+            </a:ln>
+          </p:spPr>
+          <p:style>
+            <a:lnRef idx="1">
+              <a:schemeClr val="accent1"/>
+            </a:lnRef>
+            <a:fillRef idx="0">
+              <a:schemeClr val="accent1"/>
+            </a:fillRef>
+            <a:effectRef idx="0">
+              <a:schemeClr val="accent1"/>
+            </a:effectRef>
+            <a:fontRef idx="minor">
+              <a:schemeClr val="tx1"/>
+            </a:fontRef>
+          </p:style>
+        </p:cxnSp>
+        <p:cxnSp>
+          <p:nvCxnSpPr>
+            <p:cNvPr id="93" name="Connecteur droit 92"/>
+            <p:cNvCxnSpPr>
+              <a:stCxn id="85" idx="2"/>
+            </p:cNvCxnSpPr>
+            <p:nvPr/>
+          </p:nvCxnSpPr>
+          <p:spPr>
+            <a:xfrm>
+              <a:off x="1494724" y="4949552"/>
+              <a:ext cx="0" cy="392618"/>
+            </a:xfrm>
+            <a:prstGeom prst="line">
+              <a:avLst/>
+            </a:prstGeom>
+            <a:ln w="28575">
+              <a:solidFill>
+                <a:srgbClr val="00B050"/>
+              </a:solidFill>
+            </a:ln>
+          </p:spPr>
+          <p:style>
+            <a:lnRef idx="1">
+              <a:schemeClr val="accent1"/>
+            </a:lnRef>
+            <a:fillRef idx="0">
+              <a:schemeClr val="accent1"/>
+            </a:fillRef>
+            <a:effectRef idx="0">
+              <a:schemeClr val="accent1"/>
+            </a:effectRef>
+            <a:fontRef idx="minor">
+              <a:schemeClr val="tx1"/>
+            </a:fontRef>
+          </p:style>
+        </p:cxnSp>
+        <p:cxnSp>
+          <p:nvCxnSpPr>
+            <p:cNvPr id="98" name="Connecteur droit 97"/>
+            <p:cNvCxnSpPr/>
+            <p:nvPr/>
+          </p:nvCxnSpPr>
+          <p:spPr>
+            <a:xfrm flipH="1">
+              <a:off x="1154480" y="4859552"/>
+              <a:ext cx="619424" cy="0"/>
+            </a:xfrm>
+            <a:prstGeom prst="line">
+              <a:avLst/>
+            </a:prstGeom>
+            <a:ln w="28575">
+              <a:solidFill>
+                <a:srgbClr val="660033"/>
+              </a:solidFill>
+            </a:ln>
+          </p:spPr>
+          <p:style>
+            <a:lnRef idx="1">
+              <a:schemeClr val="accent1"/>
+            </a:lnRef>
+            <a:fillRef idx="0">
+              <a:schemeClr val="accent1"/>
+            </a:fillRef>
+            <a:effectRef idx="0">
+              <a:schemeClr val="accent1"/>
+            </a:effectRef>
+            <a:fontRef idx="minor">
+              <a:schemeClr val="tx1"/>
+            </a:fontRef>
+          </p:style>
+        </p:cxnSp>
+        <p:cxnSp>
+          <p:nvCxnSpPr>
+            <p:cNvPr id="100" name="Connecteur droit 99"/>
+            <p:cNvCxnSpPr/>
+            <p:nvPr/>
+          </p:nvCxnSpPr>
+          <p:spPr>
+            <a:xfrm flipH="1">
+              <a:off x="1154480" y="4715774"/>
+              <a:ext cx="0" cy="143778"/>
+            </a:xfrm>
+            <a:prstGeom prst="line">
+              <a:avLst/>
+            </a:prstGeom>
+            <a:ln w="28575">
+              <a:solidFill>
+                <a:srgbClr val="660033"/>
+              </a:solidFill>
+            </a:ln>
+          </p:spPr>
+          <p:style>
+            <a:lnRef idx="1">
+              <a:schemeClr val="accent1"/>
+            </a:lnRef>
+            <a:fillRef idx="0">
+              <a:schemeClr val="accent1"/>
+            </a:fillRef>
+            <a:effectRef idx="0">
+              <a:schemeClr val="accent1"/>
+            </a:effectRef>
+            <a:fontRef idx="minor">
+              <a:schemeClr val="tx1"/>
+            </a:fontRef>
+          </p:style>
+        </p:cxnSp>
+        <p:cxnSp>
+          <p:nvCxnSpPr>
+            <p:cNvPr id="103" name="Connecteur droit 102"/>
+            <p:cNvCxnSpPr/>
+            <p:nvPr/>
+          </p:nvCxnSpPr>
+          <p:spPr>
+            <a:xfrm flipH="1">
+              <a:off x="1152648" y="4705708"/>
+              <a:ext cx="344943" cy="0"/>
+            </a:xfrm>
+            <a:prstGeom prst="line">
+              <a:avLst/>
+            </a:prstGeom>
+            <a:ln w="28575">
+              <a:solidFill>
+                <a:srgbClr val="660033"/>
+              </a:solidFill>
+            </a:ln>
+          </p:spPr>
+          <p:style>
+            <a:lnRef idx="1">
+              <a:schemeClr val="accent1"/>
+            </a:lnRef>
+            <a:fillRef idx="0">
+              <a:schemeClr val="accent1"/>
+            </a:fillRef>
+            <a:effectRef idx="0">
+              <a:schemeClr val="accent1"/>
+            </a:effectRef>
+            <a:fontRef idx="minor">
+              <a:schemeClr val="tx1"/>
+            </a:fontRef>
+          </p:style>
+        </p:cxnSp>
+        <p:cxnSp>
+          <p:nvCxnSpPr>
+            <p:cNvPr id="104" name="Connecteur droit 103"/>
+            <p:cNvCxnSpPr/>
+            <p:nvPr/>
+          </p:nvCxnSpPr>
+          <p:spPr>
+            <a:xfrm>
+              <a:off x="1500459" y="4310332"/>
+              <a:ext cx="0" cy="109558"/>
+            </a:xfrm>
+            <a:prstGeom prst="line">
+              <a:avLst/>
+            </a:prstGeom>
+            <a:ln w="28575">
+              <a:solidFill>
+                <a:schemeClr val="tx1"/>
+              </a:solidFill>
+            </a:ln>
+          </p:spPr>
+          <p:style>
+            <a:lnRef idx="1">
+              <a:schemeClr val="accent1"/>
+            </a:lnRef>
+            <a:fillRef idx="0">
+              <a:schemeClr val="accent1"/>
+            </a:fillRef>
+            <a:effectRef idx="0">
+              <a:schemeClr val="accent1"/>
+            </a:effectRef>
+            <a:fontRef idx="minor">
+              <a:schemeClr val="tx1"/>
+            </a:fontRef>
+          </p:style>
+        </p:cxnSp>
+        <p:cxnSp>
+          <p:nvCxnSpPr>
+            <p:cNvPr id="105" name="Connecteur droit 104"/>
+            <p:cNvCxnSpPr/>
+            <p:nvPr/>
+          </p:nvCxnSpPr>
+          <p:spPr>
+            <a:xfrm flipH="1">
+              <a:off x="1396639" y="4419890"/>
+              <a:ext cx="207640" cy="0"/>
+            </a:xfrm>
+            <a:prstGeom prst="line">
+              <a:avLst/>
+            </a:prstGeom>
+            <a:ln w="28575">
+              <a:solidFill>
+                <a:schemeClr val="tx1"/>
+              </a:solidFill>
+            </a:ln>
+          </p:spPr>
+          <p:style>
+            <a:lnRef idx="1">
+              <a:schemeClr val="accent1"/>
+            </a:lnRef>
+            <a:fillRef idx="0">
+              <a:schemeClr val="accent1"/>
+            </a:fillRef>
+            <a:effectRef idx="0">
+              <a:schemeClr val="accent1"/>
+            </a:effectRef>
+            <a:fontRef idx="minor">
+              <a:schemeClr val="tx1"/>
+            </a:fontRef>
+          </p:style>
+        </p:cxnSp>
+        <p:cxnSp>
+          <p:nvCxnSpPr>
+            <p:cNvPr id="106" name="Connecteur droit 105"/>
+            <p:cNvCxnSpPr/>
+            <p:nvPr/>
+          </p:nvCxnSpPr>
+          <p:spPr>
+            <a:xfrm flipH="1">
+              <a:off x="1493264" y="4561930"/>
+              <a:ext cx="0" cy="143778"/>
+            </a:xfrm>
+            <a:prstGeom prst="line">
+              <a:avLst/>
+            </a:prstGeom>
+            <a:ln w="28575">
+              <a:solidFill>
+                <a:srgbClr val="660033"/>
+              </a:solidFill>
+            </a:ln>
+          </p:spPr>
+          <p:style>
+            <a:lnRef idx="1">
+              <a:schemeClr val="accent1"/>
+            </a:lnRef>
+            <a:fillRef idx="0">
+              <a:schemeClr val="accent1"/>
+            </a:fillRef>
+            <a:effectRef idx="0">
+              <a:schemeClr val="accent1"/>
+            </a:effectRef>
+            <a:fontRef idx="minor">
+              <a:schemeClr val="tx1"/>
+            </a:fontRef>
+          </p:style>
+        </p:cxnSp>
+        <p:sp>
+          <p:nvSpPr>
+            <p:cNvPr id="107" name="Triangle isocèle 106"/>
+            <p:cNvSpPr/>
+            <p:nvPr/>
+          </p:nvSpPr>
+          <p:spPr>
+            <a:xfrm>
+              <a:off x="1425583" y="4445496"/>
+              <a:ext cx="144016" cy="144016"/>
+            </a:xfrm>
+            <a:prstGeom prst="triangle">
+              <a:avLst/>
+            </a:prstGeom>
+            <a:solidFill>
+              <a:schemeClr val="bg1"/>
+            </a:solidFill>
+            <a:ln w="28575">
+              <a:solidFill>
+                <a:srgbClr val="660033"/>
+              </a:solidFill>
+            </a:ln>
+          </p:spPr>
+          <p:style>
+            <a:lnRef idx="1">
+              <a:schemeClr val="accent1"/>
+            </a:lnRef>
+            <a:fillRef idx="0">
+              <a:schemeClr val="accent1"/>
+            </a:fillRef>
+            <a:effectRef idx="0">
+              <a:schemeClr val="accent1"/>
+            </a:effectRef>
+            <a:fontRef idx="minor">
+              <a:schemeClr val="tx1"/>
+            </a:fontRef>
+          </p:style>
+          <p:txBody>
+            <a:bodyPr rtlCol="0" anchor="ctr"/>
+            <a:lstStyle/>
+            <a:p>
+              <a:pPr algn="ctr"/>
+              <a:endParaRPr lang="fr-FR"/>
+            </a:p>
+          </p:txBody>
+        </p:sp>
+      </p:grpSp>
+      <p:grpSp>
+        <p:nvGrpSpPr>
+          <p:cNvPr id="108" name="Groupe 107"/>
+          <p:cNvGrpSpPr/>
+          <p:nvPr/>
+        </p:nvGrpSpPr>
+        <p:grpSpPr>
+          <a:xfrm>
+            <a:off x="888122" y="4157932"/>
+            <a:ext cx="955226" cy="1031838"/>
+            <a:chOff x="1152648" y="4310332"/>
+            <a:chExt cx="955226" cy="1031838"/>
+          </a:xfrm>
+        </p:grpSpPr>
+        <p:cxnSp>
+          <p:nvCxnSpPr>
+            <p:cNvPr id="109" name="Connecteur droit 108"/>
+            <p:cNvCxnSpPr/>
+            <p:nvPr/>
+          </p:nvCxnSpPr>
+          <p:spPr>
+            <a:xfrm flipH="1" flipV="1">
+              <a:off x="1494725" y="5342170"/>
+              <a:ext cx="613149" cy="0"/>
+            </a:xfrm>
+            <a:prstGeom prst="line">
+              <a:avLst/>
+            </a:prstGeom>
+            <a:ln w="28575">
+              <a:solidFill>
+                <a:srgbClr val="00B050"/>
+              </a:solidFill>
+            </a:ln>
+          </p:spPr>
+          <p:style>
+            <a:lnRef idx="1">
+              <a:schemeClr val="accent1"/>
+            </a:lnRef>
+            <a:fillRef idx="0">
+              <a:schemeClr val="accent1"/>
+            </a:fillRef>
+            <a:effectRef idx="0">
+              <a:schemeClr val="accent1"/>
+            </a:effectRef>
+            <a:fontRef idx="minor">
+              <a:schemeClr val="tx1"/>
+            </a:fontRef>
+          </p:style>
+        </p:cxnSp>
+        <p:sp>
+          <p:nvSpPr>
+            <p:cNvPr id="110" name="Rectangle 109"/>
+            <p:cNvSpPr/>
+            <p:nvPr/>
+          </p:nvSpPr>
+          <p:spPr>
+            <a:xfrm>
+              <a:off x="1314724" y="4769552"/>
+              <a:ext cx="360000" cy="180000"/>
+            </a:xfrm>
+            <a:prstGeom prst="rect">
+              <a:avLst/>
+            </a:prstGeom>
+            <a:noFill/>
+            <a:ln w="28575">
+              <a:solidFill>
+                <a:srgbClr val="00B050"/>
+              </a:solidFill>
+            </a:ln>
+          </p:spPr>
+          <p:style>
+            <a:lnRef idx="2">
+              <a:schemeClr val="accent1">
+                <a:shade val="50000"/>
+              </a:schemeClr>
+            </a:lnRef>
+            <a:fillRef idx="1">
+              <a:schemeClr val="accent1"/>
+            </a:fillRef>
+            <a:effectRef idx="0">
+              <a:schemeClr val="accent1"/>
+            </a:effectRef>
+            <a:fontRef idx="minor">
+              <a:schemeClr val="lt1"/>
+            </a:fontRef>
+          </p:style>
+          <p:txBody>
+            <a:bodyPr rtlCol="0" anchor="ctr"/>
+            <a:lstStyle/>
+            <a:p>
+              <a:pPr algn="ctr"/>
+              <a:endParaRPr lang="fr-FR"/>
+            </a:p>
+          </p:txBody>
+        </p:sp>
+        <p:cxnSp>
+          <p:nvCxnSpPr>
+            <p:cNvPr id="111" name="Connecteur droit 110"/>
+            <p:cNvCxnSpPr/>
+            <p:nvPr/>
+          </p:nvCxnSpPr>
+          <p:spPr>
+            <a:xfrm>
+              <a:off x="1728038" y="4769552"/>
+              <a:ext cx="0" cy="180000"/>
+            </a:xfrm>
+            <a:prstGeom prst="line">
+              <a:avLst/>
+            </a:prstGeom>
+            <a:ln w="28575">
+              <a:solidFill>
+                <a:srgbClr val="660033"/>
+              </a:solidFill>
+            </a:ln>
+          </p:spPr>
+          <p:style>
+            <a:lnRef idx="1">
+              <a:schemeClr val="accent1"/>
+            </a:lnRef>
+            <a:fillRef idx="0">
+              <a:schemeClr val="accent1"/>
+            </a:fillRef>
+            <a:effectRef idx="0">
+              <a:schemeClr val="accent1"/>
+            </a:effectRef>
+            <a:fontRef idx="minor">
+              <a:schemeClr val="tx1"/>
+            </a:fontRef>
+          </p:style>
+        </p:cxnSp>
+        <p:cxnSp>
+          <p:nvCxnSpPr>
+            <p:cNvPr id="112" name="Connecteur droit 111"/>
+            <p:cNvCxnSpPr/>
+            <p:nvPr/>
+          </p:nvCxnSpPr>
+          <p:spPr>
+            <a:xfrm>
+              <a:off x="1261410" y="4769552"/>
+              <a:ext cx="0" cy="180000"/>
+            </a:xfrm>
+            <a:prstGeom prst="line">
+              <a:avLst/>
+            </a:prstGeom>
+            <a:ln w="28575">
+              <a:solidFill>
+                <a:srgbClr val="660033"/>
+              </a:solidFill>
+            </a:ln>
+          </p:spPr>
+          <p:style>
+            <a:lnRef idx="1">
+              <a:schemeClr val="accent1"/>
+            </a:lnRef>
+            <a:fillRef idx="0">
+              <a:schemeClr val="accent1"/>
+            </a:fillRef>
+            <a:effectRef idx="0">
+              <a:schemeClr val="accent1"/>
+            </a:effectRef>
+            <a:fontRef idx="minor">
+              <a:schemeClr val="tx1"/>
+            </a:fontRef>
+          </p:style>
+        </p:cxnSp>
+        <p:cxnSp>
+          <p:nvCxnSpPr>
+            <p:cNvPr id="113" name="Connecteur droit 112"/>
+            <p:cNvCxnSpPr>
+              <a:stCxn id="110" idx="2"/>
+            </p:cNvCxnSpPr>
+            <p:nvPr/>
+          </p:nvCxnSpPr>
+          <p:spPr>
+            <a:xfrm>
+              <a:off x="1494724" y="4949552"/>
+              <a:ext cx="0" cy="392618"/>
+            </a:xfrm>
+            <a:prstGeom prst="line">
+              <a:avLst/>
+            </a:prstGeom>
+            <a:ln w="28575">
+              <a:solidFill>
+                <a:srgbClr val="00B050"/>
+              </a:solidFill>
+            </a:ln>
+          </p:spPr>
+          <p:style>
+            <a:lnRef idx="1">
+              <a:schemeClr val="accent1"/>
+            </a:lnRef>
+            <a:fillRef idx="0">
+              <a:schemeClr val="accent1"/>
+            </a:fillRef>
+            <a:effectRef idx="0">
+              <a:schemeClr val="accent1"/>
+            </a:effectRef>
+            <a:fontRef idx="minor">
+              <a:schemeClr val="tx1"/>
+            </a:fontRef>
+          </p:style>
+        </p:cxnSp>
+        <p:cxnSp>
+          <p:nvCxnSpPr>
+            <p:cNvPr id="114" name="Connecteur droit 113"/>
+            <p:cNvCxnSpPr/>
+            <p:nvPr/>
+          </p:nvCxnSpPr>
+          <p:spPr>
+            <a:xfrm flipH="1">
+              <a:off x="1154480" y="4859552"/>
+              <a:ext cx="619424" cy="0"/>
+            </a:xfrm>
+            <a:prstGeom prst="line">
+              <a:avLst/>
+            </a:prstGeom>
+            <a:ln w="28575">
+              <a:solidFill>
+                <a:srgbClr val="660033"/>
+              </a:solidFill>
+            </a:ln>
+          </p:spPr>
+          <p:style>
+            <a:lnRef idx="1">
+              <a:schemeClr val="accent1"/>
+            </a:lnRef>
+            <a:fillRef idx="0">
+              <a:schemeClr val="accent1"/>
+            </a:fillRef>
+            <a:effectRef idx="0">
+              <a:schemeClr val="accent1"/>
+            </a:effectRef>
+            <a:fontRef idx="minor">
+              <a:schemeClr val="tx1"/>
+            </a:fontRef>
+          </p:style>
+        </p:cxnSp>
+        <p:cxnSp>
+          <p:nvCxnSpPr>
+            <p:cNvPr id="115" name="Connecteur droit 114"/>
+            <p:cNvCxnSpPr/>
+            <p:nvPr/>
+          </p:nvCxnSpPr>
+          <p:spPr>
+            <a:xfrm flipH="1">
+              <a:off x="1154480" y="4715774"/>
+              <a:ext cx="0" cy="143778"/>
+            </a:xfrm>
+            <a:prstGeom prst="line">
+              <a:avLst/>
+            </a:prstGeom>
+            <a:ln w="28575">
+              <a:solidFill>
+                <a:srgbClr val="660033"/>
+              </a:solidFill>
+            </a:ln>
+          </p:spPr>
+          <p:style>
+            <a:lnRef idx="1">
+              <a:schemeClr val="accent1"/>
+            </a:lnRef>
+            <a:fillRef idx="0">
+              <a:schemeClr val="accent1"/>
+            </a:fillRef>
+            <a:effectRef idx="0">
+              <a:schemeClr val="accent1"/>
+            </a:effectRef>
+            <a:fontRef idx="minor">
+              <a:schemeClr val="tx1"/>
+            </a:fontRef>
+          </p:style>
+        </p:cxnSp>
+        <p:cxnSp>
+          <p:nvCxnSpPr>
+            <p:cNvPr id="116" name="Connecteur droit 115"/>
+            <p:cNvCxnSpPr/>
+            <p:nvPr/>
+          </p:nvCxnSpPr>
+          <p:spPr>
+            <a:xfrm flipH="1">
+              <a:off x="1152648" y="4705708"/>
+              <a:ext cx="344943" cy="0"/>
+            </a:xfrm>
+            <a:prstGeom prst="line">
+              <a:avLst/>
+            </a:prstGeom>
+            <a:ln w="28575">
+              <a:solidFill>
+                <a:srgbClr val="660033"/>
+              </a:solidFill>
+            </a:ln>
+          </p:spPr>
+          <p:style>
+            <a:lnRef idx="1">
+              <a:schemeClr val="accent1"/>
+            </a:lnRef>
+            <a:fillRef idx="0">
+              <a:schemeClr val="accent1"/>
+            </a:fillRef>
+            <a:effectRef idx="0">
+              <a:schemeClr val="accent1"/>
+            </a:effectRef>
+            <a:fontRef idx="minor">
+              <a:schemeClr val="tx1"/>
+            </a:fontRef>
+          </p:style>
+        </p:cxnSp>
+        <p:cxnSp>
+          <p:nvCxnSpPr>
+            <p:cNvPr id="117" name="Connecteur droit 116"/>
+            <p:cNvCxnSpPr/>
+            <p:nvPr/>
+          </p:nvCxnSpPr>
+          <p:spPr>
+            <a:xfrm>
+              <a:off x="1500459" y="4310332"/>
+              <a:ext cx="0" cy="109558"/>
+            </a:xfrm>
+            <a:prstGeom prst="line">
+              <a:avLst/>
+            </a:prstGeom>
+            <a:ln w="28575">
+              <a:solidFill>
+                <a:schemeClr val="tx1"/>
+              </a:solidFill>
+            </a:ln>
+          </p:spPr>
+          <p:style>
+            <a:lnRef idx="1">
+              <a:schemeClr val="accent1"/>
+            </a:lnRef>
+            <a:fillRef idx="0">
+              <a:schemeClr val="accent1"/>
+            </a:fillRef>
+            <a:effectRef idx="0">
+              <a:schemeClr val="accent1"/>
+            </a:effectRef>
+            <a:fontRef idx="minor">
+              <a:schemeClr val="tx1"/>
+            </a:fontRef>
+          </p:style>
+        </p:cxnSp>
+        <p:cxnSp>
+          <p:nvCxnSpPr>
+            <p:cNvPr id="118" name="Connecteur droit 117"/>
+            <p:cNvCxnSpPr/>
+            <p:nvPr/>
+          </p:nvCxnSpPr>
+          <p:spPr>
+            <a:xfrm flipH="1">
+              <a:off x="1396639" y="4419890"/>
+              <a:ext cx="207640" cy="0"/>
+            </a:xfrm>
+            <a:prstGeom prst="line">
+              <a:avLst/>
+            </a:prstGeom>
+            <a:ln w="28575">
+              <a:solidFill>
+                <a:schemeClr val="tx1"/>
+              </a:solidFill>
+            </a:ln>
+          </p:spPr>
+          <p:style>
+            <a:lnRef idx="1">
+              <a:schemeClr val="accent1"/>
+            </a:lnRef>
+            <a:fillRef idx="0">
+              <a:schemeClr val="accent1"/>
+            </a:fillRef>
+            <a:effectRef idx="0">
+              <a:schemeClr val="accent1"/>
+            </a:effectRef>
+            <a:fontRef idx="minor">
+              <a:schemeClr val="tx1"/>
+            </a:fontRef>
+          </p:style>
+        </p:cxnSp>
+        <p:cxnSp>
+          <p:nvCxnSpPr>
+            <p:cNvPr id="119" name="Connecteur droit 118"/>
+            <p:cNvCxnSpPr/>
+            <p:nvPr/>
+          </p:nvCxnSpPr>
+          <p:spPr>
+            <a:xfrm flipH="1">
+              <a:off x="1493264" y="4561930"/>
+              <a:ext cx="0" cy="143778"/>
+            </a:xfrm>
+            <a:prstGeom prst="line">
+              <a:avLst/>
+            </a:prstGeom>
+            <a:ln w="28575">
+              <a:solidFill>
+                <a:srgbClr val="660033"/>
+              </a:solidFill>
+            </a:ln>
+          </p:spPr>
+          <p:style>
+            <a:lnRef idx="1">
+              <a:schemeClr val="accent1"/>
+            </a:lnRef>
+            <a:fillRef idx="0">
+              <a:schemeClr val="accent1"/>
+            </a:fillRef>
+            <a:effectRef idx="0">
+              <a:schemeClr val="accent1"/>
+            </a:effectRef>
+            <a:fontRef idx="minor">
+              <a:schemeClr val="tx1"/>
+            </a:fontRef>
+          </p:style>
+        </p:cxnSp>
+        <p:sp>
+          <p:nvSpPr>
+            <p:cNvPr id="120" name="Triangle isocèle 119"/>
+            <p:cNvSpPr/>
+            <p:nvPr/>
+          </p:nvSpPr>
+          <p:spPr>
+            <a:xfrm>
+              <a:off x="1425583" y="4445496"/>
+              <a:ext cx="144016" cy="144016"/>
+            </a:xfrm>
+            <a:prstGeom prst="triangle">
+              <a:avLst/>
+            </a:prstGeom>
+            <a:solidFill>
+              <a:schemeClr val="bg1"/>
+            </a:solidFill>
+            <a:ln w="28575">
+              <a:solidFill>
+                <a:srgbClr val="660033"/>
+              </a:solidFill>
+            </a:ln>
+          </p:spPr>
+          <p:style>
+            <a:lnRef idx="1">
+              <a:schemeClr val="accent1"/>
+            </a:lnRef>
+            <a:fillRef idx="0">
+              <a:schemeClr val="accent1"/>
+            </a:fillRef>
+            <a:effectRef idx="0">
+              <a:schemeClr val="accent1"/>
+            </a:effectRef>
+            <a:fontRef idx="minor">
+              <a:schemeClr val="tx1"/>
+            </a:fontRef>
+          </p:style>
+          <p:txBody>
+            <a:bodyPr rtlCol="0" anchor="ctr"/>
+            <a:lstStyle/>
+            <a:p>
+              <a:pPr algn="ctr"/>
+              <a:endParaRPr lang="fr-FR"/>
+            </a:p>
+          </p:txBody>
+        </p:sp>
+      </p:grpSp>
+      <p:sp>
+        <p:nvSpPr>
+          <p:cNvPr id="27" name="Ellipse 26"/>
+          <p:cNvSpPr/>
+          <p:nvPr/>
+        </p:nvSpPr>
+        <p:spPr>
+          <a:xfrm>
+            <a:off x="3391880" y="5589240"/>
+            <a:ext cx="288032" cy="288032"/>
+          </a:xfrm>
+          <a:prstGeom prst="ellipse">
+            <a:avLst/>
+          </a:prstGeom>
+          <a:ln w="28575">
+            <a:solidFill>
+              <a:schemeClr val="accent5">
+                <a:lumMod val="75000"/>
+              </a:schemeClr>
+            </a:solidFill>
+          </a:ln>
+        </p:spPr>
+        <p:style>
+          <a:lnRef idx="1">
+            <a:schemeClr val="accent1"/>
+          </a:lnRef>
+          <a:fillRef idx="0">
+            <a:schemeClr val="accent1"/>
+          </a:fillRef>
+          <a:effectRef idx="0">
+            <a:schemeClr val="accent1"/>
+          </a:effectRef>
+          <a:fontRef idx="minor">
+            <a:schemeClr val="tx1"/>
+          </a:fontRef>
+        </p:style>
+        <p:txBody>
+          <a:bodyPr lIns="0" tIns="0" rIns="0" bIns="0" rtlCol="0" anchor="ctr"/>
+          <a:lstStyle/>
+          <a:p>
+            <a:pPr algn="ctr"/>
+            <a:r>
+              <a:rPr lang="fr-FR" sz="1400" b="1" dirty="0" smtClean="0">
+                <a:solidFill>
+                  <a:schemeClr val="accent5">
+                    <a:lumMod val="75000"/>
+                  </a:schemeClr>
+                </a:solidFill>
+              </a:rPr>
+              <a:t>3</a:t>
+            </a:r>
+            <a:endParaRPr lang="fr-FR" sz="1400" b="1" dirty="0">
+              <a:solidFill>
+                <a:schemeClr val="accent5">
+                  <a:lumMod val="75000"/>
+                </a:schemeClr>
+              </a:solidFill>
+            </a:endParaRPr>
+          </a:p>
+        </p:txBody>
+      </p:sp>
+      <p:sp>
+        <p:nvSpPr>
+          <p:cNvPr id="123" name="Ellipse 122"/>
+          <p:cNvSpPr/>
+          <p:nvPr/>
+        </p:nvSpPr>
+        <p:spPr>
+          <a:xfrm>
+            <a:off x="3075870" y="6596756"/>
+            <a:ext cx="288032" cy="288032"/>
+          </a:xfrm>
+          <a:prstGeom prst="ellipse">
+            <a:avLst/>
+          </a:prstGeom>
+          <a:ln w="28575">
+            <a:solidFill>
+              <a:srgbClr val="FF0000"/>
+            </a:solidFill>
+          </a:ln>
+        </p:spPr>
+        <p:style>
+          <a:lnRef idx="1">
+            <a:schemeClr val="accent1"/>
+          </a:lnRef>
+          <a:fillRef idx="0">
+            <a:schemeClr val="accent1"/>
+          </a:fillRef>
+          <a:effectRef idx="0">
+            <a:schemeClr val="accent1"/>
+          </a:effectRef>
+          <a:fontRef idx="minor">
+            <a:schemeClr val="tx1"/>
+          </a:fontRef>
+        </p:style>
+        <p:txBody>
+          <a:bodyPr lIns="0" tIns="0" rIns="0" bIns="0" rtlCol="0" anchor="ctr"/>
+          <a:lstStyle/>
+          <a:p>
+            <a:pPr algn="ctr"/>
+            <a:r>
+              <a:rPr lang="fr-FR" sz="1400" b="1" dirty="0" smtClean="0">
+                <a:solidFill>
+                  <a:srgbClr val="FF0000"/>
+                </a:solidFill>
+              </a:rPr>
+              <a:t>9</a:t>
+            </a:r>
+            <a:endParaRPr lang="fr-FR" sz="1400" b="1" dirty="0">
+              <a:solidFill>
+                <a:srgbClr val="FF0000"/>
+              </a:solidFill>
+            </a:endParaRPr>
+          </a:p>
+        </p:txBody>
+      </p:sp>
+      <p:sp>
+        <p:nvSpPr>
+          <p:cNvPr id="125" name="Ellipse 124"/>
+          <p:cNvSpPr/>
+          <p:nvPr/>
+        </p:nvSpPr>
+        <p:spPr>
+          <a:xfrm>
+            <a:off x="2971828" y="4893729"/>
+            <a:ext cx="288032" cy="288032"/>
+          </a:xfrm>
+          <a:prstGeom prst="ellipse">
+            <a:avLst/>
+          </a:prstGeom>
+          <a:ln w="28575">
+            <a:solidFill>
+              <a:srgbClr val="0000FF"/>
+            </a:solidFill>
+          </a:ln>
+        </p:spPr>
+        <p:style>
+          <a:lnRef idx="1">
+            <a:schemeClr val="accent1"/>
+          </a:lnRef>
+          <a:fillRef idx="0">
+            <a:schemeClr val="accent1"/>
+          </a:fillRef>
+          <a:effectRef idx="0">
+            <a:schemeClr val="accent1"/>
+          </a:effectRef>
+          <a:fontRef idx="minor">
+            <a:schemeClr val="tx1"/>
+          </a:fontRef>
+        </p:style>
+        <p:txBody>
+          <a:bodyPr lIns="0" tIns="0" rIns="0" bIns="0" rtlCol="0" anchor="ctr"/>
+          <a:lstStyle/>
+          <a:p>
+            <a:pPr algn="ctr"/>
+            <a:r>
+              <a:rPr lang="fr-FR" sz="1400" b="1" dirty="0" smtClean="0">
+                <a:solidFill>
+                  <a:srgbClr val="0000FF"/>
+                </a:solidFill>
+              </a:rPr>
+              <a:t>10</a:t>
+            </a:r>
+            <a:endParaRPr lang="fr-FR" sz="1400" b="1" dirty="0">
+              <a:solidFill>
+                <a:srgbClr val="0000FF"/>
+              </a:solidFill>
+            </a:endParaRPr>
+          </a:p>
+        </p:txBody>
+      </p:sp>
+      <p:sp>
+        <p:nvSpPr>
+          <p:cNvPr id="126" name="Ellipse 125"/>
+          <p:cNvSpPr/>
+          <p:nvPr/>
+        </p:nvSpPr>
+        <p:spPr>
+          <a:xfrm>
+            <a:off x="2514342" y="4202013"/>
+            <a:ext cx="288032" cy="288032"/>
+          </a:xfrm>
+          <a:prstGeom prst="ellipse">
+            <a:avLst/>
+          </a:prstGeom>
+          <a:ln w="28575">
+            <a:solidFill>
+              <a:schemeClr val="tx1"/>
+            </a:solidFill>
+          </a:ln>
+        </p:spPr>
+        <p:style>
+          <a:lnRef idx="1">
+            <a:schemeClr val="accent1"/>
+          </a:lnRef>
+          <a:fillRef idx="0">
+            <a:schemeClr val="accent1"/>
+          </a:fillRef>
+          <a:effectRef idx="0">
+            <a:schemeClr val="accent1"/>
+          </a:effectRef>
+          <a:fontRef idx="minor">
+            <a:schemeClr val="tx1"/>
+          </a:fontRef>
+        </p:style>
+        <p:txBody>
+          <a:bodyPr lIns="0" tIns="0" rIns="0" bIns="0" rtlCol="0" anchor="ctr"/>
+          <a:lstStyle/>
+          <a:p>
+            <a:pPr algn="ctr"/>
+            <a:r>
+              <a:rPr lang="fr-FR" sz="1400" b="1" dirty="0" smtClean="0"/>
+              <a:t>12</a:t>
+            </a:r>
+            <a:endParaRPr lang="fr-FR" sz="1400" b="1" dirty="0"/>
+          </a:p>
+        </p:txBody>
+      </p:sp>
+      <p:sp>
+        <p:nvSpPr>
+          <p:cNvPr id="127" name="Ellipse 126"/>
+          <p:cNvSpPr/>
+          <p:nvPr/>
+        </p:nvSpPr>
+        <p:spPr>
+          <a:xfrm>
+            <a:off x="1359872" y="4299209"/>
+            <a:ext cx="288032" cy="288032"/>
+          </a:xfrm>
+          <a:prstGeom prst="ellipse">
+            <a:avLst/>
+          </a:prstGeom>
+          <a:ln w="28575">
+            <a:solidFill>
+              <a:srgbClr val="660033"/>
+            </a:solidFill>
+          </a:ln>
+        </p:spPr>
+        <p:style>
+          <a:lnRef idx="1">
+            <a:schemeClr val="accent1"/>
+          </a:lnRef>
+          <a:fillRef idx="0">
+            <a:schemeClr val="accent1"/>
+          </a:fillRef>
+          <a:effectRef idx="0">
+            <a:schemeClr val="accent1"/>
+          </a:effectRef>
+          <a:fontRef idx="minor">
+            <a:schemeClr val="tx1"/>
+          </a:fontRef>
+        </p:style>
+        <p:txBody>
+          <a:bodyPr lIns="0" tIns="0" rIns="0" bIns="0" rtlCol="0" anchor="ctr"/>
+          <a:lstStyle/>
+          <a:p>
+            <a:pPr algn="ctr"/>
+            <a:r>
+              <a:rPr lang="fr-FR" sz="1400" b="1" dirty="0" smtClean="0">
+                <a:solidFill>
+                  <a:srgbClr val="660033"/>
+                </a:solidFill>
+              </a:rPr>
+              <a:t>20</a:t>
+            </a:r>
+            <a:endParaRPr lang="fr-FR" sz="1400" b="1" dirty="0">
+              <a:solidFill>
+                <a:srgbClr val="660033"/>
+              </a:solidFill>
+            </a:endParaRPr>
+          </a:p>
+        </p:txBody>
+      </p:sp>
+      <p:sp>
+        <p:nvSpPr>
+          <p:cNvPr id="128" name="Ellipse 127"/>
+          <p:cNvSpPr/>
+          <p:nvPr/>
+        </p:nvSpPr>
+        <p:spPr>
+          <a:xfrm>
+            <a:off x="1890802" y="4916979"/>
+            <a:ext cx="288032" cy="288032"/>
+          </a:xfrm>
+          <a:prstGeom prst="ellipse">
+            <a:avLst/>
+          </a:prstGeom>
+          <a:ln w="28575">
+            <a:solidFill>
+              <a:srgbClr val="00B050"/>
+            </a:solidFill>
+          </a:ln>
+        </p:spPr>
+        <p:style>
+          <a:lnRef idx="1">
+            <a:schemeClr val="accent1"/>
+          </a:lnRef>
+          <a:fillRef idx="0">
+            <a:schemeClr val="accent1"/>
+          </a:fillRef>
+          <a:effectRef idx="0">
+            <a:schemeClr val="accent1"/>
+          </a:effectRef>
+          <a:fontRef idx="minor">
+            <a:schemeClr val="tx1"/>
+          </a:fontRef>
+        </p:style>
+        <p:txBody>
+          <a:bodyPr lIns="0" tIns="0" rIns="0" bIns="0" rtlCol="0" anchor="ctr"/>
+          <a:lstStyle/>
+          <a:p>
+            <a:pPr algn="ctr"/>
+            <a:r>
+              <a:rPr lang="fr-FR" sz="1400" b="1" dirty="0" smtClean="0">
+                <a:solidFill>
+                  <a:srgbClr val="00B050"/>
+                </a:solidFill>
+              </a:rPr>
+              <a:t>18</a:t>
+            </a:r>
+            <a:endParaRPr lang="fr-FR" sz="1400" b="1" dirty="0">
+              <a:solidFill>
+                <a:srgbClr val="00B050"/>
+              </a:solidFill>
+            </a:endParaRPr>
+          </a:p>
+        </p:txBody>
+      </p:sp>
+      <p:sp>
+        <p:nvSpPr>
+          <p:cNvPr id="129" name="Ellipse 128"/>
+          <p:cNvSpPr/>
+          <p:nvPr/>
+        </p:nvSpPr>
+        <p:spPr>
+          <a:xfrm>
+            <a:off x="2000035" y="6051768"/>
+            <a:ext cx="288032" cy="288032"/>
+          </a:xfrm>
+          <a:prstGeom prst="ellipse">
+            <a:avLst/>
+          </a:prstGeom>
+          <a:ln w="28575">
+            <a:solidFill>
+              <a:schemeClr val="accent2">
+                <a:lumMod val="75000"/>
+              </a:schemeClr>
+            </a:solidFill>
+          </a:ln>
+        </p:spPr>
+        <p:style>
+          <a:lnRef idx="1">
+            <a:schemeClr val="accent1"/>
+          </a:lnRef>
+          <a:fillRef idx="0">
+            <a:schemeClr val="accent1"/>
+          </a:fillRef>
+          <a:effectRef idx="0">
+            <a:schemeClr val="accent1"/>
+          </a:effectRef>
+          <a:fontRef idx="minor">
+            <a:schemeClr val="tx1"/>
+          </a:fontRef>
+        </p:style>
+        <p:txBody>
+          <a:bodyPr lIns="0" tIns="0" rIns="0" bIns="0" rtlCol="0" anchor="ctr"/>
+          <a:lstStyle/>
+          <a:p>
+            <a:pPr algn="ctr"/>
+            <a:r>
+              <a:rPr lang="fr-FR" sz="1400" b="1" dirty="0" smtClean="0">
+                <a:solidFill>
+                  <a:srgbClr val="953721"/>
+                </a:solidFill>
+              </a:rPr>
+              <a:t>9’</a:t>
+            </a:r>
+            <a:endParaRPr lang="fr-FR" sz="1400" b="1" dirty="0">
+              <a:solidFill>
+                <a:srgbClr val="953721"/>
+              </a:solidFill>
+            </a:endParaRPr>
+          </a:p>
+        </p:txBody>
+      </p:sp>
     </p:spTree>
     <p:extLst>
       <p:ext uri="{BB962C8B-B14F-4D97-AF65-F5344CB8AC3E}">

--- a/GaletFreineur/EtudeTheorique/images/Figures.pptx
+++ b/GaletFreineur/EtudeTheorique/images/Figures.pptx
@@ -3211,13 +3211,13 @@
       </p:sp>
       <p:pic>
         <p:nvPicPr>
-          <p:cNvPr id="1026" name="Picture 2"/>
+          <p:cNvPr id="1027" name="Picture 3"/>
           <p:cNvPicPr>
             <a:picLocks noChangeAspect="1" noChangeArrowheads="1"/>
           </p:cNvPicPr>
           <p:nvPr/>
         </p:nvPicPr>
-        <p:blipFill>
+        <p:blipFill rotWithShape="1">
           <a:blip r:embed="rId2" cstate="print">
             <a:extLst>
               <a:ext uri="{28A0092B-C50C-407E-A947-70E740481C1C}">
@@ -3225,15 +3225,13 @@
               </a:ext>
             </a:extLst>
           </a:blip>
-          <a:srcRect/>
-          <a:stretch>
-            <a:fillRect/>
-          </a:stretch>
+          <a:srcRect l="9475"/>
+          <a:stretch/>
         </p:blipFill>
         <p:spPr bwMode="auto">
           <a:xfrm>
-            <a:off x="89298" y="332656"/>
-            <a:ext cx="2637383" cy="2520280"/>
+            <a:off x="2562575" y="377139"/>
+            <a:ext cx="1946642" cy="2691822"/>
           </a:xfrm>
           <a:prstGeom prst="rect">
             <a:avLst/>
@@ -3275,13 +3273,13 @@
       </p:pic>
       <p:pic>
         <p:nvPicPr>
-          <p:cNvPr id="1027" name="Picture 3"/>
+          <p:cNvPr id="1028" name="Picture 4"/>
           <p:cNvPicPr>
             <a:picLocks noChangeAspect="1" noChangeArrowheads="1"/>
           </p:cNvPicPr>
           <p:nvPr/>
         </p:nvPicPr>
-        <p:blipFill rotWithShape="1">
+        <p:blipFill>
           <a:blip r:embed="rId3" cstate="print">
             <a:extLst>
               <a:ext uri="{28A0092B-C50C-407E-A947-70E740481C1C}">
@@ -3289,13 +3287,15 @@
               </a:ext>
             </a:extLst>
           </a:blip>
-          <a:srcRect l="9475"/>
-          <a:stretch/>
+          <a:srcRect/>
+          <a:stretch>
+            <a:fillRect/>
+          </a:stretch>
         </p:blipFill>
         <p:spPr bwMode="auto">
           <a:xfrm>
-            <a:off x="2562575" y="377139"/>
-            <a:ext cx="1946642" cy="2691822"/>
+            <a:off x="4557620" y="476672"/>
+            <a:ext cx="2073831" cy="2592288"/>
           </a:xfrm>
           <a:prstGeom prst="rect">
             <a:avLst/>
@@ -3335,9 +3335,1778 @@
           </a:extLst>
         </p:spPr>
       </p:pic>
+      <p:cxnSp>
+        <p:nvCxnSpPr>
+          <p:cNvPr id="5" name="Connecteur droit 4"/>
+          <p:cNvCxnSpPr/>
+          <p:nvPr/>
+        </p:nvCxnSpPr>
+        <p:spPr>
+          <a:xfrm>
+            <a:off x="377939" y="5585710"/>
+            <a:ext cx="2897917" cy="0"/>
+          </a:xfrm>
+          <a:prstGeom prst="line">
+            <a:avLst/>
+          </a:prstGeom>
+          <a:ln w="28575">
+            <a:solidFill>
+              <a:schemeClr val="accent5">
+                <a:lumMod val="75000"/>
+              </a:schemeClr>
+            </a:solidFill>
+          </a:ln>
+        </p:spPr>
+        <p:style>
+          <a:lnRef idx="1">
+            <a:schemeClr val="accent1"/>
+          </a:lnRef>
+          <a:fillRef idx="0">
+            <a:schemeClr val="accent1"/>
+          </a:fillRef>
+          <a:effectRef idx="0">
+            <a:schemeClr val="accent1"/>
+          </a:effectRef>
+          <a:fontRef idx="minor">
+            <a:schemeClr val="tx1"/>
+          </a:fontRef>
+        </p:style>
+      </p:cxnSp>
+      <p:cxnSp>
+        <p:nvCxnSpPr>
+          <p:cNvPr id="9" name="Connecteur droit 8"/>
+          <p:cNvCxnSpPr/>
+          <p:nvPr/>
+        </p:nvCxnSpPr>
+        <p:spPr>
+          <a:xfrm flipV="1">
+            <a:off x="375045" y="5301208"/>
+            <a:ext cx="0" cy="576064"/>
+          </a:xfrm>
+          <a:prstGeom prst="line">
+            <a:avLst/>
+          </a:prstGeom>
+          <a:ln w="28575">
+            <a:solidFill>
+              <a:schemeClr val="accent5">
+                <a:lumMod val="75000"/>
+              </a:schemeClr>
+            </a:solidFill>
+          </a:ln>
+        </p:spPr>
+        <p:style>
+          <a:lnRef idx="1">
+            <a:schemeClr val="accent1"/>
+          </a:lnRef>
+          <a:fillRef idx="0">
+            <a:schemeClr val="accent1"/>
+          </a:fillRef>
+          <a:effectRef idx="0">
+            <a:schemeClr val="accent1"/>
+          </a:effectRef>
+          <a:fontRef idx="minor">
+            <a:schemeClr val="tx1"/>
+          </a:fontRef>
+        </p:style>
+      </p:cxnSp>
+      <p:sp>
+        <p:nvSpPr>
+          <p:cNvPr id="10" name="Rectangle 9"/>
+          <p:cNvSpPr/>
+          <p:nvPr/>
+        </p:nvSpPr>
+        <p:spPr>
+          <a:xfrm>
+            <a:off x="595281" y="5495710"/>
+            <a:ext cx="360000" cy="180000"/>
+          </a:xfrm>
+          <a:prstGeom prst="rect">
+            <a:avLst/>
+          </a:prstGeom>
+          <a:noFill/>
+          <a:ln w="28575">
+            <a:solidFill>
+              <a:schemeClr val="tx1"/>
+            </a:solidFill>
+          </a:ln>
+        </p:spPr>
+        <p:style>
+          <a:lnRef idx="2">
+            <a:schemeClr val="accent1">
+              <a:shade val="50000"/>
+            </a:schemeClr>
+          </a:lnRef>
+          <a:fillRef idx="1">
+            <a:schemeClr val="accent1"/>
+          </a:fillRef>
+          <a:effectRef idx="0">
+            <a:schemeClr val="accent1"/>
+          </a:effectRef>
+          <a:fontRef idx="minor">
+            <a:schemeClr val="lt1"/>
+          </a:fontRef>
+        </p:style>
+        <p:txBody>
+          <a:bodyPr rtlCol="0" anchor="ctr"/>
+          <a:lstStyle/>
+          <a:p>
+            <a:pPr algn="ctr"/>
+            <a:endParaRPr lang="fr-FR"/>
+          </a:p>
+        </p:txBody>
+      </p:sp>
+      <p:cxnSp>
+        <p:nvCxnSpPr>
+          <p:cNvPr id="16" name="Connecteur droit 15"/>
+          <p:cNvCxnSpPr/>
+          <p:nvPr/>
+        </p:nvCxnSpPr>
+        <p:spPr>
+          <a:xfrm flipV="1">
+            <a:off x="541734" y="5495710"/>
+            <a:ext cx="0" cy="180000"/>
+          </a:xfrm>
+          <a:prstGeom prst="line">
+            <a:avLst/>
+          </a:prstGeom>
+          <a:ln w="28575">
+            <a:solidFill>
+              <a:schemeClr val="accent5">
+                <a:lumMod val="75000"/>
+              </a:schemeClr>
+            </a:solidFill>
+          </a:ln>
+        </p:spPr>
+        <p:style>
+          <a:lnRef idx="1">
+            <a:schemeClr val="accent1"/>
+          </a:lnRef>
+          <a:fillRef idx="0">
+            <a:schemeClr val="accent1"/>
+          </a:fillRef>
+          <a:effectRef idx="0">
+            <a:schemeClr val="accent1"/>
+          </a:effectRef>
+          <a:fontRef idx="minor">
+            <a:schemeClr val="tx1"/>
+          </a:fontRef>
+        </p:style>
+      </p:cxnSp>
+      <p:cxnSp>
+        <p:nvCxnSpPr>
+          <p:cNvPr id="17" name="Connecteur droit 16"/>
+          <p:cNvCxnSpPr/>
+          <p:nvPr/>
+        </p:nvCxnSpPr>
+        <p:spPr>
+          <a:xfrm flipV="1">
+            <a:off x="1002080" y="5495710"/>
+            <a:ext cx="0" cy="180000"/>
+          </a:xfrm>
+          <a:prstGeom prst="line">
+            <a:avLst/>
+          </a:prstGeom>
+          <a:ln w="28575">
+            <a:solidFill>
+              <a:schemeClr val="accent5">
+                <a:lumMod val="75000"/>
+              </a:schemeClr>
+            </a:solidFill>
+          </a:ln>
+        </p:spPr>
+        <p:style>
+          <a:lnRef idx="1">
+            <a:schemeClr val="accent1"/>
+          </a:lnRef>
+          <a:fillRef idx="0">
+            <a:schemeClr val="accent1"/>
+          </a:fillRef>
+          <a:effectRef idx="0">
+            <a:schemeClr val="accent1"/>
+          </a:effectRef>
+          <a:fontRef idx="minor">
+            <a:schemeClr val="tx1"/>
+          </a:fontRef>
+        </p:style>
+      </p:cxnSp>
+      <p:cxnSp>
+        <p:nvCxnSpPr>
+          <p:cNvPr id="18" name="Connecteur droit 17"/>
+          <p:cNvCxnSpPr/>
+          <p:nvPr/>
+        </p:nvCxnSpPr>
+        <p:spPr>
+          <a:xfrm flipV="1">
+            <a:off x="775281" y="4149080"/>
+            <a:ext cx="0" cy="1346630"/>
+          </a:xfrm>
+          <a:prstGeom prst="line">
+            <a:avLst/>
+          </a:prstGeom>
+          <a:ln w="28575">
+            <a:solidFill>
+              <a:schemeClr val="tx1"/>
+            </a:solidFill>
+          </a:ln>
+        </p:spPr>
+        <p:style>
+          <a:lnRef idx="1">
+            <a:schemeClr val="accent1"/>
+          </a:lnRef>
+          <a:fillRef idx="0">
+            <a:schemeClr val="accent1"/>
+          </a:fillRef>
+          <a:effectRef idx="0">
+            <a:schemeClr val="accent1"/>
+          </a:effectRef>
+          <a:fontRef idx="minor">
+            <a:schemeClr val="tx1"/>
+          </a:fontRef>
+        </p:style>
+      </p:cxnSp>
+      <p:cxnSp>
+        <p:nvCxnSpPr>
+          <p:cNvPr id="23" name="Connecteur droit 22"/>
+          <p:cNvCxnSpPr/>
+          <p:nvPr/>
+        </p:nvCxnSpPr>
+        <p:spPr>
+          <a:xfrm flipV="1">
+            <a:off x="775281" y="5675710"/>
+            <a:ext cx="0" cy="1346630"/>
+          </a:xfrm>
+          <a:prstGeom prst="line">
+            <a:avLst/>
+          </a:prstGeom>
+          <a:ln w="28575">
+            <a:solidFill>
+              <a:schemeClr val="tx1"/>
+            </a:solidFill>
+          </a:ln>
+        </p:spPr>
+        <p:style>
+          <a:lnRef idx="1">
+            <a:schemeClr val="accent1"/>
+          </a:lnRef>
+          <a:fillRef idx="0">
+            <a:schemeClr val="accent1"/>
+          </a:fillRef>
+          <a:effectRef idx="0">
+            <a:schemeClr val="accent1"/>
+          </a:effectRef>
+          <a:fontRef idx="minor">
+            <a:schemeClr val="tx1"/>
+          </a:fontRef>
+        </p:style>
+      </p:cxnSp>
+      <p:cxnSp>
+        <p:nvCxnSpPr>
+          <p:cNvPr id="28" name="Connecteur droit 27"/>
+          <p:cNvCxnSpPr/>
+          <p:nvPr/>
+        </p:nvCxnSpPr>
+        <p:spPr>
+          <a:xfrm flipH="1">
+            <a:off x="775281" y="4155544"/>
+            <a:ext cx="2136135" cy="0"/>
+          </a:xfrm>
+          <a:prstGeom prst="line">
+            <a:avLst/>
+          </a:prstGeom>
+          <a:ln w="28575">
+            <a:solidFill>
+              <a:schemeClr val="tx1"/>
+            </a:solidFill>
+          </a:ln>
+        </p:spPr>
+        <p:style>
+          <a:lnRef idx="1">
+            <a:schemeClr val="accent1"/>
+          </a:lnRef>
+          <a:fillRef idx="0">
+            <a:schemeClr val="accent1"/>
+          </a:fillRef>
+          <a:effectRef idx="0">
+            <a:schemeClr val="accent1"/>
+          </a:effectRef>
+          <a:fontRef idx="minor">
+            <a:schemeClr val="tx1"/>
+          </a:fontRef>
+        </p:style>
+      </p:cxnSp>
+      <p:cxnSp>
+        <p:nvCxnSpPr>
+          <p:cNvPr id="30" name="Connecteur droit 29"/>
+          <p:cNvCxnSpPr/>
+          <p:nvPr/>
+        </p:nvCxnSpPr>
+        <p:spPr>
+          <a:xfrm flipH="1">
+            <a:off x="775281" y="7022340"/>
+            <a:ext cx="2140535" cy="0"/>
+          </a:xfrm>
+          <a:prstGeom prst="line">
+            <a:avLst/>
+          </a:prstGeom>
+          <a:ln w="28575">
+            <a:solidFill>
+              <a:schemeClr val="tx1"/>
+            </a:solidFill>
+          </a:ln>
+        </p:spPr>
+        <p:style>
+          <a:lnRef idx="1">
+            <a:schemeClr val="accent1"/>
+          </a:lnRef>
+          <a:fillRef idx="0">
+            <a:schemeClr val="accent1"/>
+          </a:fillRef>
+          <a:effectRef idx="0">
+            <a:schemeClr val="accent1"/>
+          </a:effectRef>
+          <a:fontRef idx="minor">
+            <a:schemeClr val="tx1"/>
+          </a:fontRef>
+        </p:style>
+      </p:cxnSp>
+      <p:cxnSp>
+        <p:nvCxnSpPr>
+          <p:cNvPr id="31" name="Connecteur droit 30"/>
+          <p:cNvCxnSpPr/>
+          <p:nvPr/>
+        </p:nvCxnSpPr>
+        <p:spPr>
+          <a:xfrm>
+            <a:off x="2906194" y="4161988"/>
+            <a:ext cx="0" cy="281568"/>
+          </a:xfrm>
+          <a:prstGeom prst="line">
+            <a:avLst/>
+          </a:prstGeom>
+          <a:ln w="28575">
+            <a:solidFill>
+              <a:schemeClr val="tx1"/>
+            </a:solidFill>
+          </a:ln>
+        </p:spPr>
+        <p:style>
+          <a:lnRef idx="1">
+            <a:schemeClr val="accent1"/>
+          </a:lnRef>
+          <a:fillRef idx="0">
+            <a:schemeClr val="accent1"/>
+          </a:fillRef>
+          <a:effectRef idx="0">
+            <a:schemeClr val="accent1"/>
+          </a:effectRef>
+          <a:fontRef idx="minor">
+            <a:schemeClr val="tx1"/>
+          </a:fontRef>
+        </p:style>
+      </p:cxnSp>
+      <p:cxnSp>
+        <p:nvCxnSpPr>
+          <p:cNvPr id="36" name="Connecteur droit 35"/>
+          <p:cNvCxnSpPr/>
+          <p:nvPr/>
+        </p:nvCxnSpPr>
+        <p:spPr>
+          <a:xfrm>
+            <a:off x="1853902" y="4161988"/>
+            <a:ext cx="0" cy="281568"/>
+          </a:xfrm>
+          <a:prstGeom prst="line">
+            <a:avLst/>
+          </a:prstGeom>
+          <a:ln w="28575">
+            <a:solidFill>
+              <a:schemeClr val="tx1"/>
+            </a:solidFill>
+          </a:ln>
+        </p:spPr>
+        <p:style>
+          <a:lnRef idx="1">
+            <a:schemeClr val="accent1"/>
+          </a:lnRef>
+          <a:fillRef idx="0">
+            <a:schemeClr val="accent1"/>
+          </a:fillRef>
+          <a:effectRef idx="0">
+            <a:schemeClr val="accent1"/>
+          </a:effectRef>
+          <a:fontRef idx="minor">
+            <a:schemeClr val="tx1"/>
+          </a:fontRef>
+        </p:style>
+      </p:cxnSp>
+      <p:cxnSp>
+        <p:nvCxnSpPr>
+          <p:cNvPr id="37" name="Connecteur droit 36"/>
+          <p:cNvCxnSpPr/>
+          <p:nvPr/>
+        </p:nvCxnSpPr>
+        <p:spPr>
+          <a:xfrm flipH="1">
+            <a:off x="1750082" y="4443556"/>
+            <a:ext cx="207640" cy="0"/>
+          </a:xfrm>
+          <a:prstGeom prst="line">
+            <a:avLst/>
+          </a:prstGeom>
+          <a:ln w="28575">
+            <a:solidFill>
+              <a:schemeClr val="tx1"/>
+            </a:solidFill>
+          </a:ln>
+        </p:spPr>
+        <p:style>
+          <a:lnRef idx="1">
+            <a:schemeClr val="accent1"/>
+          </a:lnRef>
+          <a:fillRef idx="0">
+            <a:schemeClr val="accent1"/>
+          </a:fillRef>
+          <a:effectRef idx="0">
+            <a:schemeClr val="accent1"/>
+          </a:effectRef>
+          <a:fontRef idx="minor">
+            <a:schemeClr val="tx1"/>
+          </a:fontRef>
+        </p:style>
+      </p:cxnSp>
+      <p:cxnSp>
+        <p:nvCxnSpPr>
+          <p:cNvPr id="39" name="Connecteur droit 38"/>
+          <p:cNvCxnSpPr/>
+          <p:nvPr/>
+        </p:nvCxnSpPr>
+        <p:spPr>
+          <a:xfrm flipH="1">
+            <a:off x="2802374" y="4443556"/>
+            <a:ext cx="207640" cy="0"/>
+          </a:xfrm>
+          <a:prstGeom prst="line">
+            <a:avLst/>
+          </a:prstGeom>
+          <a:ln w="28575">
+            <a:solidFill>
+              <a:schemeClr val="tx1"/>
+            </a:solidFill>
+          </a:ln>
+        </p:spPr>
+        <p:style>
+          <a:lnRef idx="1">
+            <a:schemeClr val="accent1"/>
+          </a:lnRef>
+          <a:fillRef idx="0">
+            <a:schemeClr val="accent1"/>
+          </a:fillRef>
+          <a:effectRef idx="0">
+            <a:schemeClr val="accent1"/>
+          </a:effectRef>
+          <a:fontRef idx="minor">
+            <a:schemeClr val="tx1"/>
+          </a:fontRef>
+        </p:style>
+      </p:cxnSp>
+      <p:cxnSp>
+        <p:nvCxnSpPr>
+          <p:cNvPr id="42" name="Connecteur droit 41"/>
+          <p:cNvCxnSpPr/>
+          <p:nvPr/>
+        </p:nvCxnSpPr>
+        <p:spPr>
+          <a:xfrm flipV="1">
+            <a:off x="2915816" y="6740772"/>
+            <a:ext cx="0" cy="281568"/>
+          </a:xfrm>
+          <a:prstGeom prst="line">
+            <a:avLst/>
+          </a:prstGeom>
+          <a:ln w="28575">
+            <a:solidFill>
+              <a:schemeClr val="tx1"/>
+            </a:solidFill>
+          </a:ln>
+        </p:spPr>
+        <p:style>
+          <a:lnRef idx="1">
+            <a:schemeClr val="accent1"/>
+          </a:lnRef>
+          <a:fillRef idx="0">
+            <a:schemeClr val="accent1"/>
+          </a:fillRef>
+          <a:effectRef idx="0">
+            <a:schemeClr val="accent1"/>
+          </a:effectRef>
+          <a:fontRef idx="minor">
+            <a:schemeClr val="tx1"/>
+          </a:fontRef>
+        </p:style>
+      </p:cxnSp>
+      <p:cxnSp>
+        <p:nvCxnSpPr>
+          <p:cNvPr id="43" name="Connecteur droit 42"/>
+          <p:cNvCxnSpPr/>
+          <p:nvPr/>
+        </p:nvCxnSpPr>
+        <p:spPr>
+          <a:xfrm flipV="1">
+            <a:off x="1853902" y="6740772"/>
+            <a:ext cx="0" cy="281568"/>
+          </a:xfrm>
+          <a:prstGeom prst="line">
+            <a:avLst/>
+          </a:prstGeom>
+          <a:ln w="28575">
+            <a:solidFill>
+              <a:schemeClr val="tx1"/>
+            </a:solidFill>
+          </a:ln>
+        </p:spPr>
+        <p:style>
+          <a:lnRef idx="1">
+            <a:schemeClr val="accent1"/>
+          </a:lnRef>
+          <a:fillRef idx="0">
+            <a:schemeClr val="accent1"/>
+          </a:fillRef>
+          <a:effectRef idx="0">
+            <a:schemeClr val="accent1"/>
+          </a:effectRef>
+          <a:fontRef idx="minor">
+            <a:schemeClr val="tx1"/>
+          </a:fontRef>
+        </p:style>
+      </p:cxnSp>
+      <p:sp>
+        <p:nvSpPr>
+          <p:cNvPr id="47" name="Rectangle 46"/>
+          <p:cNvSpPr/>
+          <p:nvPr/>
+        </p:nvSpPr>
+        <p:spPr>
+          <a:xfrm>
+            <a:off x="2726194" y="6411808"/>
+            <a:ext cx="360000" cy="180000"/>
+          </a:xfrm>
+          <a:prstGeom prst="rect">
+            <a:avLst/>
+          </a:prstGeom>
+          <a:noFill/>
+          <a:ln w="28575">
+            <a:solidFill>
+              <a:srgbClr val="FF0000"/>
+            </a:solidFill>
+          </a:ln>
+        </p:spPr>
+        <p:style>
+          <a:lnRef idx="2">
+            <a:schemeClr val="accent1">
+              <a:shade val="50000"/>
+            </a:schemeClr>
+          </a:lnRef>
+          <a:fillRef idx="1">
+            <a:schemeClr val="accent1"/>
+          </a:fillRef>
+          <a:effectRef idx="0">
+            <a:schemeClr val="accent1"/>
+          </a:effectRef>
+          <a:fontRef idx="minor">
+            <a:schemeClr val="lt1"/>
+          </a:fontRef>
+        </p:style>
+        <p:txBody>
+          <a:bodyPr rtlCol="0" anchor="ctr"/>
+          <a:lstStyle/>
+          <a:p>
+            <a:pPr algn="ctr"/>
+            <a:endParaRPr lang="fr-FR"/>
+          </a:p>
+        </p:txBody>
+      </p:sp>
+      <p:cxnSp>
+        <p:nvCxnSpPr>
+          <p:cNvPr id="48" name="Connecteur droit 47"/>
+          <p:cNvCxnSpPr/>
+          <p:nvPr/>
+        </p:nvCxnSpPr>
+        <p:spPr>
+          <a:xfrm>
+            <a:off x="2906194" y="6267792"/>
+            <a:ext cx="0" cy="144016"/>
+          </a:xfrm>
+          <a:prstGeom prst="line">
+            <a:avLst/>
+          </a:prstGeom>
+          <a:ln w="28575">
+            <a:solidFill>
+              <a:srgbClr val="FF0000"/>
+            </a:solidFill>
+          </a:ln>
+        </p:spPr>
+        <p:style>
+          <a:lnRef idx="1">
+            <a:schemeClr val="accent1"/>
+          </a:lnRef>
+          <a:fillRef idx="0">
+            <a:schemeClr val="accent1"/>
+          </a:fillRef>
+          <a:effectRef idx="0">
+            <a:schemeClr val="accent1"/>
+          </a:effectRef>
+          <a:fontRef idx="minor">
+            <a:schemeClr val="tx1"/>
+          </a:fontRef>
+        </p:style>
+      </p:cxnSp>
+      <p:cxnSp>
+        <p:nvCxnSpPr>
+          <p:cNvPr id="51" name="Connecteur droit 50"/>
+          <p:cNvCxnSpPr/>
+          <p:nvPr/>
+        </p:nvCxnSpPr>
+        <p:spPr>
+          <a:xfrm>
+            <a:off x="2906194" y="6591808"/>
+            <a:ext cx="0" cy="144016"/>
+          </a:xfrm>
+          <a:prstGeom prst="line">
+            <a:avLst/>
+          </a:prstGeom>
+          <a:ln w="28575">
+            <a:solidFill>
+              <a:srgbClr val="FF0000"/>
+            </a:solidFill>
+          </a:ln>
+        </p:spPr>
+        <p:style>
+          <a:lnRef idx="1">
+            <a:schemeClr val="accent1"/>
+          </a:lnRef>
+          <a:fillRef idx="0">
+            <a:schemeClr val="accent1"/>
+          </a:fillRef>
+          <a:effectRef idx="0">
+            <a:schemeClr val="accent1"/>
+          </a:effectRef>
+          <a:fontRef idx="minor">
+            <a:schemeClr val="tx1"/>
+          </a:fontRef>
+        </p:style>
+      </p:cxnSp>
+      <p:cxnSp>
+        <p:nvCxnSpPr>
+          <p:cNvPr id="45" name="Connecteur droit 44"/>
+          <p:cNvCxnSpPr/>
+          <p:nvPr/>
+        </p:nvCxnSpPr>
+        <p:spPr>
+          <a:xfrm flipH="1" flipV="1">
+            <a:off x="2802374" y="6740772"/>
+            <a:ext cx="207640" cy="0"/>
+          </a:xfrm>
+          <a:prstGeom prst="line">
+            <a:avLst/>
+          </a:prstGeom>
+          <a:ln w="28575">
+            <a:solidFill>
+              <a:schemeClr val="tx1"/>
+            </a:solidFill>
+          </a:ln>
+        </p:spPr>
+        <p:style>
+          <a:lnRef idx="1">
+            <a:schemeClr val="accent1"/>
+          </a:lnRef>
+          <a:fillRef idx="0">
+            <a:schemeClr val="accent1"/>
+          </a:fillRef>
+          <a:effectRef idx="0">
+            <a:schemeClr val="accent1"/>
+          </a:effectRef>
+          <a:fontRef idx="minor">
+            <a:schemeClr val="tx1"/>
+          </a:fontRef>
+        </p:style>
+      </p:cxnSp>
+      <p:cxnSp>
+        <p:nvCxnSpPr>
+          <p:cNvPr id="52" name="Connecteur droit 51"/>
+          <p:cNvCxnSpPr/>
+          <p:nvPr/>
+        </p:nvCxnSpPr>
+        <p:spPr>
+          <a:xfrm>
+            <a:off x="2627784" y="6501808"/>
+            <a:ext cx="648072" cy="0"/>
+          </a:xfrm>
+          <a:prstGeom prst="line">
+            <a:avLst/>
+          </a:prstGeom>
+          <a:ln w="28575">
+            <a:solidFill>
+              <a:schemeClr val="accent5">
+                <a:lumMod val="75000"/>
+              </a:schemeClr>
+            </a:solidFill>
+          </a:ln>
+        </p:spPr>
+        <p:style>
+          <a:lnRef idx="1">
+            <a:schemeClr val="accent1"/>
+          </a:lnRef>
+          <a:fillRef idx="0">
+            <a:schemeClr val="accent1"/>
+          </a:fillRef>
+          <a:effectRef idx="0">
+            <a:schemeClr val="accent1"/>
+          </a:effectRef>
+          <a:fontRef idx="minor">
+            <a:schemeClr val="tx1"/>
+          </a:fontRef>
+        </p:style>
+      </p:cxnSp>
+      <p:cxnSp>
+        <p:nvCxnSpPr>
+          <p:cNvPr id="54" name="Connecteur droit 53"/>
+          <p:cNvCxnSpPr/>
+          <p:nvPr/>
+        </p:nvCxnSpPr>
+        <p:spPr>
+          <a:xfrm>
+            <a:off x="2671964" y="6411808"/>
+            <a:ext cx="0" cy="180000"/>
+          </a:xfrm>
+          <a:prstGeom prst="line">
+            <a:avLst/>
+          </a:prstGeom>
+          <a:ln w="28575">
+            <a:solidFill>
+              <a:schemeClr val="accent5">
+                <a:lumMod val="75000"/>
+              </a:schemeClr>
+            </a:solidFill>
+          </a:ln>
+        </p:spPr>
+        <p:style>
+          <a:lnRef idx="1">
+            <a:schemeClr val="accent1"/>
+          </a:lnRef>
+          <a:fillRef idx="0">
+            <a:schemeClr val="accent1"/>
+          </a:fillRef>
+          <a:effectRef idx="0">
+            <a:schemeClr val="accent1"/>
+          </a:effectRef>
+          <a:fontRef idx="minor">
+            <a:schemeClr val="tx1"/>
+          </a:fontRef>
+        </p:style>
+      </p:cxnSp>
+      <p:cxnSp>
+        <p:nvCxnSpPr>
+          <p:cNvPr id="56" name="Connecteur droit 55"/>
+          <p:cNvCxnSpPr/>
+          <p:nvPr/>
+        </p:nvCxnSpPr>
+        <p:spPr>
+          <a:xfrm>
+            <a:off x="3140424" y="6411808"/>
+            <a:ext cx="0" cy="180000"/>
+          </a:xfrm>
+          <a:prstGeom prst="line">
+            <a:avLst/>
+          </a:prstGeom>
+          <a:ln w="28575">
+            <a:solidFill>
+              <a:schemeClr val="accent5">
+                <a:lumMod val="75000"/>
+              </a:schemeClr>
+            </a:solidFill>
+          </a:ln>
+        </p:spPr>
+        <p:style>
+          <a:lnRef idx="1">
+            <a:schemeClr val="accent1"/>
+          </a:lnRef>
+          <a:fillRef idx="0">
+            <a:schemeClr val="accent1"/>
+          </a:fillRef>
+          <a:effectRef idx="0">
+            <a:schemeClr val="accent1"/>
+          </a:effectRef>
+          <a:fontRef idx="minor">
+            <a:schemeClr val="tx1"/>
+          </a:fontRef>
+        </p:style>
+      </p:cxnSp>
+      <p:cxnSp>
+        <p:nvCxnSpPr>
+          <p:cNvPr id="57" name="Connecteur droit 56"/>
+          <p:cNvCxnSpPr/>
+          <p:nvPr/>
+        </p:nvCxnSpPr>
+        <p:spPr>
+          <a:xfrm>
+            <a:off x="3273030" y="5589240"/>
+            <a:ext cx="0" cy="912568"/>
+          </a:xfrm>
+          <a:prstGeom prst="line">
+            <a:avLst/>
+          </a:prstGeom>
+          <a:ln w="28575">
+            <a:solidFill>
+              <a:schemeClr val="accent5">
+                <a:lumMod val="75000"/>
+              </a:schemeClr>
+            </a:solidFill>
+          </a:ln>
+        </p:spPr>
+        <p:style>
+          <a:lnRef idx="1">
+            <a:schemeClr val="accent1"/>
+          </a:lnRef>
+          <a:fillRef idx="0">
+            <a:schemeClr val="accent1"/>
+          </a:fillRef>
+          <a:effectRef idx="0">
+            <a:schemeClr val="accent1"/>
+          </a:effectRef>
+          <a:fontRef idx="minor">
+            <a:schemeClr val="tx1"/>
+          </a:fontRef>
+        </p:style>
+      </p:cxnSp>
+      <p:cxnSp>
+        <p:nvCxnSpPr>
+          <p:cNvPr id="61" name="Connecteur droit 60"/>
+          <p:cNvCxnSpPr/>
+          <p:nvPr/>
+        </p:nvCxnSpPr>
+        <p:spPr>
+          <a:xfrm flipH="1" flipV="1">
+            <a:off x="1750082" y="6264007"/>
+            <a:ext cx="207640" cy="0"/>
+          </a:xfrm>
+          <a:prstGeom prst="line">
+            <a:avLst/>
+          </a:prstGeom>
+          <a:ln w="28575">
+            <a:solidFill>
+              <a:schemeClr val="accent2">
+                <a:lumMod val="75000"/>
+              </a:schemeClr>
+            </a:solidFill>
+          </a:ln>
+        </p:spPr>
+        <p:style>
+          <a:lnRef idx="1">
+            <a:schemeClr val="accent1"/>
+          </a:lnRef>
+          <a:fillRef idx="0">
+            <a:schemeClr val="accent1"/>
+          </a:fillRef>
+          <a:effectRef idx="0">
+            <a:schemeClr val="accent1"/>
+          </a:effectRef>
+          <a:fontRef idx="minor">
+            <a:schemeClr val="tx1"/>
+          </a:fontRef>
+        </p:style>
+      </p:cxnSp>
+      <p:sp>
+        <p:nvSpPr>
+          <p:cNvPr id="62" name="Rectangle 61"/>
+          <p:cNvSpPr/>
+          <p:nvPr/>
+        </p:nvSpPr>
+        <p:spPr>
+          <a:xfrm>
+            <a:off x="1673902" y="6408023"/>
+            <a:ext cx="360000" cy="180000"/>
+          </a:xfrm>
+          <a:prstGeom prst="rect">
+            <a:avLst/>
+          </a:prstGeom>
+          <a:noFill/>
+          <a:ln w="28575">
+            <a:solidFill>
+              <a:schemeClr val="accent2">
+                <a:lumMod val="75000"/>
+              </a:schemeClr>
+            </a:solidFill>
+          </a:ln>
+        </p:spPr>
+        <p:style>
+          <a:lnRef idx="2">
+            <a:schemeClr val="accent1">
+              <a:shade val="50000"/>
+            </a:schemeClr>
+          </a:lnRef>
+          <a:fillRef idx="1">
+            <a:schemeClr val="accent1"/>
+          </a:fillRef>
+          <a:effectRef idx="0">
+            <a:schemeClr val="accent1"/>
+          </a:effectRef>
+          <a:fontRef idx="minor">
+            <a:schemeClr val="lt1"/>
+          </a:fontRef>
+        </p:style>
+        <p:txBody>
+          <a:bodyPr rtlCol="0" anchor="ctr"/>
+          <a:lstStyle/>
+          <a:p>
+            <a:pPr algn="ctr"/>
+            <a:endParaRPr lang="fr-FR"/>
+          </a:p>
+        </p:txBody>
+      </p:sp>
+      <p:cxnSp>
+        <p:nvCxnSpPr>
+          <p:cNvPr id="63" name="Connecteur droit 62"/>
+          <p:cNvCxnSpPr/>
+          <p:nvPr/>
+        </p:nvCxnSpPr>
+        <p:spPr>
+          <a:xfrm>
+            <a:off x="1853902" y="6264007"/>
+            <a:ext cx="0" cy="144016"/>
+          </a:xfrm>
+          <a:prstGeom prst="line">
+            <a:avLst/>
+          </a:prstGeom>
+          <a:ln w="28575">
+            <a:solidFill>
+              <a:schemeClr val="accent2">
+                <a:lumMod val="75000"/>
+              </a:schemeClr>
+            </a:solidFill>
+          </a:ln>
+        </p:spPr>
+        <p:style>
+          <a:lnRef idx="1">
+            <a:schemeClr val="accent1"/>
+          </a:lnRef>
+          <a:fillRef idx="0">
+            <a:schemeClr val="accent1"/>
+          </a:fillRef>
+          <a:effectRef idx="0">
+            <a:schemeClr val="accent1"/>
+          </a:effectRef>
+          <a:fontRef idx="minor">
+            <a:schemeClr val="tx1"/>
+          </a:fontRef>
+        </p:style>
+      </p:cxnSp>
+      <p:cxnSp>
+        <p:nvCxnSpPr>
+          <p:cNvPr id="64" name="Connecteur droit 63"/>
+          <p:cNvCxnSpPr/>
+          <p:nvPr/>
+        </p:nvCxnSpPr>
+        <p:spPr>
+          <a:xfrm>
+            <a:off x="1853902" y="6588023"/>
+            <a:ext cx="0" cy="144016"/>
+          </a:xfrm>
+          <a:prstGeom prst="line">
+            <a:avLst/>
+          </a:prstGeom>
+          <a:ln w="28575">
+            <a:solidFill>
+              <a:schemeClr val="accent2">
+                <a:lumMod val="75000"/>
+              </a:schemeClr>
+            </a:solidFill>
+          </a:ln>
+        </p:spPr>
+        <p:style>
+          <a:lnRef idx="1">
+            <a:schemeClr val="accent1"/>
+          </a:lnRef>
+          <a:fillRef idx="0">
+            <a:schemeClr val="accent1"/>
+          </a:fillRef>
+          <a:effectRef idx="0">
+            <a:schemeClr val="accent1"/>
+          </a:effectRef>
+          <a:fontRef idx="minor">
+            <a:schemeClr val="tx1"/>
+          </a:fontRef>
+        </p:style>
+      </p:cxnSp>
+      <p:cxnSp>
+        <p:nvCxnSpPr>
+          <p:cNvPr id="65" name="Connecteur droit 64"/>
+          <p:cNvCxnSpPr/>
+          <p:nvPr/>
+        </p:nvCxnSpPr>
+        <p:spPr>
+          <a:xfrm flipH="1" flipV="1">
+            <a:off x="1750082" y="6736987"/>
+            <a:ext cx="207640" cy="0"/>
+          </a:xfrm>
+          <a:prstGeom prst="line">
+            <a:avLst/>
+          </a:prstGeom>
+          <a:ln w="28575">
+            <a:solidFill>
+              <a:schemeClr val="tx1"/>
+            </a:solidFill>
+          </a:ln>
+        </p:spPr>
+        <p:style>
+          <a:lnRef idx="1">
+            <a:schemeClr val="accent1"/>
+          </a:lnRef>
+          <a:fillRef idx="0">
+            <a:schemeClr val="accent1"/>
+          </a:fillRef>
+          <a:effectRef idx="0">
+            <a:schemeClr val="accent1"/>
+          </a:effectRef>
+          <a:fontRef idx="minor">
+            <a:schemeClr val="tx1"/>
+          </a:fontRef>
+        </p:style>
+      </p:cxnSp>
+      <p:cxnSp>
+        <p:nvCxnSpPr>
+          <p:cNvPr id="66" name="Connecteur droit 65"/>
+          <p:cNvCxnSpPr/>
+          <p:nvPr/>
+        </p:nvCxnSpPr>
+        <p:spPr>
+          <a:xfrm>
+            <a:off x="1619672" y="6408023"/>
+            <a:ext cx="0" cy="180000"/>
+          </a:xfrm>
+          <a:prstGeom prst="line">
+            <a:avLst/>
+          </a:prstGeom>
+          <a:ln w="28575">
+            <a:solidFill>
+              <a:srgbClr val="0000FF"/>
+            </a:solidFill>
+          </a:ln>
+        </p:spPr>
+        <p:style>
+          <a:lnRef idx="1">
+            <a:schemeClr val="accent1"/>
+          </a:lnRef>
+          <a:fillRef idx="0">
+            <a:schemeClr val="accent1"/>
+          </a:fillRef>
+          <a:effectRef idx="0">
+            <a:schemeClr val="accent1"/>
+          </a:effectRef>
+          <a:fontRef idx="minor">
+            <a:schemeClr val="tx1"/>
+          </a:fontRef>
+        </p:style>
+      </p:cxnSp>
+      <p:cxnSp>
+        <p:nvCxnSpPr>
+          <p:cNvPr id="67" name="Connecteur droit 66"/>
+          <p:cNvCxnSpPr/>
+          <p:nvPr/>
+        </p:nvCxnSpPr>
+        <p:spPr>
+          <a:xfrm>
+            <a:off x="2088132" y="6408023"/>
+            <a:ext cx="0" cy="180000"/>
+          </a:xfrm>
+          <a:prstGeom prst="line">
+            <a:avLst/>
+          </a:prstGeom>
+          <a:ln w="28575">
+            <a:solidFill>
+              <a:srgbClr val="0000FF"/>
+            </a:solidFill>
+          </a:ln>
+        </p:spPr>
+        <p:style>
+          <a:lnRef idx="1">
+            <a:schemeClr val="accent1"/>
+          </a:lnRef>
+          <a:fillRef idx="0">
+            <a:schemeClr val="accent1"/>
+          </a:fillRef>
+          <a:effectRef idx="0">
+            <a:schemeClr val="accent1"/>
+          </a:effectRef>
+          <a:fontRef idx="minor">
+            <a:schemeClr val="tx1"/>
+          </a:fontRef>
+        </p:style>
+      </p:cxnSp>
+      <p:cxnSp>
+        <p:nvCxnSpPr>
+          <p:cNvPr id="71" name="Connecteur droit 70"/>
+          <p:cNvCxnSpPr/>
+          <p:nvPr/>
+        </p:nvCxnSpPr>
+        <p:spPr>
+          <a:xfrm>
+            <a:off x="1547664" y="6498023"/>
+            <a:ext cx="936492" cy="0"/>
+          </a:xfrm>
+          <a:prstGeom prst="line">
+            <a:avLst/>
+          </a:prstGeom>
+          <a:ln w="28575">
+            <a:solidFill>
+              <a:srgbClr val="0000FF"/>
+            </a:solidFill>
+          </a:ln>
+        </p:spPr>
+        <p:style>
+          <a:lnRef idx="1">
+            <a:schemeClr val="accent1"/>
+          </a:lnRef>
+          <a:fillRef idx="0">
+            <a:schemeClr val="accent1"/>
+          </a:fillRef>
+          <a:effectRef idx="0">
+            <a:schemeClr val="accent1"/>
+          </a:effectRef>
+          <a:fontRef idx="minor">
+            <a:schemeClr val="tx1"/>
+          </a:fontRef>
+        </p:style>
+      </p:cxnSp>
+      <p:cxnSp>
+        <p:nvCxnSpPr>
+          <p:cNvPr id="75" name="Connecteur droit 74"/>
+          <p:cNvCxnSpPr>
+            <a:stCxn id="76" idx="2"/>
+          </p:cNvCxnSpPr>
+          <p:nvPr/>
+        </p:nvCxnSpPr>
+        <p:spPr>
+          <a:xfrm flipH="1">
+            <a:off x="2484156" y="5675710"/>
+            <a:ext cx="456" cy="826098"/>
+          </a:xfrm>
+          <a:prstGeom prst="line">
+            <a:avLst/>
+          </a:prstGeom>
+          <a:ln w="28575">
+            <a:solidFill>
+              <a:srgbClr val="0000FF"/>
+            </a:solidFill>
+          </a:ln>
+        </p:spPr>
+        <p:style>
+          <a:lnRef idx="1">
+            <a:schemeClr val="accent1"/>
+          </a:lnRef>
+          <a:fillRef idx="0">
+            <a:schemeClr val="accent1"/>
+          </a:fillRef>
+          <a:effectRef idx="0">
+            <a:schemeClr val="accent1"/>
+          </a:effectRef>
+          <a:fontRef idx="minor">
+            <a:schemeClr val="tx1"/>
+          </a:fontRef>
+        </p:style>
+      </p:cxnSp>
+      <p:sp>
+        <p:nvSpPr>
+          <p:cNvPr id="76" name="Rectangle 75"/>
+          <p:cNvSpPr/>
+          <p:nvPr/>
+        </p:nvSpPr>
+        <p:spPr>
+          <a:xfrm>
+            <a:off x="2304612" y="5495710"/>
+            <a:ext cx="360000" cy="180000"/>
+          </a:xfrm>
+          <a:prstGeom prst="rect">
+            <a:avLst/>
+          </a:prstGeom>
+          <a:noFill/>
+          <a:ln w="28575">
+            <a:solidFill>
+              <a:srgbClr val="0000FF"/>
+            </a:solidFill>
+          </a:ln>
+        </p:spPr>
+        <p:style>
+          <a:lnRef idx="2">
+            <a:schemeClr val="accent1">
+              <a:shade val="50000"/>
+            </a:schemeClr>
+          </a:lnRef>
+          <a:fillRef idx="1">
+            <a:schemeClr val="accent1"/>
+          </a:fillRef>
+          <a:effectRef idx="0">
+            <a:schemeClr val="accent1"/>
+          </a:effectRef>
+          <a:fontRef idx="minor">
+            <a:schemeClr val="lt1"/>
+          </a:fontRef>
+        </p:style>
+        <p:txBody>
+          <a:bodyPr rtlCol="0" anchor="ctr"/>
+          <a:lstStyle/>
+          <a:p>
+            <a:pPr algn="ctr"/>
+            <a:endParaRPr lang="fr-FR"/>
+          </a:p>
+        </p:txBody>
+      </p:sp>
+      <p:cxnSp>
+        <p:nvCxnSpPr>
+          <p:cNvPr id="81" name="Connecteur droit 80"/>
+          <p:cNvCxnSpPr/>
+          <p:nvPr/>
+        </p:nvCxnSpPr>
+        <p:spPr>
+          <a:xfrm>
+            <a:off x="2254192" y="5495710"/>
+            <a:ext cx="0" cy="180000"/>
+          </a:xfrm>
+          <a:prstGeom prst="line">
+            <a:avLst/>
+          </a:prstGeom>
+          <a:ln w="28575">
+            <a:solidFill>
+              <a:schemeClr val="accent5">
+                <a:lumMod val="75000"/>
+              </a:schemeClr>
+            </a:solidFill>
+          </a:ln>
+        </p:spPr>
+        <p:style>
+          <a:lnRef idx="1">
+            <a:schemeClr val="accent1"/>
+          </a:lnRef>
+          <a:fillRef idx="0">
+            <a:schemeClr val="accent1"/>
+          </a:fillRef>
+          <a:effectRef idx="0">
+            <a:schemeClr val="accent1"/>
+          </a:effectRef>
+          <a:fontRef idx="minor">
+            <a:schemeClr val="tx1"/>
+          </a:fontRef>
+        </p:style>
+      </p:cxnSp>
+      <p:cxnSp>
+        <p:nvCxnSpPr>
+          <p:cNvPr id="82" name="Connecteur droit 81"/>
+          <p:cNvCxnSpPr/>
+          <p:nvPr/>
+        </p:nvCxnSpPr>
+        <p:spPr>
+          <a:xfrm>
+            <a:off x="2715032" y="5495710"/>
+            <a:ext cx="0" cy="180000"/>
+          </a:xfrm>
+          <a:prstGeom prst="line">
+            <a:avLst/>
+          </a:prstGeom>
+          <a:ln w="28575">
+            <a:solidFill>
+              <a:schemeClr val="accent5">
+                <a:lumMod val="75000"/>
+              </a:schemeClr>
+            </a:solidFill>
+          </a:ln>
+        </p:spPr>
+        <p:style>
+          <a:lnRef idx="1">
+            <a:schemeClr val="accent1"/>
+          </a:lnRef>
+          <a:fillRef idx="0">
+            <a:schemeClr val="accent1"/>
+          </a:fillRef>
+          <a:effectRef idx="0">
+            <a:schemeClr val="accent1"/>
+          </a:effectRef>
+          <a:fontRef idx="minor">
+            <a:schemeClr val="tx1"/>
+          </a:fontRef>
+        </p:style>
+      </p:cxnSp>
+      <p:cxnSp>
+        <p:nvCxnSpPr>
+          <p:cNvPr id="84" name="Connecteur droit 83"/>
+          <p:cNvCxnSpPr/>
+          <p:nvPr/>
+        </p:nvCxnSpPr>
+        <p:spPr>
+          <a:xfrm>
+            <a:off x="2484156" y="6045524"/>
+            <a:ext cx="422038" cy="0"/>
+          </a:xfrm>
+          <a:prstGeom prst="line">
+            <a:avLst/>
+          </a:prstGeom>
+          <a:ln w="28575">
+            <a:solidFill>
+              <a:srgbClr val="0000FF"/>
+            </a:solidFill>
+          </a:ln>
+        </p:spPr>
+        <p:style>
+          <a:lnRef idx="1">
+            <a:schemeClr val="accent1"/>
+          </a:lnRef>
+          <a:fillRef idx="0">
+            <a:schemeClr val="accent1"/>
+          </a:fillRef>
+          <a:effectRef idx="0">
+            <a:schemeClr val="accent1"/>
+          </a:effectRef>
+          <a:fontRef idx="minor">
+            <a:schemeClr val="tx1"/>
+          </a:fontRef>
+        </p:style>
+      </p:cxnSp>
+      <p:cxnSp>
+        <p:nvCxnSpPr>
+          <p:cNvPr id="86" name="Connecteur droit 85"/>
+          <p:cNvCxnSpPr/>
+          <p:nvPr/>
+        </p:nvCxnSpPr>
+        <p:spPr>
+          <a:xfrm>
+            <a:off x="2906194" y="6045524"/>
+            <a:ext cx="0" cy="222268"/>
+          </a:xfrm>
+          <a:prstGeom prst="line">
+            <a:avLst/>
+          </a:prstGeom>
+          <a:ln w="28575">
+            <a:solidFill>
+              <a:srgbClr val="0000FF"/>
+            </a:solidFill>
+          </a:ln>
+        </p:spPr>
+        <p:style>
+          <a:lnRef idx="1">
+            <a:schemeClr val="accent1"/>
+          </a:lnRef>
+          <a:fillRef idx="0">
+            <a:schemeClr val="accent1"/>
+          </a:fillRef>
+          <a:effectRef idx="0">
+            <a:schemeClr val="accent1"/>
+          </a:effectRef>
+          <a:fontRef idx="minor">
+            <a:schemeClr val="tx1"/>
+          </a:fontRef>
+        </p:style>
+      </p:cxnSp>
+      <p:cxnSp>
+        <p:nvCxnSpPr>
+          <p:cNvPr id="46" name="Connecteur droit 45"/>
+          <p:cNvCxnSpPr/>
+          <p:nvPr/>
+        </p:nvCxnSpPr>
+        <p:spPr>
+          <a:xfrm flipH="1" flipV="1">
+            <a:off x="2802374" y="6267792"/>
+            <a:ext cx="207640" cy="0"/>
+          </a:xfrm>
+          <a:prstGeom prst="line">
+            <a:avLst/>
+          </a:prstGeom>
+          <a:ln w="28575">
+            <a:solidFill>
+              <a:srgbClr val="FF0000"/>
+            </a:solidFill>
+          </a:ln>
+        </p:spPr>
+        <p:style>
+          <a:lnRef idx="1">
+            <a:schemeClr val="accent1"/>
+          </a:lnRef>
+          <a:fillRef idx="0">
+            <a:schemeClr val="accent1"/>
+          </a:fillRef>
+          <a:effectRef idx="0">
+            <a:schemeClr val="accent1"/>
+          </a:effectRef>
+          <a:fontRef idx="minor">
+            <a:schemeClr val="tx1"/>
+          </a:fontRef>
+        </p:style>
+      </p:cxnSp>
+      <p:sp>
+        <p:nvSpPr>
+          <p:cNvPr id="89" name="Rectangle 88"/>
+          <p:cNvSpPr/>
+          <p:nvPr/>
+        </p:nvSpPr>
+        <p:spPr>
+          <a:xfrm>
+            <a:off x="1674818" y="5495710"/>
+            <a:ext cx="360000" cy="180000"/>
+          </a:xfrm>
+          <a:prstGeom prst="rect">
+            <a:avLst/>
+          </a:prstGeom>
+          <a:noFill/>
+          <a:ln w="28575">
+            <a:solidFill>
+              <a:srgbClr val="00B050"/>
+            </a:solidFill>
+          </a:ln>
+        </p:spPr>
+        <p:style>
+          <a:lnRef idx="2">
+            <a:schemeClr val="accent1">
+              <a:shade val="50000"/>
+            </a:schemeClr>
+          </a:lnRef>
+          <a:fillRef idx="1">
+            <a:schemeClr val="accent1"/>
+          </a:fillRef>
+          <a:effectRef idx="0">
+            <a:schemeClr val="accent1"/>
+          </a:effectRef>
+          <a:fontRef idx="minor">
+            <a:schemeClr val="lt1"/>
+          </a:fontRef>
+        </p:style>
+        <p:txBody>
+          <a:bodyPr rtlCol="0" anchor="ctr"/>
+          <a:lstStyle/>
+          <a:p>
+            <a:pPr algn="ctr"/>
+            <a:endParaRPr lang="fr-FR"/>
+          </a:p>
+        </p:txBody>
+      </p:sp>
+      <p:cxnSp>
+        <p:nvCxnSpPr>
+          <p:cNvPr id="90" name="Connecteur droit 89"/>
+          <p:cNvCxnSpPr/>
+          <p:nvPr/>
+        </p:nvCxnSpPr>
+        <p:spPr>
+          <a:xfrm>
+            <a:off x="2088132" y="5495710"/>
+            <a:ext cx="0" cy="180000"/>
+          </a:xfrm>
+          <a:prstGeom prst="line">
+            <a:avLst/>
+          </a:prstGeom>
+          <a:ln w="28575">
+            <a:solidFill>
+              <a:schemeClr val="accent5">
+                <a:lumMod val="75000"/>
+              </a:schemeClr>
+            </a:solidFill>
+          </a:ln>
+        </p:spPr>
+        <p:style>
+          <a:lnRef idx="1">
+            <a:schemeClr val="accent1"/>
+          </a:lnRef>
+          <a:fillRef idx="0">
+            <a:schemeClr val="accent1"/>
+          </a:fillRef>
+          <a:effectRef idx="0">
+            <a:schemeClr val="accent1"/>
+          </a:effectRef>
+          <a:fontRef idx="minor">
+            <a:schemeClr val="tx1"/>
+          </a:fontRef>
+        </p:style>
+      </p:cxnSp>
+      <p:cxnSp>
+        <p:nvCxnSpPr>
+          <p:cNvPr id="91" name="Connecteur droit 90"/>
+          <p:cNvCxnSpPr/>
+          <p:nvPr/>
+        </p:nvCxnSpPr>
+        <p:spPr>
+          <a:xfrm>
+            <a:off x="1621504" y="5495710"/>
+            <a:ext cx="0" cy="180000"/>
+          </a:xfrm>
+          <a:prstGeom prst="line">
+            <a:avLst/>
+          </a:prstGeom>
+          <a:ln w="28575">
+            <a:solidFill>
+              <a:schemeClr val="accent5">
+                <a:lumMod val="75000"/>
+              </a:schemeClr>
+            </a:solidFill>
+          </a:ln>
+        </p:spPr>
+        <p:style>
+          <a:lnRef idx="1">
+            <a:schemeClr val="accent1"/>
+          </a:lnRef>
+          <a:fillRef idx="0">
+            <a:schemeClr val="accent1"/>
+          </a:fillRef>
+          <a:effectRef idx="0">
+            <a:schemeClr val="accent1"/>
+          </a:effectRef>
+          <a:fontRef idx="minor">
+            <a:schemeClr val="tx1"/>
+          </a:fontRef>
+        </p:style>
+      </p:cxnSp>
+      <p:cxnSp>
+        <p:nvCxnSpPr>
+          <p:cNvPr id="92" name="Connecteur droit 91"/>
+          <p:cNvCxnSpPr/>
+          <p:nvPr/>
+        </p:nvCxnSpPr>
+        <p:spPr>
+          <a:xfrm>
+            <a:off x="2484156" y="5671925"/>
+            <a:ext cx="0" cy="373599"/>
+          </a:xfrm>
+          <a:prstGeom prst="line">
+            <a:avLst/>
+          </a:prstGeom>
+          <a:ln w="28575">
+            <a:solidFill>
+              <a:srgbClr val="0000FF"/>
+            </a:solidFill>
+          </a:ln>
+        </p:spPr>
+        <p:style>
+          <a:lnRef idx="1">
+            <a:schemeClr val="accent1"/>
+          </a:lnRef>
+          <a:fillRef idx="0">
+            <a:schemeClr val="accent1"/>
+          </a:fillRef>
+          <a:effectRef idx="0">
+            <a:schemeClr val="accent1"/>
+          </a:effectRef>
+          <a:fontRef idx="minor">
+            <a:schemeClr val="tx1"/>
+          </a:fontRef>
+        </p:style>
+      </p:cxnSp>
+      <p:cxnSp>
+        <p:nvCxnSpPr>
+          <p:cNvPr id="94" name="Connecteur droit 93"/>
+          <p:cNvCxnSpPr/>
+          <p:nvPr/>
+        </p:nvCxnSpPr>
+        <p:spPr>
+          <a:xfrm>
+            <a:off x="2484156" y="5119684"/>
+            <a:ext cx="0" cy="373599"/>
+          </a:xfrm>
+          <a:prstGeom prst="line">
+            <a:avLst/>
+          </a:prstGeom>
+          <a:ln w="28575">
+            <a:solidFill>
+              <a:srgbClr val="0000FF"/>
+            </a:solidFill>
+          </a:ln>
+        </p:spPr>
+        <p:style>
+          <a:lnRef idx="1">
+            <a:schemeClr val="accent1"/>
+          </a:lnRef>
+          <a:fillRef idx="0">
+            <a:schemeClr val="accent1"/>
+          </a:fillRef>
+          <a:effectRef idx="0">
+            <a:schemeClr val="accent1"/>
+          </a:effectRef>
+          <a:fontRef idx="minor">
+            <a:schemeClr val="tx1"/>
+          </a:fontRef>
+        </p:style>
+      </p:cxnSp>
+      <p:cxnSp>
+        <p:nvCxnSpPr>
+          <p:cNvPr id="95" name="Connecteur droit 94"/>
+          <p:cNvCxnSpPr/>
+          <p:nvPr/>
+        </p:nvCxnSpPr>
+        <p:spPr>
+          <a:xfrm>
+            <a:off x="2484156" y="5128263"/>
+            <a:ext cx="422038" cy="0"/>
+          </a:xfrm>
+          <a:prstGeom prst="line">
+            <a:avLst/>
+          </a:prstGeom>
+          <a:ln w="28575">
+            <a:solidFill>
+              <a:srgbClr val="0000FF"/>
+            </a:solidFill>
+          </a:ln>
+        </p:spPr>
+        <p:style>
+          <a:lnRef idx="1">
+            <a:schemeClr val="accent1"/>
+          </a:lnRef>
+          <a:fillRef idx="0">
+            <a:schemeClr val="accent1"/>
+          </a:fillRef>
+          <a:effectRef idx="0">
+            <a:schemeClr val="accent1"/>
+          </a:effectRef>
+          <a:fontRef idx="minor">
+            <a:schemeClr val="tx1"/>
+          </a:fontRef>
+        </p:style>
+      </p:cxnSp>
+      <p:cxnSp>
+        <p:nvCxnSpPr>
+          <p:cNvPr id="96" name="Connecteur droit 95"/>
+          <p:cNvCxnSpPr/>
+          <p:nvPr/>
+        </p:nvCxnSpPr>
+        <p:spPr>
+          <a:xfrm>
+            <a:off x="2906194" y="4897416"/>
+            <a:ext cx="0" cy="240372"/>
+          </a:xfrm>
+          <a:prstGeom prst="line">
+            <a:avLst/>
+          </a:prstGeom>
+          <a:ln w="28575">
+            <a:solidFill>
+              <a:srgbClr val="0000FF"/>
+            </a:solidFill>
+          </a:ln>
+        </p:spPr>
+        <p:style>
+          <a:lnRef idx="1">
+            <a:schemeClr val="accent1"/>
+          </a:lnRef>
+          <a:fillRef idx="0">
+            <a:schemeClr val="accent1"/>
+          </a:fillRef>
+          <a:effectRef idx="0">
+            <a:schemeClr val="accent1"/>
+          </a:effectRef>
+          <a:fontRef idx="minor">
+            <a:schemeClr val="tx1"/>
+          </a:fontRef>
+        </p:style>
+      </p:cxnSp>
+      <p:cxnSp>
+        <p:nvCxnSpPr>
+          <p:cNvPr id="97" name="Connecteur droit 96"/>
+          <p:cNvCxnSpPr/>
+          <p:nvPr/>
+        </p:nvCxnSpPr>
+        <p:spPr>
+          <a:xfrm flipH="1" flipV="1">
+            <a:off x="2802374" y="4897416"/>
+            <a:ext cx="207640" cy="0"/>
+          </a:xfrm>
+          <a:prstGeom prst="line">
+            <a:avLst/>
+          </a:prstGeom>
+          <a:ln w="28575">
+            <a:solidFill>
+              <a:srgbClr val="0000FF"/>
+            </a:solidFill>
+          </a:ln>
+        </p:spPr>
+        <p:style>
+          <a:lnRef idx="1">
+            <a:schemeClr val="accent1"/>
+          </a:lnRef>
+          <a:fillRef idx="0">
+            <a:schemeClr val="accent1"/>
+          </a:fillRef>
+          <a:effectRef idx="0">
+            <a:schemeClr val="accent1"/>
+          </a:effectRef>
+          <a:fontRef idx="minor">
+            <a:schemeClr val="tx1"/>
+          </a:fontRef>
+        </p:style>
+      </p:cxnSp>
+      <p:cxnSp>
+        <p:nvCxnSpPr>
+          <p:cNvPr id="101" name="Connecteur droit 100"/>
+          <p:cNvCxnSpPr/>
+          <p:nvPr/>
+        </p:nvCxnSpPr>
+        <p:spPr>
+          <a:xfrm>
+            <a:off x="1853902" y="4893729"/>
+            <a:ext cx="0" cy="592082"/>
+          </a:xfrm>
+          <a:prstGeom prst="line">
+            <a:avLst/>
+          </a:prstGeom>
+          <a:ln w="28575">
+            <a:solidFill>
+              <a:srgbClr val="00B050"/>
+            </a:solidFill>
+          </a:ln>
+        </p:spPr>
+        <p:style>
+          <a:lnRef idx="1">
+            <a:schemeClr val="accent1"/>
+          </a:lnRef>
+          <a:fillRef idx="0">
+            <a:schemeClr val="accent1"/>
+          </a:fillRef>
+          <a:effectRef idx="0">
+            <a:schemeClr val="accent1"/>
+          </a:effectRef>
+          <a:fontRef idx="minor">
+            <a:schemeClr val="tx1"/>
+          </a:fontRef>
+        </p:style>
+      </p:cxnSp>
+      <p:cxnSp>
+        <p:nvCxnSpPr>
+          <p:cNvPr id="102" name="Connecteur droit 101"/>
+          <p:cNvCxnSpPr/>
+          <p:nvPr/>
+        </p:nvCxnSpPr>
+        <p:spPr>
+          <a:xfrm flipH="1" flipV="1">
+            <a:off x="1750082" y="4897416"/>
+            <a:ext cx="207640" cy="0"/>
+          </a:xfrm>
+          <a:prstGeom prst="line">
+            <a:avLst/>
+          </a:prstGeom>
+          <a:ln w="28575">
+            <a:solidFill>
+              <a:srgbClr val="00B050"/>
+            </a:solidFill>
+          </a:ln>
+        </p:spPr>
+        <p:style>
+          <a:lnRef idx="1">
+            <a:schemeClr val="accent1"/>
+          </a:lnRef>
+          <a:fillRef idx="0">
+            <a:schemeClr val="accent1"/>
+          </a:fillRef>
+          <a:effectRef idx="0">
+            <a:schemeClr val="accent1"/>
+          </a:effectRef>
+          <a:fontRef idx="minor">
+            <a:schemeClr val="tx1"/>
+          </a:fontRef>
+        </p:style>
+      </p:cxnSp>
       <p:pic>
         <p:nvPicPr>
-          <p:cNvPr id="1028" name="Picture 4"/>
+          <p:cNvPr id="2" name="Picture 2"/>
           <p:cNvPicPr>
             <a:picLocks noChangeAspect="1" noChangeArrowheads="1"/>
           </p:cNvPicPr>
@@ -3358,8 +5127,8 @@
         </p:blipFill>
         <p:spPr bwMode="auto">
           <a:xfrm>
-            <a:off x="4557620" y="476672"/>
-            <a:ext cx="2073831" cy="2592288"/>
+            <a:off x="6566630" y="377139"/>
+            <a:ext cx="2646498" cy="2606688"/>
           </a:xfrm>
           <a:prstGeom prst="rect">
             <a:avLst/>
@@ -3399,18 +5168,936 @@
           </a:extLst>
         </p:spPr>
       </p:pic>
-      <p:cxnSp>
-        <p:nvCxnSpPr>
-          <p:cNvPr id="5" name="Connecteur droit 4"/>
-          <p:cNvCxnSpPr/>
+      <p:grpSp>
+        <p:nvGrpSpPr>
+          <p:cNvPr id="25" name="Groupe 24"/>
+          <p:cNvGrpSpPr/>
           <p:nvPr/>
-        </p:nvCxnSpPr>
-        <p:spPr>
+        </p:nvGrpSpPr>
+        <p:grpSpPr>
+          <a:xfrm flipV="1">
+            <a:off x="899592" y="5997562"/>
+            <a:ext cx="955226" cy="1031838"/>
+            <a:chOff x="1152648" y="4310332"/>
+            <a:chExt cx="955226" cy="1031838"/>
+          </a:xfrm>
+        </p:grpSpPr>
+        <p:cxnSp>
+          <p:nvCxnSpPr>
+            <p:cNvPr id="83" name="Connecteur droit 82"/>
+            <p:cNvCxnSpPr/>
+            <p:nvPr/>
+          </p:nvCxnSpPr>
+          <p:spPr>
+            <a:xfrm flipH="1" flipV="1">
+              <a:off x="1494725" y="5342170"/>
+              <a:ext cx="613149" cy="0"/>
+            </a:xfrm>
+            <a:prstGeom prst="line">
+              <a:avLst/>
+            </a:prstGeom>
+            <a:ln w="28575">
+              <a:solidFill>
+                <a:srgbClr val="00B050"/>
+              </a:solidFill>
+            </a:ln>
+          </p:spPr>
+          <p:style>
+            <a:lnRef idx="1">
+              <a:schemeClr val="accent1"/>
+            </a:lnRef>
+            <a:fillRef idx="0">
+              <a:schemeClr val="accent1"/>
+            </a:fillRef>
+            <a:effectRef idx="0">
+              <a:schemeClr val="accent1"/>
+            </a:effectRef>
+            <a:fontRef idx="minor">
+              <a:schemeClr val="tx1"/>
+            </a:fontRef>
+          </p:style>
+        </p:cxnSp>
+        <p:sp>
+          <p:nvSpPr>
+            <p:cNvPr id="85" name="Rectangle 84"/>
+            <p:cNvSpPr/>
+            <p:nvPr/>
+          </p:nvSpPr>
+          <p:spPr>
+            <a:xfrm>
+              <a:off x="1314724" y="4769552"/>
+              <a:ext cx="360000" cy="180000"/>
+            </a:xfrm>
+            <a:prstGeom prst="rect">
+              <a:avLst/>
+            </a:prstGeom>
+            <a:noFill/>
+            <a:ln w="28575">
+              <a:solidFill>
+                <a:srgbClr val="00B050"/>
+              </a:solidFill>
+            </a:ln>
+          </p:spPr>
+          <p:style>
+            <a:lnRef idx="2">
+              <a:schemeClr val="accent1">
+                <a:shade val="50000"/>
+              </a:schemeClr>
+            </a:lnRef>
+            <a:fillRef idx="1">
+              <a:schemeClr val="accent1"/>
+            </a:fillRef>
+            <a:effectRef idx="0">
+              <a:schemeClr val="accent1"/>
+            </a:effectRef>
+            <a:fontRef idx="minor">
+              <a:schemeClr val="lt1"/>
+            </a:fontRef>
+          </p:style>
+          <p:txBody>
+            <a:bodyPr rtlCol="0" anchor="ctr"/>
+            <a:lstStyle/>
+            <a:p>
+              <a:pPr algn="ctr"/>
+              <a:endParaRPr lang="fr-FR"/>
+            </a:p>
+          </p:txBody>
+        </p:sp>
+        <p:cxnSp>
+          <p:nvCxnSpPr>
+            <p:cNvPr id="87" name="Connecteur droit 86"/>
+            <p:cNvCxnSpPr/>
+            <p:nvPr/>
+          </p:nvCxnSpPr>
+          <p:spPr>
+            <a:xfrm>
+              <a:off x="1728038" y="4769552"/>
+              <a:ext cx="0" cy="180000"/>
+            </a:xfrm>
+            <a:prstGeom prst="line">
+              <a:avLst/>
+            </a:prstGeom>
+            <a:ln w="28575">
+              <a:solidFill>
+                <a:srgbClr val="660033"/>
+              </a:solidFill>
+            </a:ln>
+          </p:spPr>
+          <p:style>
+            <a:lnRef idx="1">
+              <a:schemeClr val="accent1"/>
+            </a:lnRef>
+            <a:fillRef idx="0">
+              <a:schemeClr val="accent1"/>
+            </a:fillRef>
+            <a:effectRef idx="0">
+              <a:schemeClr val="accent1"/>
+            </a:effectRef>
+            <a:fontRef idx="minor">
+              <a:schemeClr val="tx1"/>
+            </a:fontRef>
+          </p:style>
+        </p:cxnSp>
+        <p:cxnSp>
+          <p:nvCxnSpPr>
+            <p:cNvPr id="88" name="Connecteur droit 87"/>
+            <p:cNvCxnSpPr/>
+            <p:nvPr/>
+          </p:nvCxnSpPr>
+          <p:spPr>
+            <a:xfrm>
+              <a:off x="1261410" y="4769552"/>
+              <a:ext cx="0" cy="180000"/>
+            </a:xfrm>
+            <a:prstGeom prst="line">
+              <a:avLst/>
+            </a:prstGeom>
+            <a:ln w="28575">
+              <a:solidFill>
+                <a:srgbClr val="660033"/>
+              </a:solidFill>
+            </a:ln>
+          </p:spPr>
+          <p:style>
+            <a:lnRef idx="1">
+              <a:schemeClr val="accent1"/>
+            </a:lnRef>
+            <a:fillRef idx="0">
+              <a:schemeClr val="accent1"/>
+            </a:fillRef>
+            <a:effectRef idx="0">
+              <a:schemeClr val="accent1"/>
+            </a:effectRef>
+            <a:fontRef idx="minor">
+              <a:schemeClr val="tx1"/>
+            </a:fontRef>
+          </p:style>
+        </p:cxnSp>
+        <p:cxnSp>
+          <p:nvCxnSpPr>
+            <p:cNvPr id="93" name="Connecteur droit 92"/>
+            <p:cNvCxnSpPr>
+              <a:stCxn id="85" idx="2"/>
+            </p:cNvCxnSpPr>
+            <p:nvPr/>
+          </p:nvCxnSpPr>
+          <p:spPr>
+            <a:xfrm>
+              <a:off x="1494724" y="4949552"/>
+              <a:ext cx="0" cy="392618"/>
+            </a:xfrm>
+            <a:prstGeom prst="line">
+              <a:avLst/>
+            </a:prstGeom>
+            <a:ln w="28575">
+              <a:solidFill>
+                <a:srgbClr val="00B050"/>
+              </a:solidFill>
+            </a:ln>
+          </p:spPr>
+          <p:style>
+            <a:lnRef idx="1">
+              <a:schemeClr val="accent1"/>
+            </a:lnRef>
+            <a:fillRef idx="0">
+              <a:schemeClr val="accent1"/>
+            </a:fillRef>
+            <a:effectRef idx="0">
+              <a:schemeClr val="accent1"/>
+            </a:effectRef>
+            <a:fontRef idx="minor">
+              <a:schemeClr val="tx1"/>
+            </a:fontRef>
+          </p:style>
+        </p:cxnSp>
+        <p:cxnSp>
+          <p:nvCxnSpPr>
+            <p:cNvPr id="98" name="Connecteur droit 97"/>
+            <p:cNvCxnSpPr/>
+            <p:nvPr/>
+          </p:nvCxnSpPr>
+          <p:spPr>
+            <a:xfrm flipH="1">
+              <a:off x="1154480" y="4859552"/>
+              <a:ext cx="619424" cy="0"/>
+            </a:xfrm>
+            <a:prstGeom prst="line">
+              <a:avLst/>
+            </a:prstGeom>
+            <a:ln w="28575">
+              <a:solidFill>
+                <a:srgbClr val="660033"/>
+              </a:solidFill>
+            </a:ln>
+          </p:spPr>
+          <p:style>
+            <a:lnRef idx="1">
+              <a:schemeClr val="accent1"/>
+            </a:lnRef>
+            <a:fillRef idx="0">
+              <a:schemeClr val="accent1"/>
+            </a:fillRef>
+            <a:effectRef idx="0">
+              <a:schemeClr val="accent1"/>
+            </a:effectRef>
+            <a:fontRef idx="minor">
+              <a:schemeClr val="tx1"/>
+            </a:fontRef>
+          </p:style>
+        </p:cxnSp>
+        <p:cxnSp>
+          <p:nvCxnSpPr>
+            <p:cNvPr id="100" name="Connecteur droit 99"/>
+            <p:cNvCxnSpPr/>
+            <p:nvPr/>
+          </p:nvCxnSpPr>
+          <p:spPr>
+            <a:xfrm flipH="1">
+              <a:off x="1154480" y="4715774"/>
+              <a:ext cx="0" cy="143778"/>
+            </a:xfrm>
+            <a:prstGeom prst="line">
+              <a:avLst/>
+            </a:prstGeom>
+            <a:ln w="28575">
+              <a:solidFill>
+                <a:srgbClr val="660033"/>
+              </a:solidFill>
+            </a:ln>
+          </p:spPr>
+          <p:style>
+            <a:lnRef idx="1">
+              <a:schemeClr val="accent1"/>
+            </a:lnRef>
+            <a:fillRef idx="0">
+              <a:schemeClr val="accent1"/>
+            </a:fillRef>
+            <a:effectRef idx="0">
+              <a:schemeClr val="accent1"/>
+            </a:effectRef>
+            <a:fontRef idx="minor">
+              <a:schemeClr val="tx1"/>
+            </a:fontRef>
+          </p:style>
+        </p:cxnSp>
+        <p:cxnSp>
+          <p:nvCxnSpPr>
+            <p:cNvPr id="103" name="Connecteur droit 102"/>
+            <p:cNvCxnSpPr/>
+            <p:nvPr/>
+          </p:nvCxnSpPr>
+          <p:spPr>
+            <a:xfrm flipH="1">
+              <a:off x="1152648" y="4705708"/>
+              <a:ext cx="344943" cy="0"/>
+            </a:xfrm>
+            <a:prstGeom prst="line">
+              <a:avLst/>
+            </a:prstGeom>
+            <a:ln w="28575">
+              <a:solidFill>
+                <a:srgbClr val="660033"/>
+              </a:solidFill>
+            </a:ln>
+          </p:spPr>
+          <p:style>
+            <a:lnRef idx="1">
+              <a:schemeClr val="accent1"/>
+            </a:lnRef>
+            <a:fillRef idx="0">
+              <a:schemeClr val="accent1"/>
+            </a:fillRef>
+            <a:effectRef idx="0">
+              <a:schemeClr val="accent1"/>
+            </a:effectRef>
+            <a:fontRef idx="minor">
+              <a:schemeClr val="tx1"/>
+            </a:fontRef>
+          </p:style>
+        </p:cxnSp>
+        <p:cxnSp>
+          <p:nvCxnSpPr>
+            <p:cNvPr id="104" name="Connecteur droit 103"/>
+            <p:cNvCxnSpPr/>
+            <p:nvPr/>
+          </p:nvCxnSpPr>
+          <p:spPr>
+            <a:xfrm>
+              <a:off x="1500459" y="4310332"/>
+              <a:ext cx="0" cy="109558"/>
+            </a:xfrm>
+            <a:prstGeom prst="line">
+              <a:avLst/>
+            </a:prstGeom>
+            <a:ln w="28575">
+              <a:solidFill>
+                <a:schemeClr val="tx1"/>
+              </a:solidFill>
+            </a:ln>
+          </p:spPr>
+          <p:style>
+            <a:lnRef idx="1">
+              <a:schemeClr val="accent1"/>
+            </a:lnRef>
+            <a:fillRef idx="0">
+              <a:schemeClr val="accent1"/>
+            </a:fillRef>
+            <a:effectRef idx="0">
+              <a:schemeClr val="accent1"/>
+            </a:effectRef>
+            <a:fontRef idx="minor">
+              <a:schemeClr val="tx1"/>
+            </a:fontRef>
+          </p:style>
+        </p:cxnSp>
+        <p:cxnSp>
+          <p:nvCxnSpPr>
+            <p:cNvPr id="105" name="Connecteur droit 104"/>
+            <p:cNvCxnSpPr/>
+            <p:nvPr/>
+          </p:nvCxnSpPr>
+          <p:spPr>
+            <a:xfrm flipH="1">
+              <a:off x="1396639" y="4419890"/>
+              <a:ext cx="207640" cy="0"/>
+            </a:xfrm>
+            <a:prstGeom prst="line">
+              <a:avLst/>
+            </a:prstGeom>
+            <a:ln w="28575">
+              <a:solidFill>
+                <a:schemeClr val="tx1"/>
+              </a:solidFill>
+            </a:ln>
+          </p:spPr>
+          <p:style>
+            <a:lnRef idx="1">
+              <a:schemeClr val="accent1"/>
+            </a:lnRef>
+            <a:fillRef idx="0">
+              <a:schemeClr val="accent1"/>
+            </a:fillRef>
+            <a:effectRef idx="0">
+              <a:schemeClr val="accent1"/>
+            </a:effectRef>
+            <a:fontRef idx="minor">
+              <a:schemeClr val="tx1"/>
+            </a:fontRef>
+          </p:style>
+        </p:cxnSp>
+        <p:cxnSp>
+          <p:nvCxnSpPr>
+            <p:cNvPr id="106" name="Connecteur droit 105"/>
+            <p:cNvCxnSpPr/>
+            <p:nvPr/>
+          </p:nvCxnSpPr>
+          <p:spPr>
+            <a:xfrm flipH="1">
+              <a:off x="1493264" y="4561930"/>
+              <a:ext cx="0" cy="143778"/>
+            </a:xfrm>
+            <a:prstGeom prst="line">
+              <a:avLst/>
+            </a:prstGeom>
+            <a:ln w="28575">
+              <a:solidFill>
+                <a:srgbClr val="660033"/>
+              </a:solidFill>
+            </a:ln>
+          </p:spPr>
+          <p:style>
+            <a:lnRef idx="1">
+              <a:schemeClr val="accent1"/>
+            </a:lnRef>
+            <a:fillRef idx="0">
+              <a:schemeClr val="accent1"/>
+            </a:fillRef>
+            <a:effectRef idx="0">
+              <a:schemeClr val="accent1"/>
+            </a:effectRef>
+            <a:fontRef idx="minor">
+              <a:schemeClr val="tx1"/>
+            </a:fontRef>
+          </p:style>
+        </p:cxnSp>
+        <p:sp>
+          <p:nvSpPr>
+            <p:cNvPr id="107" name="Triangle isocèle 106"/>
+            <p:cNvSpPr/>
+            <p:nvPr/>
+          </p:nvSpPr>
+          <p:spPr>
+            <a:xfrm>
+              <a:off x="1425583" y="4445496"/>
+              <a:ext cx="144016" cy="144016"/>
+            </a:xfrm>
+            <a:prstGeom prst="triangle">
+              <a:avLst/>
+            </a:prstGeom>
+            <a:solidFill>
+              <a:schemeClr val="bg1"/>
+            </a:solidFill>
+            <a:ln w="28575">
+              <a:solidFill>
+                <a:srgbClr val="660033"/>
+              </a:solidFill>
+            </a:ln>
+          </p:spPr>
+          <p:style>
+            <a:lnRef idx="1">
+              <a:schemeClr val="accent1"/>
+            </a:lnRef>
+            <a:fillRef idx="0">
+              <a:schemeClr val="accent1"/>
+            </a:fillRef>
+            <a:effectRef idx="0">
+              <a:schemeClr val="accent1"/>
+            </a:effectRef>
+            <a:fontRef idx="minor">
+              <a:schemeClr val="tx1"/>
+            </a:fontRef>
+          </p:style>
+          <p:txBody>
+            <a:bodyPr rtlCol="0" anchor="ctr"/>
+            <a:lstStyle/>
+            <a:p>
+              <a:pPr algn="ctr"/>
+              <a:endParaRPr lang="fr-FR"/>
+            </a:p>
+          </p:txBody>
+        </p:sp>
+      </p:grpSp>
+      <p:grpSp>
+        <p:nvGrpSpPr>
+          <p:cNvPr id="108" name="Groupe 107"/>
+          <p:cNvGrpSpPr/>
+          <p:nvPr/>
+        </p:nvGrpSpPr>
+        <p:grpSpPr>
           <a:xfrm>
-            <a:off x="377939" y="5585710"/>
-            <a:ext cx="2897917" cy="0"/>
-          </a:xfrm>
-          <a:prstGeom prst="line">
+            <a:off x="888122" y="4157932"/>
+            <a:ext cx="955226" cy="1031838"/>
+            <a:chOff x="1152648" y="4310332"/>
+            <a:chExt cx="955226" cy="1031838"/>
+          </a:xfrm>
+        </p:grpSpPr>
+        <p:cxnSp>
+          <p:nvCxnSpPr>
+            <p:cNvPr id="109" name="Connecteur droit 108"/>
+            <p:cNvCxnSpPr/>
+            <p:nvPr/>
+          </p:nvCxnSpPr>
+          <p:spPr>
+            <a:xfrm flipH="1" flipV="1">
+              <a:off x="1494725" y="5342170"/>
+              <a:ext cx="613149" cy="0"/>
+            </a:xfrm>
+            <a:prstGeom prst="line">
+              <a:avLst/>
+            </a:prstGeom>
+            <a:ln w="28575">
+              <a:solidFill>
+                <a:srgbClr val="00B050"/>
+              </a:solidFill>
+            </a:ln>
+          </p:spPr>
+          <p:style>
+            <a:lnRef idx="1">
+              <a:schemeClr val="accent1"/>
+            </a:lnRef>
+            <a:fillRef idx="0">
+              <a:schemeClr val="accent1"/>
+            </a:fillRef>
+            <a:effectRef idx="0">
+              <a:schemeClr val="accent1"/>
+            </a:effectRef>
+            <a:fontRef idx="minor">
+              <a:schemeClr val="tx1"/>
+            </a:fontRef>
+          </p:style>
+        </p:cxnSp>
+        <p:sp>
+          <p:nvSpPr>
+            <p:cNvPr id="110" name="Rectangle 109"/>
+            <p:cNvSpPr/>
+            <p:nvPr/>
+          </p:nvSpPr>
+          <p:spPr>
+            <a:xfrm>
+              <a:off x="1314724" y="4769552"/>
+              <a:ext cx="360000" cy="180000"/>
+            </a:xfrm>
+            <a:prstGeom prst="rect">
+              <a:avLst/>
+            </a:prstGeom>
+            <a:noFill/>
+            <a:ln w="28575">
+              <a:solidFill>
+                <a:srgbClr val="00B050"/>
+              </a:solidFill>
+            </a:ln>
+          </p:spPr>
+          <p:style>
+            <a:lnRef idx="2">
+              <a:schemeClr val="accent1">
+                <a:shade val="50000"/>
+              </a:schemeClr>
+            </a:lnRef>
+            <a:fillRef idx="1">
+              <a:schemeClr val="accent1"/>
+            </a:fillRef>
+            <a:effectRef idx="0">
+              <a:schemeClr val="accent1"/>
+            </a:effectRef>
+            <a:fontRef idx="minor">
+              <a:schemeClr val="lt1"/>
+            </a:fontRef>
+          </p:style>
+          <p:txBody>
+            <a:bodyPr rtlCol="0" anchor="ctr"/>
+            <a:lstStyle/>
+            <a:p>
+              <a:pPr algn="ctr"/>
+              <a:endParaRPr lang="fr-FR"/>
+            </a:p>
+          </p:txBody>
+        </p:sp>
+        <p:cxnSp>
+          <p:nvCxnSpPr>
+            <p:cNvPr id="111" name="Connecteur droit 110"/>
+            <p:cNvCxnSpPr/>
+            <p:nvPr/>
+          </p:nvCxnSpPr>
+          <p:spPr>
+            <a:xfrm>
+              <a:off x="1728038" y="4769552"/>
+              <a:ext cx="0" cy="180000"/>
+            </a:xfrm>
+            <a:prstGeom prst="line">
+              <a:avLst/>
+            </a:prstGeom>
+            <a:ln w="28575">
+              <a:solidFill>
+                <a:srgbClr val="660033"/>
+              </a:solidFill>
+            </a:ln>
+          </p:spPr>
+          <p:style>
+            <a:lnRef idx="1">
+              <a:schemeClr val="accent1"/>
+            </a:lnRef>
+            <a:fillRef idx="0">
+              <a:schemeClr val="accent1"/>
+            </a:fillRef>
+            <a:effectRef idx="0">
+              <a:schemeClr val="accent1"/>
+            </a:effectRef>
+            <a:fontRef idx="minor">
+              <a:schemeClr val="tx1"/>
+            </a:fontRef>
+          </p:style>
+        </p:cxnSp>
+        <p:cxnSp>
+          <p:nvCxnSpPr>
+            <p:cNvPr id="112" name="Connecteur droit 111"/>
+            <p:cNvCxnSpPr/>
+            <p:nvPr/>
+          </p:nvCxnSpPr>
+          <p:spPr>
+            <a:xfrm>
+              <a:off x="1261410" y="4769552"/>
+              <a:ext cx="0" cy="180000"/>
+            </a:xfrm>
+            <a:prstGeom prst="line">
+              <a:avLst/>
+            </a:prstGeom>
+            <a:ln w="28575">
+              <a:solidFill>
+                <a:srgbClr val="660033"/>
+              </a:solidFill>
+            </a:ln>
+          </p:spPr>
+          <p:style>
+            <a:lnRef idx="1">
+              <a:schemeClr val="accent1"/>
+            </a:lnRef>
+            <a:fillRef idx="0">
+              <a:schemeClr val="accent1"/>
+            </a:fillRef>
+            <a:effectRef idx="0">
+              <a:schemeClr val="accent1"/>
+            </a:effectRef>
+            <a:fontRef idx="minor">
+              <a:schemeClr val="tx1"/>
+            </a:fontRef>
+          </p:style>
+        </p:cxnSp>
+        <p:cxnSp>
+          <p:nvCxnSpPr>
+            <p:cNvPr id="113" name="Connecteur droit 112"/>
+            <p:cNvCxnSpPr>
+              <a:stCxn id="110" idx="2"/>
+            </p:cNvCxnSpPr>
+            <p:nvPr/>
+          </p:nvCxnSpPr>
+          <p:spPr>
+            <a:xfrm>
+              <a:off x="1494724" y="4949552"/>
+              <a:ext cx="0" cy="392618"/>
+            </a:xfrm>
+            <a:prstGeom prst="line">
+              <a:avLst/>
+            </a:prstGeom>
+            <a:ln w="28575">
+              <a:solidFill>
+                <a:srgbClr val="00B050"/>
+              </a:solidFill>
+            </a:ln>
+          </p:spPr>
+          <p:style>
+            <a:lnRef idx="1">
+              <a:schemeClr val="accent1"/>
+            </a:lnRef>
+            <a:fillRef idx="0">
+              <a:schemeClr val="accent1"/>
+            </a:fillRef>
+            <a:effectRef idx="0">
+              <a:schemeClr val="accent1"/>
+            </a:effectRef>
+            <a:fontRef idx="minor">
+              <a:schemeClr val="tx1"/>
+            </a:fontRef>
+          </p:style>
+        </p:cxnSp>
+        <p:cxnSp>
+          <p:nvCxnSpPr>
+            <p:cNvPr id="114" name="Connecteur droit 113"/>
+            <p:cNvCxnSpPr/>
+            <p:nvPr/>
+          </p:nvCxnSpPr>
+          <p:spPr>
+            <a:xfrm flipH="1">
+              <a:off x="1154480" y="4859552"/>
+              <a:ext cx="619424" cy="0"/>
+            </a:xfrm>
+            <a:prstGeom prst="line">
+              <a:avLst/>
+            </a:prstGeom>
+            <a:ln w="28575">
+              <a:solidFill>
+                <a:srgbClr val="660033"/>
+              </a:solidFill>
+            </a:ln>
+          </p:spPr>
+          <p:style>
+            <a:lnRef idx="1">
+              <a:schemeClr val="accent1"/>
+            </a:lnRef>
+            <a:fillRef idx="0">
+              <a:schemeClr val="accent1"/>
+            </a:fillRef>
+            <a:effectRef idx="0">
+              <a:schemeClr val="accent1"/>
+            </a:effectRef>
+            <a:fontRef idx="minor">
+              <a:schemeClr val="tx1"/>
+            </a:fontRef>
+          </p:style>
+        </p:cxnSp>
+        <p:cxnSp>
+          <p:nvCxnSpPr>
+            <p:cNvPr id="115" name="Connecteur droit 114"/>
+            <p:cNvCxnSpPr/>
+            <p:nvPr/>
+          </p:nvCxnSpPr>
+          <p:spPr>
+            <a:xfrm flipH="1">
+              <a:off x="1154480" y="4715774"/>
+              <a:ext cx="0" cy="143778"/>
+            </a:xfrm>
+            <a:prstGeom prst="line">
+              <a:avLst/>
+            </a:prstGeom>
+            <a:ln w="28575">
+              <a:solidFill>
+                <a:srgbClr val="660033"/>
+              </a:solidFill>
+            </a:ln>
+          </p:spPr>
+          <p:style>
+            <a:lnRef idx="1">
+              <a:schemeClr val="accent1"/>
+            </a:lnRef>
+            <a:fillRef idx="0">
+              <a:schemeClr val="accent1"/>
+            </a:fillRef>
+            <a:effectRef idx="0">
+              <a:schemeClr val="accent1"/>
+            </a:effectRef>
+            <a:fontRef idx="minor">
+              <a:schemeClr val="tx1"/>
+            </a:fontRef>
+          </p:style>
+        </p:cxnSp>
+        <p:cxnSp>
+          <p:nvCxnSpPr>
+            <p:cNvPr id="116" name="Connecteur droit 115"/>
+            <p:cNvCxnSpPr/>
+            <p:nvPr/>
+          </p:nvCxnSpPr>
+          <p:spPr>
+            <a:xfrm flipH="1">
+              <a:off x="1152648" y="4705708"/>
+              <a:ext cx="344943" cy="0"/>
+            </a:xfrm>
+            <a:prstGeom prst="line">
+              <a:avLst/>
+            </a:prstGeom>
+            <a:ln w="28575">
+              <a:solidFill>
+                <a:srgbClr val="660033"/>
+              </a:solidFill>
+            </a:ln>
+          </p:spPr>
+          <p:style>
+            <a:lnRef idx="1">
+              <a:schemeClr val="accent1"/>
+            </a:lnRef>
+            <a:fillRef idx="0">
+              <a:schemeClr val="accent1"/>
+            </a:fillRef>
+            <a:effectRef idx="0">
+              <a:schemeClr val="accent1"/>
+            </a:effectRef>
+            <a:fontRef idx="minor">
+              <a:schemeClr val="tx1"/>
+            </a:fontRef>
+          </p:style>
+        </p:cxnSp>
+        <p:cxnSp>
+          <p:nvCxnSpPr>
+            <p:cNvPr id="117" name="Connecteur droit 116"/>
+            <p:cNvCxnSpPr/>
+            <p:nvPr/>
+          </p:nvCxnSpPr>
+          <p:spPr>
+            <a:xfrm>
+              <a:off x="1500459" y="4310332"/>
+              <a:ext cx="0" cy="109558"/>
+            </a:xfrm>
+            <a:prstGeom prst="line">
+              <a:avLst/>
+            </a:prstGeom>
+            <a:ln w="28575">
+              <a:solidFill>
+                <a:schemeClr val="tx1"/>
+              </a:solidFill>
+            </a:ln>
+          </p:spPr>
+          <p:style>
+            <a:lnRef idx="1">
+              <a:schemeClr val="accent1"/>
+            </a:lnRef>
+            <a:fillRef idx="0">
+              <a:schemeClr val="accent1"/>
+            </a:fillRef>
+            <a:effectRef idx="0">
+              <a:schemeClr val="accent1"/>
+            </a:effectRef>
+            <a:fontRef idx="minor">
+              <a:schemeClr val="tx1"/>
+            </a:fontRef>
+          </p:style>
+        </p:cxnSp>
+        <p:cxnSp>
+          <p:nvCxnSpPr>
+            <p:cNvPr id="118" name="Connecteur droit 117"/>
+            <p:cNvCxnSpPr/>
+            <p:nvPr/>
+          </p:nvCxnSpPr>
+          <p:spPr>
+            <a:xfrm flipH="1">
+              <a:off x="1396639" y="4419890"/>
+              <a:ext cx="207640" cy="0"/>
+            </a:xfrm>
+            <a:prstGeom prst="line">
+              <a:avLst/>
+            </a:prstGeom>
+            <a:ln w="28575">
+              <a:solidFill>
+                <a:schemeClr val="tx1"/>
+              </a:solidFill>
+            </a:ln>
+          </p:spPr>
+          <p:style>
+            <a:lnRef idx="1">
+              <a:schemeClr val="accent1"/>
+            </a:lnRef>
+            <a:fillRef idx="0">
+              <a:schemeClr val="accent1"/>
+            </a:fillRef>
+            <a:effectRef idx="0">
+              <a:schemeClr val="accent1"/>
+            </a:effectRef>
+            <a:fontRef idx="minor">
+              <a:schemeClr val="tx1"/>
+            </a:fontRef>
+          </p:style>
+        </p:cxnSp>
+        <p:cxnSp>
+          <p:nvCxnSpPr>
+            <p:cNvPr id="119" name="Connecteur droit 118"/>
+            <p:cNvCxnSpPr/>
+            <p:nvPr/>
+          </p:nvCxnSpPr>
+          <p:spPr>
+            <a:xfrm flipH="1">
+              <a:off x="1493264" y="4561930"/>
+              <a:ext cx="0" cy="143778"/>
+            </a:xfrm>
+            <a:prstGeom prst="line">
+              <a:avLst/>
+            </a:prstGeom>
+            <a:ln w="28575">
+              <a:solidFill>
+                <a:srgbClr val="660033"/>
+              </a:solidFill>
+            </a:ln>
+          </p:spPr>
+          <p:style>
+            <a:lnRef idx="1">
+              <a:schemeClr val="accent1"/>
+            </a:lnRef>
+            <a:fillRef idx="0">
+              <a:schemeClr val="accent1"/>
+            </a:fillRef>
+            <a:effectRef idx="0">
+              <a:schemeClr val="accent1"/>
+            </a:effectRef>
+            <a:fontRef idx="minor">
+              <a:schemeClr val="tx1"/>
+            </a:fontRef>
+          </p:style>
+        </p:cxnSp>
+        <p:sp>
+          <p:nvSpPr>
+            <p:cNvPr id="120" name="Triangle isocèle 119"/>
+            <p:cNvSpPr/>
+            <p:nvPr/>
+          </p:nvSpPr>
+          <p:spPr>
+            <a:xfrm>
+              <a:off x="1425583" y="4445496"/>
+              <a:ext cx="144016" cy="144016"/>
+            </a:xfrm>
+            <a:prstGeom prst="triangle">
+              <a:avLst/>
+            </a:prstGeom>
+            <a:solidFill>
+              <a:schemeClr val="bg1"/>
+            </a:solidFill>
+            <a:ln w="28575">
+              <a:solidFill>
+                <a:srgbClr val="660033"/>
+              </a:solidFill>
+            </a:ln>
+          </p:spPr>
+          <p:style>
+            <a:lnRef idx="1">
+              <a:schemeClr val="accent1"/>
+            </a:lnRef>
+            <a:fillRef idx="0">
+              <a:schemeClr val="accent1"/>
+            </a:fillRef>
+            <a:effectRef idx="0">
+              <a:schemeClr val="accent1"/>
+            </a:effectRef>
+            <a:fontRef idx="minor">
+              <a:schemeClr val="tx1"/>
+            </a:fontRef>
+          </p:style>
+          <p:txBody>
+            <a:bodyPr rtlCol="0" anchor="ctr"/>
+            <a:lstStyle/>
+            <a:p>
+              <a:pPr algn="ctr"/>
+              <a:endParaRPr lang="fr-FR"/>
+            </a:p>
+          </p:txBody>
+        </p:sp>
+      </p:grpSp>
+      <p:sp>
+        <p:nvSpPr>
+          <p:cNvPr id="27" name="Ellipse 26"/>
+          <p:cNvSpPr/>
+          <p:nvPr/>
+        </p:nvSpPr>
+        <p:spPr>
+          <a:xfrm>
+            <a:off x="3391880" y="5589240"/>
+            <a:ext cx="288032" cy="288032"/>
+          </a:xfrm>
+          <a:prstGeom prst="ellipse">
             <a:avLst/>
           </a:prstGeom>
           <a:ln w="28575">
@@ -3435,26 +6122,48 @@
             <a:schemeClr val="tx1"/>
           </a:fontRef>
         </p:style>
-      </p:cxnSp>
-      <p:cxnSp>
-        <p:nvCxnSpPr>
-          <p:cNvPr id="9" name="Connecteur droit 8"/>
-          <p:cNvCxnSpPr/>
+        <p:txBody>
+          <a:bodyPr lIns="0" tIns="0" rIns="0" bIns="0" rtlCol="0" anchor="ctr"/>
+          <a:lstStyle/>
+          <a:p>
+            <a:pPr algn="ctr"/>
+            <a:r>
+              <a:rPr lang="fr-FR" sz="1400" b="1" dirty="0" smtClean="0">
+                <a:solidFill>
+                  <a:schemeClr val="accent5">
+                    <a:lumMod val="75000"/>
+                  </a:schemeClr>
+                </a:solidFill>
+              </a:rPr>
+              <a:t>3</a:t>
+            </a:r>
+            <a:endParaRPr lang="fr-FR" sz="1400" b="1" dirty="0">
+              <a:solidFill>
+                <a:schemeClr val="accent5">
+                  <a:lumMod val="75000"/>
+                </a:schemeClr>
+              </a:solidFill>
+            </a:endParaRPr>
+          </a:p>
+        </p:txBody>
+      </p:sp>
+      <p:sp>
+        <p:nvSpPr>
+          <p:cNvPr id="123" name="Ellipse 122"/>
+          <p:cNvSpPr/>
           <p:nvPr/>
-        </p:nvCxnSpPr>
-        <p:spPr>
-          <a:xfrm flipV="1">
-            <a:off x="375045" y="5301208"/>
-            <a:ext cx="0" cy="576064"/>
-          </a:xfrm>
-          <a:prstGeom prst="line">
+        </p:nvSpPr>
+        <p:spPr>
+          <a:xfrm>
+            <a:off x="3075870" y="6596756"/>
+            <a:ext cx="288032" cy="288032"/>
+          </a:xfrm>
+          <a:prstGeom prst="ellipse">
             <a:avLst/>
           </a:prstGeom>
           <a:ln w="28575">
             <a:solidFill>
-              <a:schemeClr val="accent5">
-                <a:lumMod val="75000"/>
-              </a:schemeClr>
+              <a:srgbClr val="FF0000"/>
             </a:solidFill>
           </a:ln>
         </p:spPr>
@@ -3472,72 +6181,44 @@
             <a:schemeClr val="tx1"/>
           </a:fontRef>
         </p:style>
-      </p:cxnSp>
-      <p:sp>
-        <p:nvSpPr>
-          <p:cNvPr id="10" name="Rectangle 9"/>
+        <p:txBody>
+          <a:bodyPr lIns="0" tIns="0" rIns="0" bIns="0" rtlCol="0" anchor="ctr"/>
+          <a:lstStyle/>
+          <a:p>
+            <a:pPr algn="ctr"/>
+            <a:r>
+              <a:rPr lang="fr-FR" sz="1400" b="1" dirty="0" smtClean="0">
+                <a:solidFill>
+                  <a:srgbClr val="FF0000"/>
+                </a:solidFill>
+              </a:rPr>
+              <a:t>9</a:t>
+            </a:r>
+            <a:endParaRPr lang="fr-FR" sz="1400" b="1" dirty="0">
+              <a:solidFill>
+                <a:srgbClr val="FF0000"/>
+              </a:solidFill>
+            </a:endParaRPr>
+          </a:p>
+        </p:txBody>
+      </p:sp>
+      <p:sp>
+        <p:nvSpPr>
+          <p:cNvPr id="125" name="Ellipse 124"/>
           <p:cNvSpPr/>
           <p:nvPr/>
         </p:nvSpPr>
         <p:spPr>
           <a:xfrm>
-            <a:off x="595281" y="5495710"/>
-            <a:ext cx="360000" cy="180000"/>
-          </a:xfrm>
-          <a:prstGeom prst="rect">
-            <a:avLst/>
-          </a:prstGeom>
-          <a:noFill/>
-          <a:ln w="28575">
-            <a:solidFill>
-              <a:schemeClr val="tx1"/>
-            </a:solidFill>
-          </a:ln>
-        </p:spPr>
-        <p:style>
-          <a:lnRef idx="2">
-            <a:schemeClr val="accent1">
-              <a:shade val="50000"/>
-            </a:schemeClr>
-          </a:lnRef>
-          <a:fillRef idx="1">
-            <a:schemeClr val="accent1"/>
-          </a:fillRef>
-          <a:effectRef idx="0">
-            <a:schemeClr val="accent1"/>
-          </a:effectRef>
-          <a:fontRef idx="minor">
-            <a:schemeClr val="lt1"/>
-          </a:fontRef>
-        </p:style>
-        <p:txBody>
-          <a:bodyPr rtlCol="0" anchor="ctr"/>
-          <a:lstStyle/>
-          <a:p>
-            <a:pPr algn="ctr"/>
-            <a:endParaRPr lang="fr-FR"/>
-          </a:p>
-        </p:txBody>
-      </p:sp>
-      <p:cxnSp>
-        <p:nvCxnSpPr>
-          <p:cNvPr id="16" name="Connecteur droit 15"/>
-          <p:cNvCxnSpPr/>
-          <p:nvPr/>
-        </p:nvCxnSpPr>
-        <p:spPr>
-          <a:xfrm flipV="1">
-            <a:off x="541734" y="5495710"/>
-            <a:ext cx="0" cy="180000"/>
-          </a:xfrm>
-          <a:prstGeom prst="line">
+            <a:off x="2971828" y="4893729"/>
+            <a:ext cx="288032" cy="288032"/>
+          </a:xfrm>
+          <a:prstGeom prst="ellipse">
             <a:avLst/>
           </a:prstGeom>
           <a:ln w="28575">
             <a:solidFill>
-              <a:schemeClr val="accent5">
-                <a:lumMod val="75000"/>
-              </a:schemeClr>
+              <a:srgbClr val="0000FF"/>
             </a:solidFill>
           </a:ln>
         </p:spPr>
@@ -3555,56 +6236,39 @@
             <a:schemeClr val="tx1"/>
           </a:fontRef>
         </p:style>
-      </p:cxnSp>
-      <p:cxnSp>
-        <p:nvCxnSpPr>
-          <p:cNvPr id="17" name="Connecteur droit 16"/>
-          <p:cNvCxnSpPr/>
+        <p:txBody>
+          <a:bodyPr lIns="0" tIns="0" rIns="0" bIns="0" rtlCol="0" anchor="ctr"/>
+          <a:lstStyle/>
+          <a:p>
+            <a:pPr algn="ctr"/>
+            <a:r>
+              <a:rPr lang="fr-FR" sz="1400" b="1" dirty="0" smtClean="0">
+                <a:solidFill>
+                  <a:srgbClr val="0000FF"/>
+                </a:solidFill>
+              </a:rPr>
+              <a:t>10</a:t>
+            </a:r>
+            <a:endParaRPr lang="fr-FR" sz="1400" b="1" dirty="0">
+              <a:solidFill>
+                <a:srgbClr val="0000FF"/>
+              </a:solidFill>
+            </a:endParaRPr>
+          </a:p>
+        </p:txBody>
+      </p:sp>
+      <p:sp>
+        <p:nvSpPr>
+          <p:cNvPr id="126" name="Ellipse 125"/>
+          <p:cNvSpPr/>
           <p:nvPr/>
-        </p:nvCxnSpPr>
-        <p:spPr>
-          <a:xfrm flipV="1">
-            <a:off x="1002080" y="5495710"/>
-            <a:ext cx="0" cy="180000"/>
-          </a:xfrm>
-          <a:prstGeom prst="line">
-            <a:avLst/>
-          </a:prstGeom>
-          <a:ln w="28575">
-            <a:solidFill>
-              <a:schemeClr val="accent5">
-                <a:lumMod val="75000"/>
-              </a:schemeClr>
-            </a:solidFill>
-          </a:ln>
-        </p:spPr>
-        <p:style>
-          <a:lnRef idx="1">
-            <a:schemeClr val="accent1"/>
-          </a:lnRef>
-          <a:fillRef idx="0">
-            <a:schemeClr val="accent1"/>
-          </a:fillRef>
-          <a:effectRef idx="0">
-            <a:schemeClr val="accent1"/>
-          </a:effectRef>
-          <a:fontRef idx="minor">
-            <a:schemeClr val="tx1"/>
-          </a:fontRef>
-        </p:style>
-      </p:cxnSp>
-      <p:cxnSp>
-        <p:nvCxnSpPr>
-          <p:cNvPr id="18" name="Connecteur droit 17"/>
-          <p:cNvCxnSpPr/>
-          <p:nvPr/>
-        </p:nvCxnSpPr>
-        <p:spPr>
-          <a:xfrm flipV="1">
-            <a:off x="775281" y="4149080"/>
-            <a:ext cx="0" cy="1346630"/>
-          </a:xfrm>
-          <a:prstGeom prst="line">
+        </p:nvSpPr>
+        <p:spPr>
+          <a:xfrm>
+            <a:off x="2514342" y="4202013"/>
+            <a:ext cx="288032" cy="288032"/>
+          </a:xfrm>
+          <a:prstGeom prst="ellipse">
             <a:avLst/>
           </a:prstGeom>
           <a:ln w="28575">
@@ -3627,24 +6291,36 @@
             <a:schemeClr val="tx1"/>
           </a:fontRef>
         </p:style>
-      </p:cxnSp>
-      <p:cxnSp>
-        <p:nvCxnSpPr>
-          <p:cNvPr id="23" name="Connecteur droit 22"/>
-          <p:cNvCxnSpPr/>
+        <p:txBody>
+          <a:bodyPr lIns="0" tIns="0" rIns="0" bIns="0" rtlCol="0" anchor="ctr"/>
+          <a:lstStyle/>
+          <a:p>
+            <a:pPr algn="ctr"/>
+            <a:r>
+              <a:rPr lang="fr-FR" sz="1400" b="1" dirty="0" smtClean="0"/>
+              <a:t>12</a:t>
+            </a:r>
+            <a:endParaRPr lang="fr-FR" sz="1400" b="1" dirty="0"/>
+          </a:p>
+        </p:txBody>
+      </p:sp>
+      <p:sp>
+        <p:nvSpPr>
+          <p:cNvPr id="127" name="Ellipse 126"/>
+          <p:cNvSpPr/>
           <p:nvPr/>
-        </p:nvCxnSpPr>
-        <p:spPr>
-          <a:xfrm flipV="1">
-            <a:off x="775281" y="5675710"/>
-            <a:ext cx="0" cy="1346630"/>
-          </a:xfrm>
-          <a:prstGeom prst="line">
+        </p:nvSpPr>
+        <p:spPr>
+          <a:xfrm>
+            <a:off x="1359872" y="4299209"/>
+            <a:ext cx="288032" cy="288032"/>
+          </a:xfrm>
+          <a:prstGeom prst="ellipse">
             <a:avLst/>
           </a:prstGeom>
           <a:ln w="28575">
             <a:solidFill>
-              <a:schemeClr val="tx1"/>
+              <a:srgbClr val="660033"/>
             </a:solidFill>
           </a:ln>
         </p:spPr>
@@ -3662,24 +6338,44 @@
             <a:schemeClr val="tx1"/>
           </a:fontRef>
         </p:style>
-      </p:cxnSp>
-      <p:cxnSp>
-        <p:nvCxnSpPr>
-          <p:cNvPr id="28" name="Connecteur droit 27"/>
-          <p:cNvCxnSpPr/>
+        <p:txBody>
+          <a:bodyPr lIns="0" tIns="0" rIns="0" bIns="0" rtlCol="0" anchor="ctr"/>
+          <a:lstStyle/>
+          <a:p>
+            <a:pPr algn="ctr"/>
+            <a:r>
+              <a:rPr lang="fr-FR" sz="1400" b="1" dirty="0" smtClean="0">
+                <a:solidFill>
+                  <a:srgbClr val="660033"/>
+                </a:solidFill>
+              </a:rPr>
+              <a:t>20</a:t>
+            </a:r>
+            <a:endParaRPr lang="fr-FR" sz="1400" b="1" dirty="0">
+              <a:solidFill>
+                <a:srgbClr val="660033"/>
+              </a:solidFill>
+            </a:endParaRPr>
+          </a:p>
+        </p:txBody>
+      </p:sp>
+      <p:sp>
+        <p:nvSpPr>
+          <p:cNvPr id="128" name="Ellipse 127"/>
+          <p:cNvSpPr/>
           <p:nvPr/>
-        </p:nvCxnSpPr>
-        <p:spPr>
-          <a:xfrm flipH="1">
-            <a:off x="775281" y="4155544"/>
-            <a:ext cx="2136135" cy="0"/>
-          </a:xfrm>
-          <a:prstGeom prst="line">
+        </p:nvSpPr>
+        <p:spPr>
+          <a:xfrm>
+            <a:off x="1890802" y="4916979"/>
+            <a:ext cx="288032" cy="288032"/>
+          </a:xfrm>
+          <a:prstGeom prst="ellipse">
             <a:avLst/>
           </a:prstGeom>
           <a:ln w="28575">
             <a:solidFill>
-              <a:schemeClr val="tx1"/>
+              <a:srgbClr val="00B050"/>
             </a:solidFill>
           </a:ln>
         </p:spPr>
@@ -3697,563 +6393,39 @@
             <a:schemeClr val="tx1"/>
           </a:fontRef>
         </p:style>
-      </p:cxnSp>
-      <p:cxnSp>
-        <p:nvCxnSpPr>
-          <p:cNvPr id="30" name="Connecteur droit 29"/>
-          <p:cNvCxnSpPr/>
-          <p:nvPr/>
-        </p:nvCxnSpPr>
-        <p:spPr>
-          <a:xfrm flipH="1">
-            <a:off x="775281" y="7022340"/>
-            <a:ext cx="2140535" cy="0"/>
-          </a:xfrm>
-          <a:prstGeom prst="line">
-            <a:avLst/>
-          </a:prstGeom>
-          <a:ln w="28575">
-            <a:solidFill>
-              <a:schemeClr val="tx1"/>
-            </a:solidFill>
-          </a:ln>
-        </p:spPr>
-        <p:style>
-          <a:lnRef idx="1">
-            <a:schemeClr val="accent1"/>
-          </a:lnRef>
-          <a:fillRef idx="0">
-            <a:schemeClr val="accent1"/>
-          </a:fillRef>
-          <a:effectRef idx="0">
-            <a:schemeClr val="accent1"/>
-          </a:effectRef>
-          <a:fontRef idx="minor">
-            <a:schemeClr val="tx1"/>
-          </a:fontRef>
-        </p:style>
-      </p:cxnSp>
-      <p:cxnSp>
-        <p:nvCxnSpPr>
-          <p:cNvPr id="31" name="Connecteur droit 30"/>
-          <p:cNvCxnSpPr/>
-          <p:nvPr/>
-        </p:nvCxnSpPr>
-        <p:spPr>
-          <a:xfrm>
-            <a:off x="2906194" y="4161988"/>
-            <a:ext cx="0" cy="281568"/>
-          </a:xfrm>
-          <a:prstGeom prst="line">
-            <a:avLst/>
-          </a:prstGeom>
-          <a:ln w="28575">
-            <a:solidFill>
-              <a:schemeClr val="tx1"/>
-            </a:solidFill>
-          </a:ln>
-        </p:spPr>
-        <p:style>
-          <a:lnRef idx="1">
-            <a:schemeClr val="accent1"/>
-          </a:lnRef>
-          <a:fillRef idx="0">
-            <a:schemeClr val="accent1"/>
-          </a:fillRef>
-          <a:effectRef idx="0">
-            <a:schemeClr val="accent1"/>
-          </a:effectRef>
-          <a:fontRef idx="minor">
-            <a:schemeClr val="tx1"/>
-          </a:fontRef>
-        </p:style>
-      </p:cxnSp>
-      <p:cxnSp>
-        <p:nvCxnSpPr>
-          <p:cNvPr id="36" name="Connecteur droit 35"/>
-          <p:cNvCxnSpPr/>
-          <p:nvPr/>
-        </p:nvCxnSpPr>
-        <p:spPr>
-          <a:xfrm>
-            <a:off x="1853902" y="4161988"/>
-            <a:ext cx="0" cy="281568"/>
-          </a:xfrm>
-          <a:prstGeom prst="line">
-            <a:avLst/>
-          </a:prstGeom>
-          <a:ln w="28575">
-            <a:solidFill>
-              <a:schemeClr val="tx1"/>
-            </a:solidFill>
-          </a:ln>
-        </p:spPr>
-        <p:style>
-          <a:lnRef idx="1">
-            <a:schemeClr val="accent1"/>
-          </a:lnRef>
-          <a:fillRef idx="0">
-            <a:schemeClr val="accent1"/>
-          </a:fillRef>
-          <a:effectRef idx="0">
-            <a:schemeClr val="accent1"/>
-          </a:effectRef>
-          <a:fontRef idx="minor">
-            <a:schemeClr val="tx1"/>
-          </a:fontRef>
-        </p:style>
-      </p:cxnSp>
-      <p:cxnSp>
-        <p:nvCxnSpPr>
-          <p:cNvPr id="37" name="Connecteur droit 36"/>
-          <p:cNvCxnSpPr/>
-          <p:nvPr/>
-        </p:nvCxnSpPr>
-        <p:spPr>
-          <a:xfrm flipH="1">
-            <a:off x="1750082" y="4443556"/>
-            <a:ext cx="207640" cy="0"/>
-          </a:xfrm>
-          <a:prstGeom prst="line">
-            <a:avLst/>
-          </a:prstGeom>
-          <a:ln w="28575">
-            <a:solidFill>
-              <a:schemeClr val="tx1"/>
-            </a:solidFill>
-          </a:ln>
-        </p:spPr>
-        <p:style>
-          <a:lnRef idx="1">
-            <a:schemeClr val="accent1"/>
-          </a:lnRef>
-          <a:fillRef idx="0">
-            <a:schemeClr val="accent1"/>
-          </a:fillRef>
-          <a:effectRef idx="0">
-            <a:schemeClr val="accent1"/>
-          </a:effectRef>
-          <a:fontRef idx="minor">
-            <a:schemeClr val="tx1"/>
-          </a:fontRef>
-        </p:style>
-      </p:cxnSp>
-      <p:cxnSp>
-        <p:nvCxnSpPr>
-          <p:cNvPr id="39" name="Connecteur droit 38"/>
-          <p:cNvCxnSpPr/>
-          <p:nvPr/>
-        </p:nvCxnSpPr>
-        <p:spPr>
-          <a:xfrm flipH="1">
-            <a:off x="2802374" y="4443556"/>
-            <a:ext cx="207640" cy="0"/>
-          </a:xfrm>
-          <a:prstGeom prst="line">
-            <a:avLst/>
-          </a:prstGeom>
-          <a:ln w="28575">
-            <a:solidFill>
-              <a:schemeClr val="tx1"/>
-            </a:solidFill>
-          </a:ln>
-        </p:spPr>
-        <p:style>
-          <a:lnRef idx="1">
-            <a:schemeClr val="accent1"/>
-          </a:lnRef>
-          <a:fillRef idx="0">
-            <a:schemeClr val="accent1"/>
-          </a:fillRef>
-          <a:effectRef idx="0">
-            <a:schemeClr val="accent1"/>
-          </a:effectRef>
-          <a:fontRef idx="minor">
-            <a:schemeClr val="tx1"/>
-          </a:fontRef>
-        </p:style>
-      </p:cxnSp>
-      <p:cxnSp>
-        <p:nvCxnSpPr>
-          <p:cNvPr id="42" name="Connecteur droit 41"/>
-          <p:cNvCxnSpPr/>
-          <p:nvPr/>
-        </p:nvCxnSpPr>
-        <p:spPr>
-          <a:xfrm flipV="1">
-            <a:off x="2915816" y="6740772"/>
-            <a:ext cx="0" cy="281568"/>
-          </a:xfrm>
-          <a:prstGeom prst="line">
-            <a:avLst/>
-          </a:prstGeom>
-          <a:ln w="28575">
-            <a:solidFill>
-              <a:schemeClr val="tx1"/>
-            </a:solidFill>
-          </a:ln>
-        </p:spPr>
-        <p:style>
-          <a:lnRef idx="1">
-            <a:schemeClr val="accent1"/>
-          </a:lnRef>
-          <a:fillRef idx="0">
-            <a:schemeClr val="accent1"/>
-          </a:fillRef>
-          <a:effectRef idx="0">
-            <a:schemeClr val="accent1"/>
-          </a:effectRef>
-          <a:fontRef idx="minor">
-            <a:schemeClr val="tx1"/>
-          </a:fontRef>
-        </p:style>
-      </p:cxnSp>
-      <p:cxnSp>
-        <p:nvCxnSpPr>
-          <p:cNvPr id="43" name="Connecteur droit 42"/>
-          <p:cNvCxnSpPr/>
-          <p:nvPr/>
-        </p:nvCxnSpPr>
-        <p:spPr>
-          <a:xfrm flipV="1">
-            <a:off x="1853902" y="6740772"/>
-            <a:ext cx="0" cy="281568"/>
-          </a:xfrm>
-          <a:prstGeom prst="line">
-            <a:avLst/>
-          </a:prstGeom>
-          <a:ln w="28575">
-            <a:solidFill>
-              <a:schemeClr val="tx1"/>
-            </a:solidFill>
-          </a:ln>
-        </p:spPr>
-        <p:style>
-          <a:lnRef idx="1">
-            <a:schemeClr val="accent1"/>
-          </a:lnRef>
-          <a:fillRef idx="0">
-            <a:schemeClr val="accent1"/>
-          </a:fillRef>
-          <a:effectRef idx="0">
-            <a:schemeClr val="accent1"/>
-          </a:effectRef>
-          <a:fontRef idx="minor">
-            <a:schemeClr val="tx1"/>
-          </a:fontRef>
-        </p:style>
-      </p:cxnSp>
-      <p:sp>
-        <p:nvSpPr>
-          <p:cNvPr id="47" name="Rectangle 46"/>
+        <p:txBody>
+          <a:bodyPr lIns="0" tIns="0" rIns="0" bIns="0" rtlCol="0" anchor="ctr"/>
+          <a:lstStyle/>
+          <a:p>
+            <a:pPr algn="ctr"/>
+            <a:r>
+              <a:rPr lang="fr-FR" sz="1400" b="1" dirty="0" smtClean="0">
+                <a:solidFill>
+                  <a:srgbClr val="00B050"/>
+                </a:solidFill>
+              </a:rPr>
+              <a:t>18</a:t>
+            </a:r>
+            <a:endParaRPr lang="fr-FR" sz="1400" b="1" dirty="0">
+              <a:solidFill>
+                <a:srgbClr val="00B050"/>
+              </a:solidFill>
+            </a:endParaRPr>
+          </a:p>
+        </p:txBody>
+      </p:sp>
+      <p:sp>
+        <p:nvSpPr>
+          <p:cNvPr id="129" name="Ellipse 128"/>
           <p:cNvSpPr/>
           <p:nvPr/>
         </p:nvSpPr>
         <p:spPr>
           <a:xfrm>
-            <a:off x="2726194" y="6411808"/>
-            <a:ext cx="360000" cy="180000"/>
-          </a:xfrm>
-          <a:prstGeom prst="rect">
-            <a:avLst/>
-          </a:prstGeom>
-          <a:noFill/>
-          <a:ln w="28575">
-            <a:solidFill>
-              <a:srgbClr val="FF0000"/>
-            </a:solidFill>
-          </a:ln>
-        </p:spPr>
-        <p:style>
-          <a:lnRef idx="2">
-            <a:schemeClr val="accent1">
-              <a:shade val="50000"/>
-            </a:schemeClr>
-          </a:lnRef>
-          <a:fillRef idx="1">
-            <a:schemeClr val="accent1"/>
-          </a:fillRef>
-          <a:effectRef idx="0">
-            <a:schemeClr val="accent1"/>
-          </a:effectRef>
-          <a:fontRef idx="minor">
-            <a:schemeClr val="lt1"/>
-          </a:fontRef>
-        </p:style>
-        <p:txBody>
-          <a:bodyPr rtlCol="0" anchor="ctr"/>
-          <a:lstStyle/>
-          <a:p>
-            <a:pPr algn="ctr"/>
-            <a:endParaRPr lang="fr-FR"/>
-          </a:p>
-        </p:txBody>
-      </p:sp>
-      <p:cxnSp>
-        <p:nvCxnSpPr>
-          <p:cNvPr id="48" name="Connecteur droit 47"/>
-          <p:cNvCxnSpPr/>
-          <p:nvPr/>
-        </p:nvCxnSpPr>
-        <p:spPr>
-          <a:xfrm>
-            <a:off x="2906194" y="6267792"/>
-            <a:ext cx="0" cy="144016"/>
-          </a:xfrm>
-          <a:prstGeom prst="line">
-            <a:avLst/>
-          </a:prstGeom>
-          <a:ln w="28575">
-            <a:solidFill>
-              <a:srgbClr val="FF0000"/>
-            </a:solidFill>
-          </a:ln>
-        </p:spPr>
-        <p:style>
-          <a:lnRef idx="1">
-            <a:schemeClr val="accent1"/>
-          </a:lnRef>
-          <a:fillRef idx="0">
-            <a:schemeClr val="accent1"/>
-          </a:fillRef>
-          <a:effectRef idx="0">
-            <a:schemeClr val="accent1"/>
-          </a:effectRef>
-          <a:fontRef idx="minor">
-            <a:schemeClr val="tx1"/>
-          </a:fontRef>
-        </p:style>
-      </p:cxnSp>
-      <p:cxnSp>
-        <p:nvCxnSpPr>
-          <p:cNvPr id="51" name="Connecteur droit 50"/>
-          <p:cNvCxnSpPr/>
-          <p:nvPr/>
-        </p:nvCxnSpPr>
-        <p:spPr>
-          <a:xfrm>
-            <a:off x="2906194" y="6591808"/>
-            <a:ext cx="0" cy="144016"/>
-          </a:xfrm>
-          <a:prstGeom prst="line">
-            <a:avLst/>
-          </a:prstGeom>
-          <a:ln w="28575">
-            <a:solidFill>
-              <a:srgbClr val="FF0000"/>
-            </a:solidFill>
-          </a:ln>
-        </p:spPr>
-        <p:style>
-          <a:lnRef idx="1">
-            <a:schemeClr val="accent1"/>
-          </a:lnRef>
-          <a:fillRef idx="0">
-            <a:schemeClr val="accent1"/>
-          </a:fillRef>
-          <a:effectRef idx="0">
-            <a:schemeClr val="accent1"/>
-          </a:effectRef>
-          <a:fontRef idx="minor">
-            <a:schemeClr val="tx1"/>
-          </a:fontRef>
-        </p:style>
-      </p:cxnSp>
-      <p:cxnSp>
-        <p:nvCxnSpPr>
-          <p:cNvPr id="45" name="Connecteur droit 44"/>
-          <p:cNvCxnSpPr/>
-          <p:nvPr/>
-        </p:nvCxnSpPr>
-        <p:spPr>
-          <a:xfrm flipH="1" flipV="1">
-            <a:off x="2802374" y="6740772"/>
-            <a:ext cx="207640" cy="0"/>
-          </a:xfrm>
-          <a:prstGeom prst="line">
-            <a:avLst/>
-          </a:prstGeom>
-          <a:ln w="28575">
-            <a:solidFill>
-              <a:schemeClr val="tx1"/>
-            </a:solidFill>
-          </a:ln>
-        </p:spPr>
-        <p:style>
-          <a:lnRef idx="1">
-            <a:schemeClr val="accent1"/>
-          </a:lnRef>
-          <a:fillRef idx="0">
-            <a:schemeClr val="accent1"/>
-          </a:fillRef>
-          <a:effectRef idx="0">
-            <a:schemeClr val="accent1"/>
-          </a:effectRef>
-          <a:fontRef idx="minor">
-            <a:schemeClr val="tx1"/>
-          </a:fontRef>
-        </p:style>
-      </p:cxnSp>
-      <p:cxnSp>
-        <p:nvCxnSpPr>
-          <p:cNvPr id="52" name="Connecteur droit 51"/>
-          <p:cNvCxnSpPr/>
-          <p:nvPr/>
-        </p:nvCxnSpPr>
-        <p:spPr>
-          <a:xfrm>
-            <a:off x="2627784" y="6501808"/>
-            <a:ext cx="648072" cy="0"/>
-          </a:xfrm>
-          <a:prstGeom prst="line">
-            <a:avLst/>
-          </a:prstGeom>
-          <a:ln w="28575">
-            <a:solidFill>
-              <a:schemeClr val="accent5">
-                <a:lumMod val="75000"/>
-              </a:schemeClr>
-            </a:solidFill>
-          </a:ln>
-        </p:spPr>
-        <p:style>
-          <a:lnRef idx="1">
-            <a:schemeClr val="accent1"/>
-          </a:lnRef>
-          <a:fillRef idx="0">
-            <a:schemeClr val="accent1"/>
-          </a:fillRef>
-          <a:effectRef idx="0">
-            <a:schemeClr val="accent1"/>
-          </a:effectRef>
-          <a:fontRef idx="minor">
-            <a:schemeClr val="tx1"/>
-          </a:fontRef>
-        </p:style>
-      </p:cxnSp>
-      <p:cxnSp>
-        <p:nvCxnSpPr>
-          <p:cNvPr id="54" name="Connecteur droit 53"/>
-          <p:cNvCxnSpPr/>
-          <p:nvPr/>
-        </p:nvCxnSpPr>
-        <p:spPr>
-          <a:xfrm>
-            <a:off x="2671964" y="6411808"/>
-            <a:ext cx="0" cy="180000"/>
-          </a:xfrm>
-          <a:prstGeom prst="line">
-            <a:avLst/>
-          </a:prstGeom>
-          <a:ln w="28575">
-            <a:solidFill>
-              <a:schemeClr val="accent5">
-                <a:lumMod val="75000"/>
-              </a:schemeClr>
-            </a:solidFill>
-          </a:ln>
-        </p:spPr>
-        <p:style>
-          <a:lnRef idx="1">
-            <a:schemeClr val="accent1"/>
-          </a:lnRef>
-          <a:fillRef idx="0">
-            <a:schemeClr val="accent1"/>
-          </a:fillRef>
-          <a:effectRef idx="0">
-            <a:schemeClr val="accent1"/>
-          </a:effectRef>
-          <a:fontRef idx="minor">
-            <a:schemeClr val="tx1"/>
-          </a:fontRef>
-        </p:style>
-      </p:cxnSp>
-      <p:cxnSp>
-        <p:nvCxnSpPr>
-          <p:cNvPr id="56" name="Connecteur droit 55"/>
-          <p:cNvCxnSpPr/>
-          <p:nvPr/>
-        </p:nvCxnSpPr>
-        <p:spPr>
-          <a:xfrm>
-            <a:off x="3140424" y="6411808"/>
-            <a:ext cx="0" cy="180000"/>
-          </a:xfrm>
-          <a:prstGeom prst="line">
-            <a:avLst/>
-          </a:prstGeom>
-          <a:ln w="28575">
-            <a:solidFill>
-              <a:schemeClr val="accent5">
-                <a:lumMod val="75000"/>
-              </a:schemeClr>
-            </a:solidFill>
-          </a:ln>
-        </p:spPr>
-        <p:style>
-          <a:lnRef idx="1">
-            <a:schemeClr val="accent1"/>
-          </a:lnRef>
-          <a:fillRef idx="0">
-            <a:schemeClr val="accent1"/>
-          </a:fillRef>
-          <a:effectRef idx="0">
-            <a:schemeClr val="accent1"/>
-          </a:effectRef>
-          <a:fontRef idx="minor">
-            <a:schemeClr val="tx1"/>
-          </a:fontRef>
-        </p:style>
-      </p:cxnSp>
-      <p:cxnSp>
-        <p:nvCxnSpPr>
-          <p:cNvPr id="57" name="Connecteur droit 56"/>
-          <p:cNvCxnSpPr/>
-          <p:nvPr/>
-        </p:nvCxnSpPr>
-        <p:spPr>
-          <a:xfrm>
-            <a:off x="3273030" y="5589240"/>
-            <a:ext cx="0" cy="912568"/>
-          </a:xfrm>
-          <a:prstGeom prst="line">
-            <a:avLst/>
-          </a:prstGeom>
-          <a:ln w="28575">
-            <a:solidFill>
-              <a:schemeClr val="accent5">
-                <a:lumMod val="75000"/>
-              </a:schemeClr>
-            </a:solidFill>
-          </a:ln>
-        </p:spPr>
-        <p:style>
-          <a:lnRef idx="1">
-            <a:schemeClr val="accent1"/>
-          </a:lnRef>
-          <a:fillRef idx="0">
-            <a:schemeClr val="accent1"/>
-          </a:fillRef>
-          <a:effectRef idx="0">
-            <a:schemeClr val="accent1"/>
-          </a:effectRef>
-          <a:fontRef idx="minor">
-            <a:schemeClr val="tx1"/>
-          </a:fontRef>
-        </p:style>
-      </p:cxnSp>
-      <p:cxnSp>
-        <p:nvCxnSpPr>
-          <p:cNvPr id="61" name="Connecteur droit 60"/>
-          <p:cNvCxnSpPr/>
-          <p:nvPr/>
-        </p:nvCxnSpPr>
-        <p:spPr>
-          <a:xfrm flipH="1" flipV="1">
-            <a:off x="1750082" y="6264007"/>
-            <a:ext cx="207640" cy="0"/>
-          </a:xfrm>
-          <a:prstGeom prst="line">
+            <a:off x="2000035" y="6051768"/>
+            <a:ext cx="288032" cy="288032"/>
+          </a:xfrm>
+          <a:prstGeom prst="ellipse">
             <a:avLst/>
           </a:prstGeom>
           <a:ln w="28575">
@@ -4278,899 +6450,30 @@
             <a:schemeClr val="tx1"/>
           </a:fontRef>
         </p:style>
-      </p:cxnSp>
-      <p:sp>
-        <p:nvSpPr>
-          <p:cNvPr id="62" name="Rectangle 61"/>
-          <p:cNvSpPr/>
-          <p:nvPr/>
-        </p:nvSpPr>
-        <p:spPr>
-          <a:xfrm>
-            <a:off x="1673902" y="6408023"/>
-            <a:ext cx="360000" cy="180000"/>
-          </a:xfrm>
-          <a:prstGeom prst="rect">
-            <a:avLst/>
-          </a:prstGeom>
-          <a:noFill/>
-          <a:ln w="28575">
-            <a:solidFill>
-              <a:schemeClr val="accent2">
-                <a:lumMod val="75000"/>
-              </a:schemeClr>
-            </a:solidFill>
-          </a:ln>
-        </p:spPr>
-        <p:style>
-          <a:lnRef idx="2">
-            <a:schemeClr val="accent1">
-              <a:shade val="50000"/>
-            </a:schemeClr>
-          </a:lnRef>
-          <a:fillRef idx="1">
-            <a:schemeClr val="accent1"/>
-          </a:fillRef>
-          <a:effectRef idx="0">
-            <a:schemeClr val="accent1"/>
-          </a:effectRef>
-          <a:fontRef idx="minor">
-            <a:schemeClr val="lt1"/>
-          </a:fontRef>
-        </p:style>
-        <p:txBody>
-          <a:bodyPr rtlCol="0" anchor="ctr"/>
+        <p:txBody>
+          <a:bodyPr lIns="0" tIns="0" rIns="0" bIns="0" rtlCol="0" anchor="ctr"/>
           <a:lstStyle/>
           <a:p>
             <a:pPr algn="ctr"/>
-            <a:endParaRPr lang="fr-FR"/>
-          </a:p>
-        </p:txBody>
-      </p:sp>
-      <p:cxnSp>
-        <p:nvCxnSpPr>
-          <p:cNvPr id="63" name="Connecteur droit 62"/>
-          <p:cNvCxnSpPr/>
-          <p:nvPr/>
-        </p:nvCxnSpPr>
-        <p:spPr>
-          <a:xfrm>
-            <a:off x="1853902" y="6264007"/>
-            <a:ext cx="0" cy="144016"/>
-          </a:xfrm>
-          <a:prstGeom prst="line">
-            <a:avLst/>
-          </a:prstGeom>
-          <a:ln w="28575">
-            <a:solidFill>
-              <a:schemeClr val="accent2">
-                <a:lumMod val="75000"/>
-              </a:schemeClr>
-            </a:solidFill>
-          </a:ln>
-        </p:spPr>
-        <p:style>
-          <a:lnRef idx="1">
-            <a:schemeClr val="accent1"/>
-          </a:lnRef>
-          <a:fillRef idx="0">
-            <a:schemeClr val="accent1"/>
-          </a:fillRef>
-          <a:effectRef idx="0">
-            <a:schemeClr val="accent1"/>
-          </a:effectRef>
-          <a:fontRef idx="minor">
-            <a:schemeClr val="tx1"/>
-          </a:fontRef>
-        </p:style>
-      </p:cxnSp>
-      <p:cxnSp>
-        <p:nvCxnSpPr>
-          <p:cNvPr id="64" name="Connecteur droit 63"/>
-          <p:cNvCxnSpPr/>
-          <p:nvPr/>
-        </p:nvCxnSpPr>
-        <p:spPr>
-          <a:xfrm>
-            <a:off x="1853902" y="6588023"/>
-            <a:ext cx="0" cy="144016"/>
-          </a:xfrm>
-          <a:prstGeom prst="line">
-            <a:avLst/>
-          </a:prstGeom>
-          <a:ln w="28575">
-            <a:solidFill>
-              <a:schemeClr val="accent2">
-                <a:lumMod val="75000"/>
-              </a:schemeClr>
-            </a:solidFill>
-          </a:ln>
-        </p:spPr>
-        <p:style>
-          <a:lnRef idx="1">
-            <a:schemeClr val="accent1"/>
-          </a:lnRef>
-          <a:fillRef idx="0">
-            <a:schemeClr val="accent1"/>
-          </a:fillRef>
-          <a:effectRef idx="0">
-            <a:schemeClr val="accent1"/>
-          </a:effectRef>
-          <a:fontRef idx="minor">
-            <a:schemeClr val="tx1"/>
-          </a:fontRef>
-        </p:style>
-      </p:cxnSp>
-      <p:cxnSp>
-        <p:nvCxnSpPr>
-          <p:cNvPr id="65" name="Connecteur droit 64"/>
-          <p:cNvCxnSpPr/>
-          <p:nvPr/>
-        </p:nvCxnSpPr>
-        <p:spPr>
-          <a:xfrm flipH="1" flipV="1">
-            <a:off x="1750082" y="6736987"/>
-            <a:ext cx="207640" cy="0"/>
-          </a:xfrm>
-          <a:prstGeom prst="line">
-            <a:avLst/>
-          </a:prstGeom>
-          <a:ln w="28575">
-            <a:solidFill>
-              <a:schemeClr val="tx1"/>
-            </a:solidFill>
-          </a:ln>
-        </p:spPr>
-        <p:style>
-          <a:lnRef idx="1">
-            <a:schemeClr val="accent1"/>
-          </a:lnRef>
-          <a:fillRef idx="0">
-            <a:schemeClr val="accent1"/>
-          </a:fillRef>
-          <a:effectRef idx="0">
-            <a:schemeClr val="accent1"/>
-          </a:effectRef>
-          <a:fontRef idx="minor">
-            <a:schemeClr val="tx1"/>
-          </a:fontRef>
-        </p:style>
-      </p:cxnSp>
-      <p:cxnSp>
-        <p:nvCxnSpPr>
-          <p:cNvPr id="66" name="Connecteur droit 65"/>
-          <p:cNvCxnSpPr/>
-          <p:nvPr/>
-        </p:nvCxnSpPr>
-        <p:spPr>
-          <a:xfrm>
-            <a:off x="1619672" y="6408023"/>
-            <a:ext cx="0" cy="180000"/>
-          </a:xfrm>
-          <a:prstGeom prst="line">
-            <a:avLst/>
-          </a:prstGeom>
-          <a:ln w="28575">
-            <a:solidFill>
-              <a:srgbClr val="0000FF"/>
-            </a:solidFill>
-          </a:ln>
-        </p:spPr>
-        <p:style>
-          <a:lnRef idx="1">
-            <a:schemeClr val="accent1"/>
-          </a:lnRef>
-          <a:fillRef idx="0">
-            <a:schemeClr val="accent1"/>
-          </a:fillRef>
-          <a:effectRef idx="0">
-            <a:schemeClr val="accent1"/>
-          </a:effectRef>
-          <a:fontRef idx="minor">
-            <a:schemeClr val="tx1"/>
-          </a:fontRef>
-        </p:style>
-      </p:cxnSp>
-      <p:cxnSp>
-        <p:nvCxnSpPr>
-          <p:cNvPr id="67" name="Connecteur droit 66"/>
-          <p:cNvCxnSpPr/>
-          <p:nvPr/>
-        </p:nvCxnSpPr>
-        <p:spPr>
-          <a:xfrm>
-            <a:off x="2088132" y="6408023"/>
-            <a:ext cx="0" cy="180000"/>
-          </a:xfrm>
-          <a:prstGeom prst="line">
-            <a:avLst/>
-          </a:prstGeom>
-          <a:ln w="28575">
-            <a:solidFill>
-              <a:srgbClr val="0000FF"/>
-            </a:solidFill>
-          </a:ln>
-        </p:spPr>
-        <p:style>
-          <a:lnRef idx="1">
-            <a:schemeClr val="accent1"/>
-          </a:lnRef>
-          <a:fillRef idx="0">
-            <a:schemeClr val="accent1"/>
-          </a:fillRef>
-          <a:effectRef idx="0">
-            <a:schemeClr val="accent1"/>
-          </a:effectRef>
-          <a:fontRef idx="minor">
-            <a:schemeClr val="tx1"/>
-          </a:fontRef>
-        </p:style>
-      </p:cxnSp>
-      <p:cxnSp>
-        <p:nvCxnSpPr>
-          <p:cNvPr id="71" name="Connecteur droit 70"/>
-          <p:cNvCxnSpPr/>
-          <p:nvPr/>
-        </p:nvCxnSpPr>
-        <p:spPr>
-          <a:xfrm>
-            <a:off x="1547664" y="6498023"/>
-            <a:ext cx="936492" cy="0"/>
-          </a:xfrm>
-          <a:prstGeom prst="line">
-            <a:avLst/>
-          </a:prstGeom>
-          <a:ln w="28575">
-            <a:solidFill>
-              <a:srgbClr val="0000FF"/>
-            </a:solidFill>
-          </a:ln>
-        </p:spPr>
-        <p:style>
-          <a:lnRef idx="1">
-            <a:schemeClr val="accent1"/>
-          </a:lnRef>
-          <a:fillRef idx="0">
-            <a:schemeClr val="accent1"/>
-          </a:fillRef>
-          <a:effectRef idx="0">
-            <a:schemeClr val="accent1"/>
-          </a:effectRef>
-          <a:fontRef idx="minor">
-            <a:schemeClr val="tx1"/>
-          </a:fontRef>
-        </p:style>
-      </p:cxnSp>
-      <p:cxnSp>
-        <p:nvCxnSpPr>
-          <p:cNvPr id="75" name="Connecteur droit 74"/>
-          <p:cNvCxnSpPr>
-            <a:stCxn id="76" idx="2"/>
-          </p:cNvCxnSpPr>
-          <p:nvPr/>
-        </p:nvCxnSpPr>
-        <p:spPr>
-          <a:xfrm flipH="1">
-            <a:off x="2484156" y="5675710"/>
-            <a:ext cx="456" cy="826098"/>
-          </a:xfrm>
-          <a:prstGeom prst="line">
-            <a:avLst/>
-          </a:prstGeom>
-          <a:ln w="28575">
-            <a:solidFill>
-              <a:srgbClr val="0000FF"/>
-            </a:solidFill>
-          </a:ln>
-        </p:spPr>
-        <p:style>
-          <a:lnRef idx="1">
-            <a:schemeClr val="accent1"/>
-          </a:lnRef>
-          <a:fillRef idx="0">
-            <a:schemeClr val="accent1"/>
-          </a:fillRef>
-          <a:effectRef idx="0">
-            <a:schemeClr val="accent1"/>
-          </a:effectRef>
-          <a:fontRef idx="minor">
-            <a:schemeClr val="tx1"/>
-          </a:fontRef>
-        </p:style>
-      </p:cxnSp>
-      <p:sp>
-        <p:nvSpPr>
-          <p:cNvPr id="76" name="Rectangle 75"/>
-          <p:cNvSpPr/>
-          <p:nvPr/>
-        </p:nvSpPr>
-        <p:spPr>
-          <a:xfrm>
-            <a:off x="2304612" y="5495710"/>
-            <a:ext cx="360000" cy="180000"/>
-          </a:xfrm>
-          <a:prstGeom prst="rect">
-            <a:avLst/>
-          </a:prstGeom>
-          <a:noFill/>
-          <a:ln w="28575">
-            <a:solidFill>
-              <a:srgbClr val="0000FF"/>
-            </a:solidFill>
-          </a:ln>
-        </p:spPr>
-        <p:style>
-          <a:lnRef idx="2">
-            <a:schemeClr val="accent1">
-              <a:shade val="50000"/>
-            </a:schemeClr>
-          </a:lnRef>
-          <a:fillRef idx="1">
-            <a:schemeClr val="accent1"/>
-          </a:fillRef>
-          <a:effectRef idx="0">
-            <a:schemeClr val="accent1"/>
-          </a:effectRef>
-          <a:fontRef idx="minor">
-            <a:schemeClr val="lt1"/>
-          </a:fontRef>
-        </p:style>
-        <p:txBody>
-          <a:bodyPr rtlCol="0" anchor="ctr"/>
-          <a:lstStyle/>
-          <a:p>
-            <a:pPr algn="ctr"/>
-            <a:endParaRPr lang="fr-FR"/>
-          </a:p>
-        </p:txBody>
-      </p:sp>
-      <p:cxnSp>
-        <p:nvCxnSpPr>
-          <p:cNvPr id="81" name="Connecteur droit 80"/>
-          <p:cNvCxnSpPr/>
-          <p:nvPr/>
-        </p:nvCxnSpPr>
-        <p:spPr>
-          <a:xfrm>
-            <a:off x="2254192" y="5495710"/>
-            <a:ext cx="0" cy="180000"/>
-          </a:xfrm>
-          <a:prstGeom prst="line">
-            <a:avLst/>
-          </a:prstGeom>
-          <a:ln w="28575">
-            <a:solidFill>
-              <a:schemeClr val="accent5">
-                <a:lumMod val="75000"/>
-              </a:schemeClr>
-            </a:solidFill>
-          </a:ln>
-        </p:spPr>
-        <p:style>
-          <a:lnRef idx="1">
-            <a:schemeClr val="accent1"/>
-          </a:lnRef>
-          <a:fillRef idx="0">
-            <a:schemeClr val="accent1"/>
-          </a:fillRef>
-          <a:effectRef idx="0">
-            <a:schemeClr val="accent1"/>
-          </a:effectRef>
-          <a:fontRef idx="minor">
-            <a:schemeClr val="tx1"/>
-          </a:fontRef>
-        </p:style>
-      </p:cxnSp>
-      <p:cxnSp>
-        <p:nvCxnSpPr>
-          <p:cNvPr id="82" name="Connecteur droit 81"/>
-          <p:cNvCxnSpPr/>
-          <p:nvPr/>
-        </p:nvCxnSpPr>
-        <p:spPr>
-          <a:xfrm>
-            <a:off x="2715032" y="5495710"/>
-            <a:ext cx="0" cy="180000"/>
-          </a:xfrm>
-          <a:prstGeom prst="line">
-            <a:avLst/>
-          </a:prstGeom>
-          <a:ln w="28575">
-            <a:solidFill>
-              <a:schemeClr val="accent5">
-                <a:lumMod val="75000"/>
-              </a:schemeClr>
-            </a:solidFill>
-          </a:ln>
-        </p:spPr>
-        <p:style>
-          <a:lnRef idx="1">
-            <a:schemeClr val="accent1"/>
-          </a:lnRef>
-          <a:fillRef idx="0">
-            <a:schemeClr val="accent1"/>
-          </a:fillRef>
-          <a:effectRef idx="0">
-            <a:schemeClr val="accent1"/>
-          </a:effectRef>
-          <a:fontRef idx="minor">
-            <a:schemeClr val="tx1"/>
-          </a:fontRef>
-        </p:style>
-      </p:cxnSp>
-      <p:cxnSp>
-        <p:nvCxnSpPr>
-          <p:cNvPr id="84" name="Connecteur droit 83"/>
-          <p:cNvCxnSpPr/>
-          <p:nvPr/>
-        </p:nvCxnSpPr>
-        <p:spPr>
-          <a:xfrm>
-            <a:off x="2484156" y="6045524"/>
-            <a:ext cx="422038" cy="0"/>
-          </a:xfrm>
-          <a:prstGeom prst="line">
-            <a:avLst/>
-          </a:prstGeom>
-          <a:ln w="28575">
-            <a:solidFill>
-              <a:srgbClr val="0000FF"/>
-            </a:solidFill>
-          </a:ln>
-        </p:spPr>
-        <p:style>
-          <a:lnRef idx="1">
-            <a:schemeClr val="accent1"/>
-          </a:lnRef>
-          <a:fillRef idx="0">
-            <a:schemeClr val="accent1"/>
-          </a:fillRef>
-          <a:effectRef idx="0">
-            <a:schemeClr val="accent1"/>
-          </a:effectRef>
-          <a:fontRef idx="minor">
-            <a:schemeClr val="tx1"/>
-          </a:fontRef>
-        </p:style>
-      </p:cxnSp>
-      <p:cxnSp>
-        <p:nvCxnSpPr>
-          <p:cNvPr id="86" name="Connecteur droit 85"/>
-          <p:cNvCxnSpPr/>
-          <p:nvPr/>
-        </p:nvCxnSpPr>
-        <p:spPr>
-          <a:xfrm>
-            <a:off x="2906194" y="6045524"/>
-            <a:ext cx="0" cy="222268"/>
-          </a:xfrm>
-          <a:prstGeom prst="line">
-            <a:avLst/>
-          </a:prstGeom>
-          <a:ln w="28575">
-            <a:solidFill>
-              <a:srgbClr val="0000FF"/>
-            </a:solidFill>
-          </a:ln>
-        </p:spPr>
-        <p:style>
-          <a:lnRef idx="1">
-            <a:schemeClr val="accent1"/>
-          </a:lnRef>
-          <a:fillRef idx="0">
-            <a:schemeClr val="accent1"/>
-          </a:fillRef>
-          <a:effectRef idx="0">
-            <a:schemeClr val="accent1"/>
-          </a:effectRef>
-          <a:fontRef idx="minor">
-            <a:schemeClr val="tx1"/>
-          </a:fontRef>
-        </p:style>
-      </p:cxnSp>
-      <p:cxnSp>
-        <p:nvCxnSpPr>
-          <p:cNvPr id="46" name="Connecteur droit 45"/>
-          <p:cNvCxnSpPr/>
-          <p:nvPr/>
-        </p:nvCxnSpPr>
-        <p:spPr>
-          <a:xfrm flipH="1" flipV="1">
-            <a:off x="2802374" y="6267792"/>
-            <a:ext cx="207640" cy="0"/>
-          </a:xfrm>
-          <a:prstGeom prst="line">
-            <a:avLst/>
-          </a:prstGeom>
-          <a:ln w="28575">
-            <a:solidFill>
-              <a:srgbClr val="FF0000"/>
-            </a:solidFill>
-          </a:ln>
-        </p:spPr>
-        <p:style>
-          <a:lnRef idx="1">
-            <a:schemeClr val="accent1"/>
-          </a:lnRef>
-          <a:fillRef idx="0">
-            <a:schemeClr val="accent1"/>
-          </a:fillRef>
-          <a:effectRef idx="0">
-            <a:schemeClr val="accent1"/>
-          </a:effectRef>
-          <a:fontRef idx="minor">
-            <a:schemeClr val="tx1"/>
-          </a:fontRef>
-        </p:style>
-      </p:cxnSp>
-      <p:sp>
-        <p:nvSpPr>
-          <p:cNvPr id="89" name="Rectangle 88"/>
-          <p:cNvSpPr/>
-          <p:nvPr/>
-        </p:nvSpPr>
-        <p:spPr>
-          <a:xfrm>
-            <a:off x="1674818" y="5495710"/>
-            <a:ext cx="360000" cy="180000"/>
-          </a:xfrm>
-          <a:prstGeom prst="rect">
-            <a:avLst/>
-          </a:prstGeom>
-          <a:noFill/>
-          <a:ln w="28575">
-            <a:solidFill>
-              <a:srgbClr val="00B050"/>
-            </a:solidFill>
-          </a:ln>
-        </p:spPr>
-        <p:style>
-          <a:lnRef idx="2">
-            <a:schemeClr val="accent1">
-              <a:shade val="50000"/>
-            </a:schemeClr>
-          </a:lnRef>
-          <a:fillRef idx="1">
-            <a:schemeClr val="accent1"/>
-          </a:fillRef>
-          <a:effectRef idx="0">
-            <a:schemeClr val="accent1"/>
-          </a:effectRef>
-          <a:fontRef idx="minor">
-            <a:schemeClr val="lt1"/>
-          </a:fontRef>
-        </p:style>
-        <p:txBody>
-          <a:bodyPr rtlCol="0" anchor="ctr"/>
-          <a:lstStyle/>
-          <a:p>
-            <a:pPr algn="ctr"/>
-            <a:endParaRPr lang="fr-FR"/>
-          </a:p>
-        </p:txBody>
-      </p:sp>
-      <p:cxnSp>
-        <p:nvCxnSpPr>
-          <p:cNvPr id="90" name="Connecteur droit 89"/>
-          <p:cNvCxnSpPr/>
-          <p:nvPr/>
-        </p:nvCxnSpPr>
-        <p:spPr>
-          <a:xfrm>
-            <a:off x="2088132" y="5495710"/>
-            <a:ext cx="0" cy="180000"/>
-          </a:xfrm>
-          <a:prstGeom prst="line">
-            <a:avLst/>
-          </a:prstGeom>
-          <a:ln w="28575">
-            <a:solidFill>
-              <a:schemeClr val="accent5">
-                <a:lumMod val="75000"/>
-              </a:schemeClr>
-            </a:solidFill>
-          </a:ln>
-        </p:spPr>
-        <p:style>
-          <a:lnRef idx="1">
-            <a:schemeClr val="accent1"/>
-          </a:lnRef>
-          <a:fillRef idx="0">
-            <a:schemeClr val="accent1"/>
-          </a:fillRef>
-          <a:effectRef idx="0">
-            <a:schemeClr val="accent1"/>
-          </a:effectRef>
-          <a:fontRef idx="minor">
-            <a:schemeClr val="tx1"/>
-          </a:fontRef>
-        </p:style>
-      </p:cxnSp>
-      <p:cxnSp>
-        <p:nvCxnSpPr>
-          <p:cNvPr id="91" name="Connecteur droit 90"/>
-          <p:cNvCxnSpPr/>
-          <p:nvPr/>
-        </p:nvCxnSpPr>
-        <p:spPr>
-          <a:xfrm>
-            <a:off x="1621504" y="5495710"/>
-            <a:ext cx="0" cy="180000"/>
-          </a:xfrm>
-          <a:prstGeom prst="line">
-            <a:avLst/>
-          </a:prstGeom>
-          <a:ln w="28575">
-            <a:solidFill>
-              <a:schemeClr val="accent5">
-                <a:lumMod val="75000"/>
-              </a:schemeClr>
-            </a:solidFill>
-          </a:ln>
-        </p:spPr>
-        <p:style>
-          <a:lnRef idx="1">
-            <a:schemeClr val="accent1"/>
-          </a:lnRef>
-          <a:fillRef idx="0">
-            <a:schemeClr val="accent1"/>
-          </a:fillRef>
-          <a:effectRef idx="0">
-            <a:schemeClr val="accent1"/>
-          </a:effectRef>
-          <a:fontRef idx="minor">
-            <a:schemeClr val="tx1"/>
-          </a:fontRef>
-        </p:style>
-      </p:cxnSp>
-      <p:cxnSp>
-        <p:nvCxnSpPr>
-          <p:cNvPr id="92" name="Connecteur droit 91"/>
-          <p:cNvCxnSpPr/>
-          <p:nvPr/>
-        </p:nvCxnSpPr>
-        <p:spPr>
-          <a:xfrm>
-            <a:off x="2484156" y="5671925"/>
-            <a:ext cx="0" cy="373599"/>
-          </a:xfrm>
-          <a:prstGeom prst="line">
-            <a:avLst/>
-          </a:prstGeom>
-          <a:ln w="28575">
-            <a:solidFill>
-              <a:srgbClr val="0000FF"/>
-            </a:solidFill>
-          </a:ln>
-        </p:spPr>
-        <p:style>
-          <a:lnRef idx="1">
-            <a:schemeClr val="accent1"/>
-          </a:lnRef>
-          <a:fillRef idx="0">
-            <a:schemeClr val="accent1"/>
-          </a:fillRef>
-          <a:effectRef idx="0">
-            <a:schemeClr val="accent1"/>
-          </a:effectRef>
-          <a:fontRef idx="minor">
-            <a:schemeClr val="tx1"/>
-          </a:fontRef>
-        </p:style>
-      </p:cxnSp>
-      <p:cxnSp>
-        <p:nvCxnSpPr>
-          <p:cNvPr id="94" name="Connecteur droit 93"/>
-          <p:cNvCxnSpPr/>
-          <p:nvPr/>
-        </p:nvCxnSpPr>
-        <p:spPr>
-          <a:xfrm>
-            <a:off x="2484156" y="5119684"/>
-            <a:ext cx="0" cy="373599"/>
-          </a:xfrm>
-          <a:prstGeom prst="line">
-            <a:avLst/>
-          </a:prstGeom>
-          <a:ln w="28575">
-            <a:solidFill>
-              <a:srgbClr val="0000FF"/>
-            </a:solidFill>
-          </a:ln>
-        </p:spPr>
-        <p:style>
-          <a:lnRef idx="1">
-            <a:schemeClr val="accent1"/>
-          </a:lnRef>
-          <a:fillRef idx="0">
-            <a:schemeClr val="accent1"/>
-          </a:fillRef>
-          <a:effectRef idx="0">
-            <a:schemeClr val="accent1"/>
-          </a:effectRef>
-          <a:fontRef idx="minor">
-            <a:schemeClr val="tx1"/>
-          </a:fontRef>
-        </p:style>
-      </p:cxnSp>
-      <p:cxnSp>
-        <p:nvCxnSpPr>
-          <p:cNvPr id="95" name="Connecteur droit 94"/>
-          <p:cNvCxnSpPr/>
-          <p:nvPr/>
-        </p:nvCxnSpPr>
-        <p:spPr>
-          <a:xfrm>
-            <a:off x="2484156" y="5128263"/>
-            <a:ext cx="422038" cy="0"/>
-          </a:xfrm>
-          <a:prstGeom prst="line">
-            <a:avLst/>
-          </a:prstGeom>
-          <a:ln w="28575">
-            <a:solidFill>
-              <a:srgbClr val="0000FF"/>
-            </a:solidFill>
-          </a:ln>
-        </p:spPr>
-        <p:style>
-          <a:lnRef idx="1">
-            <a:schemeClr val="accent1"/>
-          </a:lnRef>
-          <a:fillRef idx="0">
-            <a:schemeClr val="accent1"/>
-          </a:fillRef>
-          <a:effectRef idx="0">
-            <a:schemeClr val="accent1"/>
-          </a:effectRef>
-          <a:fontRef idx="minor">
-            <a:schemeClr val="tx1"/>
-          </a:fontRef>
-        </p:style>
-      </p:cxnSp>
-      <p:cxnSp>
-        <p:nvCxnSpPr>
-          <p:cNvPr id="96" name="Connecteur droit 95"/>
-          <p:cNvCxnSpPr/>
-          <p:nvPr/>
-        </p:nvCxnSpPr>
-        <p:spPr>
-          <a:xfrm>
-            <a:off x="2906194" y="4897416"/>
-            <a:ext cx="0" cy="240372"/>
-          </a:xfrm>
-          <a:prstGeom prst="line">
-            <a:avLst/>
-          </a:prstGeom>
-          <a:ln w="28575">
-            <a:solidFill>
-              <a:srgbClr val="0000FF"/>
-            </a:solidFill>
-          </a:ln>
-        </p:spPr>
-        <p:style>
-          <a:lnRef idx="1">
-            <a:schemeClr val="accent1"/>
-          </a:lnRef>
-          <a:fillRef idx="0">
-            <a:schemeClr val="accent1"/>
-          </a:fillRef>
-          <a:effectRef idx="0">
-            <a:schemeClr val="accent1"/>
-          </a:effectRef>
-          <a:fontRef idx="minor">
-            <a:schemeClr val="tx1"/>
-          </a:fontRef>
-        </p:style>
-      </p:cxnSp>
-      <p:cxnSp>
-        <p:nvCxnSpPr>
-          <p:cNvPr id="97" name="Connecteur droit 96"/>
-          <p:cNvCxnSpPr/>
-          <p:nvPr/>
-        </p:nvCxnSpPr>
-        <p:spPr>
-          <a:xfrm flipH="1" flipV="1">
-            <a:off x="2802374" y="4897416"/>
-            <a:ext cx="207640" cy="0"/>
-          </a:xfrm>
-          <a:prstGeom prst="line">
-            <a:avLst/>
-          </a:prstGeom>
-          <a:ln w="28575">
-            <a:solidFill>
-              <a:srgbClr val="0000FF"/>
-            </a:solidFill>
-          </a:ln>
-        </p:spPr>
-        <p:style>
-          <a:lnRef idx="1">
-            <a:schemeClr val="accent1"/>
-          </a:lnRef>
-          <a:fillRef idx="0">
-            <a:schemeClr val="accent1"/>
-          </a:fillRef>
-          <a:effectRef idx="0">
-            <a:schemeClr val="accent1"/>
-          </a:effectRef>
-          <a:fontRef idx="minor">
-            <a:schemeClr val="tx1"/>
-          </a:fontRef>
-        </p:style>
-      </p:cxnSp>
-      <p:cxnSp>
-        <p:nvCxnSpPr>
-          <p:cNvPr id="101" name="Connecteur droit 100"/>
-          <p:cNvCxnSpPr/>
-          <p:nvPr/>
-        </p:nvCxnSpPr>
-        <p:spPr>
-          <a:xfrm>
-            <a:off x="1853902" y="4893729"/>
-            <a:ext cx="0" cy="592082"/>
-          </a:xfrm>
-          <a:prstGeom prst="line">
-            <a:avLst/>
-          </a:prstGeom>
-          <a:ln w="28575">
-            <a:solidFill>
-              <a:srgbClr val="00B050"/>
-            </a:solidFill>
-          </a:ln>
-        </p:spPr>
-        <p:style>
-          <a:lnRef idx="1">
-            <a:schemeClr val="accent1"/>
-          </a:lnRef>
-          <a:fillRef idx="0">
-            <a:schemeClr val="accent1"/>
-          </a:fillRef>
-          <a:effectRef idx="0">
-            <a:schemeClr val="accent1"/>
-          </a:effectRef>
-          <a:fontRef idx="minor">
-            <a:schemeClr val="tx1"/>
-          </a:fontRef>
-        </p:style>
-      </p:cxnSp>
-      <p:cxnSp>
-        <p:nvCxnSpPr>
-          <p:cNvPr id="102" name="Connecteur droit 101"/>
-          <p:cNvCxnSpPr/>
-          <p:nvPr/>
-        </p:nvCxnSpPr>
-        <p:spPr>
-          <a:xfrm flipH="1" flipV="1">
-            <a:off x="1750082" y="4897416"/>
-            <a:ext cx="207640" cy="0"/>
-          </a:xfrm>
-          <a:prstGeom prst="line">
-            <a:avLst/>
-          </a:prstGeom>
-          <a:ln w="28575">
-            <a:solidFill>
-              <a:srgbClr val="00B050"/>
-            </a:solidFill>
-          </a:ln>
-        </p:spPr>
-        <p:style>
-          <a:lnRef idx="1">
-            <a:schemeClr val="accent1"/>
-          </a:lnRef>
-          <a:fillRef idx="0">
-            <a:schemeClr val="accent1"/>
-          </a:fillRef>
-          <a:effectRef idx="0">
-            <a:schemeClr val="accent1"/>
-          </a:effectRef>
-          <a:fontRef idx="minor">
-            <a:schemeClr val="tx1"/>
-          </a:fontRef>
-        </p:style>
-      </p:cxnSp>
+            <a:r>
+              <a:rPr lang="fr-FR" sz="1400" b="1" dirty="0" smtClean="0">
+                <a:solidFill>
+                  <a:srgbClr val="953721"/>
+                </a:solidFill>
+              </a:rPr>
+              <a:t>9’</a:t>
+            </a:r>
+            <a:endParaRPr lang="fr-FR" sz="1400" b="1" dirty="0">
+              <a:solidFill>
+                <a:srgbClr val="953721"/>
+              </a:solidFill>
+            </a:endParaRPr>
+          </a:p>
+        </p:txBody>
+      </p:sp>
       <p:pic>
         <p:nvPicPr>
-          <p:cNvPr id="2" name="Picture 2"/>
+          <p:cNvPr id="3" name="Picture 2"/>
           <p:cNvPicPr>
             <a:picLocks noChangeAspect="1" noChangeArrowheads="1"/>
           </p:cNvPicPr>
@@ -5191,8 +6494,8 @@
         </p:blipFill>
         <p:spPr bwMode="auto">
           <a:xfrm>
-            <a:off x="6566630" y="377139"/>
-            <a:ext cx="2646498" cy="2606688"/>
+            <a:off x="-468564" y="48844"/>
+            <a:ext cx="3081253" cy="3020117"/>
           </a:xfrm>
           <a:prstGeom prst="rect">
             <a:avLst/>
@@ -5232,1309 +6535,6 @@
           </a:extLst>
         </p:spPr>
       </p:pic>
-      <p:grpSp>
-        <p:nvGrpSpPr>
-          <p:cNvPr id="25" name="Groupe 24"/>
-          <p:cNvGrpSpPr/>
-          <p:nvPr/>
-        </p:nvGrpSpPr>
-        <p:grpSpPr>
-          <a:xfrm flipV="1">
-            <a:off x="899592" y="5997562"/>
-            <a:ext cx="955226" cy="1031838"/>
-            <a:chOff x="1152648" y="4310332"/>
-            <a:chExt cx="955226" cy="1031838"/>
-          </a:xfrm>
-        </p:grpSpPr>
-        <p:cxnSp>
-          <p:nvCxnSpPr>
-            <p:cNvPr id="83" name="Connecteur droit 82"/>
-            <p:cNvCxnSpPr/>
-            <p:nvPr/>
-          </p:nvCxnSpPr>
-          <p:spPr>
-            <a:xfrm flipH="1" flipV="1">
-              <a:off x="1494725" y="5342170"/>
-              <a:ext cx="613149" cy="0"/>
-            </a:xfrm>
-            <a:prstGeom prst="line">
-              <a:avLst/>
-            </a:prstGeom>
-            <a:ln w="28575">
-              <a:solidFill>
-                <a:srgbClr val="00B050"/>
-              </a:solidFill>
-            </a:ln>
-          </p:spPr>
-          <p:style>
-            <a:lnRef idx="1">
-              <a:schemeClr val="accent1"/>
-            </a:lnRef>
-            <a:fillRef idx="0">
-              <a:schemeClr val="accent1"/>
-            </a:fillRef>
-            <a:effectRef idx="0">
-              <a:schemeClr val="accent1"/>
-            </a:effectRef>
-            <a:fontRef idx="minor">
-              <a:schemeClr val="tx1"/>
-            </a:fontRef>
-          </p:style>
-        </p:cxnSp>
-        <p:sp>
-          <p:nvSpPr>
-            <p:cNvPr id="85" name="Rectangle 84"/>
-            <p:cNvSpPr/>
-            <p:nvPr/>
-          </p:nvSpPr>
-          <p:spPr>
-            <a:xfrm>
-              <a:off x="1314724" y="4769552"/>
-              <a:ext cx="360000" cy="180000"/>
-            </a:xfrm>
-            <a:prstGeom prst="rect">
-              <a:avLst/>
-            </a:prstGeom>
-            <a:noFill/>
-            <a:ln w="28575">
-              <a:solidFill>
-                <a:srgbClr val="00B050"/>
-              </a:solidFill>
-            </a:ln>
-          </p:spPr>
-          <p:style>
-            <a:lnRef idx="2">
-              <a:schemeClr val="accent1">
-                <a:shade val="50000"/>
-              </a:schemeClr>
-            </a:lnRef>
-            <a:fillRef idx="1">
-              <a:schemeClr val="accent1"/>
-            </a:fillRef>
-            <a:effectRef idx="0">
-              <a:schemeClr val="accent1"/>
-            </a:effectRef>
-            <a:fontRef idx="minor">
-              <a:schemeClr val="lt1"/>
-            </a:fontRef>
-          </p:style>
-          <p:txBody>
-            <a:bodyPr rtlCol="0" anchor="ctr"/>
-            <a:lstStyle/>
-            <a:p>
-              <a:pPr algn="ctr"/>
-              <a:endParaRPr lang="fr-FR"/>
-            </a:p>
-          </p:txBody>
-        </p:sp>
-        <p:cxnSp>
-          <p:nvCxnSpPr>
-            <p:cNvPr id="87" name="Connecteur droit 86"/>
-            <p:cNvCxnSpPr/>
-            <p:nvPr/>
-          </p:nvCxnSpPr>
-          <p:spPr>
-            <a:xfrm>
-              <a:off x="1728038" y="4769552"/>
-              <a:ext cx="0" cy="180000"/>
-            </a:xfrm>
-            <a:prstGeom prst="line">
-              <a:avLst/>
-            </a:prstGeom>
-            <a:ln w="28575">
-              <a:solidFill>
-                <a:srgbClr val="660033"/>
-              </a:solidFill>
-            </a:ln>
-          </p:spPr>
-          <p:style>
-            <a:lnRef idx="1">
-              <a:schemeClr val="accent1"/>
-            </a:lnRef>
-            <a:fillRef idx="0">
-              <a:schemeClr val="accent1"/>
-            </a:fillRef>
-            <a:effectRef idx="0">
-              <a:schemeClr val="accent1"/>
-            </a:effectRef>
-            <a:fontRef idx="minor">
-              <a:schemeClr val="tx1"/>
-            </a:fontRef>
-          </p:style>
-        </p:cxnSp>
-        <p:cxnSp>
-          <p:nvCxnSpPr>
-            <p:cNvPr id="88" name="Connecteur droit 87"/>
-            <p:cNvCxnSpPr/>
-            <p:nvPr/>
-          </p:nvCxnSpPr>
-          <p:spPr>
-            <a:xfrm>
-              <a:off x="1261410" y="4769552"/>
-              <a:ext cx="0" cy="180000"/>
-            </a:xfrm>
-            <a:prstGeom prst="line">
-              <a:avLst/>
-            </a:prstGeom>
-            <a:ln w="28575">
-              <a:solidFill>
-                <a:srgbClr val="660033"/>
-              </a:solidFill>
-            </a:ln>
-          </p:spPr>
-          <p:style>
-            <a:lnRef idx="1">
-              <a:schemeClr val="accent1"/>
-            </a:lnRef>
-            <a:fillRef idx="0">
-              <a:schemeClr val="accent1"/>
-            </a:fillRef>
-            <a:effectRef idx="0">
-              <a:schemeClr val="accent1"/>
-            </a:effectRef>
-            <a:fontRef idx="minor">
-              <a:schemeClr val="tx1"/>
-            </a:fontRef>
-          </p:style>
-        </p:cxnSp>
-        <p:cxnSp>
-          <p:nvCxnSpPr>
-            <p:cNvPr id="93" name="Connecteur droit 92"/>
-            <p:cNvCxnSpPr>
-              <a:stCxn id="85" idx="2"/>
-            </p:cNvCxnSpPr>
-            <p:nvPr/>
-          </p:nvCxnSpPr>
-          <p:spPr>
-            <a:xfrm>
-              <a:off x="1494724" y="4949552"/>
-              <a:ext cx="0" cy="392618"/>
-            </a:xfrm>
-            <a:prstGeom prst="line">
-              <a:avLst/>
-            </a:prstGeom>
-            <a:ln w="28575">
-              <a:solidFill>
-                <a:srgbClr val="00B050"/>
-              </a:solidFill>
-            </a:ln>
-          </p:spPr>
-          <p:style>
-            <a:lnRef idx="1">
-              <a:schemeClr val="accent1"/>
-            </a:lnRef>
-            <a:fillRef idx="0">
-              <a:schemeClr val="accent1"/>
-            </a:fillRef>
-            <a:effectRef idx="0">
-              <a:schemeClr val="accent1"/>
-            </a:effectRef>
-            <a:fontRef idx="minor">
-              <a:schemeClr val="tx1"/>
-            </a:fontRef>
-          </p:style>
-        </p:cxnSp>
-        <p:cxnSp>
-          <p:nvCxnSpPr>
-            <p:cNvPr id="98" name="Connecteur droit 97"/>
-            <p:cNvCxnSpPr/>
-            <p:nvPr/>
-          </p:nvCxnSpPr>
-          <p:spPr>
-            <a:xfrm flipH="1">
-              <a:off x="1154480" y="4859552"/>
-              <a:ext cx="619424" cy="0"/>
-            </a:xfrm>
-            <a:prstGeom prst="line">
-              <a:avLst/>
-            </a:prstGeom>
-            <a:ln w="28575">
-              <a:solidFill>
-                <a:srgbClr val="660033"/>
-              </a:solidFill>
-            </a:ln>
-          </p:spPr>
-          <p:style>
-            <a:lnRef idx="1">
-              <a:schemeClr val="accent1"/>
-            </a:lnRef>
-            <a:fillRef idx="0">
-              <a:schemeClr val="accent1"/>
-            </a:fillRef>
-            <a:effectRef idx="0">
-              <a:schemeClr val="accent1"/>
-            </a:effectRef>
-            <a:fontRef idx="minor">
-              <a:schemeClr val="tx1"/>
-            </a:fontRef>
-          </p:style>
-        </p:cxnSp>
-        <p:cxnSp>
-          <p:nvCxnSpPr>
-            <p:cNvPr id="100" name="Connecteur droit 99"/>
-            <p:cNvCxnSpPr/>
-            <p:nvPr/>
-          </p:nvCxnSpPr>
-          <p:spPr>
-            <a:xfrm flipH="1">
-              <a:off x="1154480" y="4715774"/>
-              <a:ext cx="0" cy="143778"/>
-            </a:xfrm>
-            <a:prstGeom prst="line">
-              <a:avLst/>
-            </a:prstGeom>
-            <a:ln w="28575">
-              <a:solidFill>
-                <a:srgbClr val="660033"/>
-              </a:solidFill>
-            </a:ln>
-          </p:spPr>
-          <p:style>
-            <a:lnRef idx="1">
-              <a:schemeClr val="accent1"/>
-            </a:lnRef>
-            <a:fillRef idx="0">
-              <a:schemeClr val="accent1"/>
-            </a:fillRef>
-            <a:effectRef idx="0">
-              <a:schemeClr val="accent1"/>
-            </a:effectRef>
-            <a:fontRef idx="minor">
-              <a:schemeClr val="tx1"/>
-            </a:fontRef>
-          </p:style>
-        </p:cxnSp>
-        <p:cxnSp>
-          <p:nvCxnSpPr>
-            <p:cNvPr id="103" name="Connecteur droit 102"/>
-            <p:cNvCxnSpPr/>
-            <p:nvPr/>
-          </p:nvCxnSpPr>
-          <p:spPr>
-            <a:xfrm flipH="1">
-              <a:off x="1152648" y="4705708"/>
-              <a:ext cx="344943" cy="0"/>
-            </a:xfrm>
-            <a:prstGeom prst="line">
-              <a:avLst/>
-            </a:prstGeom>
-            <a:ln w="28575">
-              <a:solidFill>
-                <a:srgbClr val="660033"/>
-              </a:solidFill>
-            </a:ln>
-          </p:spPr>
-          <p:style>
-            <a:lnRef idx="1">
-              <a:schemeClr val="accent1"/>
-            </a:lnRef>
-            <a:fillRef idx="0">
-              <a:schemeClr val="accent1"/>
-            </a:fillRef>
-            <a:effectRef idx="0">
-              <a:schemeClr val="accent1"/>
-            </a:effectRef>
-            <a:fontRef idx="minor">
-              <a:schemeClr val="tx1"/>
-            </a:fontRef>
-          </p:style>
-        </p:cxnSp>
-        <p:cxnSp>
-          <p:nvCxnSpPr>
-            <p:cNvPr id="104" name="Connecteur droit 103"/>
-            <p:cNvCxnSpPr/>
-            <p:nvPr/>
-          </p:nvCxnSpPr>
-          <p:spPr>
-            <a:xfrm>
-              <a:off x="1500459" y="4310332"/>
-              <a:ext cx="0" cy="109558"/>
-            </a:xfrm>
-            <a:prstGeom prst="line">
-              <a:avLst/>
-            </a:prstGeom>
-            <a:ln w="28575">
-              <a:solidFill>
-                <a:schemeClr val="tx1"/>
-              </a:solidFill>
-            </a:ln>
-          </p:spPr>
-          <p:style>
-            <a:lnRef idx="1">
-              <a:schemeClr val="accent1"/>
-            </a:lnRef>
-            <a:fillRef idx="0">
-              <a:schemeClr val="accent1"/>
-            </a:fillRef>
-            <a:effectRef idx="0">
-              <a:schemeClr val="accent1"/>
-            </a:effectRef>
-            <a:fontRef idx="minor">
-              <a:schemeClr val="tx1"/>
-            </a:fontRef>
-          </p:style>
-        </p:cxnSp>
-        <p:cxnSp>
-          <p:nvCxnSpPr>
-            <p:cNvPr id="105" name="Connecteur droit 104"/>
-            <p:cNvCxnSpPr/>
-            <p:nvPr/>
-          </p:nvCxnSpPr>
-          <p:spPr>
-            <a:xfrm flipH="1">
-              <a:off x="1396639" y="4419890"/>
-              <a:ext cx="207640" cy="0"/>
-            </a:xfrm>
-            <a:prstGeom prst="line">
-              <a:avLst/>
-            </a:prstGeom>
-            <a:ln w="28575">
-              <a:solidFill>
-                <a:schemeClr val="tx1"/>
-              </a:solidFill>
-            </a:ln>
-          </p:spPr>
-          <p:style>
-            <a:lnRef idx="1">
-              <a:schemeClr val="accent1"/>
-            </a:lnRef>
-            <a:fillRef idx="0">
-              <a:schemeClr val="accent1"/>
-            </a:fillRef>
-            <a:effectRef idx="0">
-              <a:schemeClr val="accent1"/>
-            </a:effectRef>
-            <a:fontRef idx="minor">
-              <a:schemeClr val="tx1"/>
-            </a:fontRef>
-          </p:style>
-        </p:cxnSp>
-        <p:cxnSp>
-          <p:nvCxnSpPr>
-            <p:cNvPr id="106" name="Connecteur droit 105"/>
-            <p:cNvCxnSpPr/>
-            <p:nvPr/>
-          </p:nvCxnSpPr>
-          <p:spPr>
-            <a:xfrm flipH="1">
-              <a:off x="1493264" y="4561930"/>
-              <a:ext cx="0" cy="143778"/>
-            </a:xfrm>
-            <a:prstGeom prst="line">
-              <a:avLst/>
-            </a:prstGeom>
-            <a:ln w="28575">
-              <a:solidFill>
-                <a:srgbClr val="660033"/>
-              </a:solidFill>
-            </a:ln>
-          </p:spPr>
-          <p:style>
-            <a:lnRef idx="1">
-              <a:schemeClr val="accent1"/>
-            </a:lnRef>
-            <a:fillRef idx="0">
-              <a:schemeClr val="accent1"/>
-            </a:fillRef>
-            <a:effectRef idx="0">
-              <a:schemeClr val="accent1"/>
-            </a:effectRef>
-            <a:fontRef idx="minor">
-              <a:schemeClr val="tx1"/>
-            </a:fontRef>
-          </p:style>
-        </p:cxnSp>
-        <p:sp>
-          <p:nvSpPr>
-            <p:cNvPr id="107" name="Triangle isocèle 106"/>
-            <p:cNvSpPr/>
-            <p:nvPr/>
-          </p:nvSpPr>
-          <p:spPr>
-            <a:xfrm>
-              <a:off x="1425583" y="4445496"/>
-              <a:ext cx="144016" cy="144016"/>
-            </a:xfrm>
-            <a:prstGeom prst="triangle">
-              <a:avLst/>
-            </a:prstGeom>
-            <a:solidFill>
-              <a:schemeClr val="bg1"/>
-            </a:solidFill>
-            <a:ln w="28575">
-              <a:solidFill>
-                <a:srgbClr val="660033"/>
-              </a:solidFill>
-            </a:ln>
-          </p:spPr>
-          <p:style>
-            <a:lnRef idx="1">
-              <a:schemeClr val="accent1"/>
-            </a:lnRef>
-            <a:fillRef idx="0">
-              <a:schemeClr val="accent1"/>
-            </a:fillRef>
-            <a:effectRef idx="0">
-              <a:schemeClr val="accent1"/>
-            </a:effectRef>
-            <a:fontRef idx="minor">
-              <a:schemeClr val="tx1"/>
-            </a:fontRef>
-          </p:style>
-          <p:txBody>
-            <a:bodyPr rtlCol="0" anchor="ctr"/>
-            <a:lstStyle/>
-            <a:p>
-              <a:pPr algn="ctr"/>
-              <a:endParaRPr lang="fr-FR"/>
-            </a:p>
-          </p:txBody>
-        </p:sp>
-      </p:grpSp>
-      <p:grpSp>
-        <p:nvGrpSpPr>
-          <p:cNvPr id="108" name="Groupe 107"/>
-          <p:cNvGrpSpPr/>
-          <p:nvPr/>
-        </p:nvGrpSpPr>
-        <p:grpSpPr>
-          <a:xfrm>
-            <a:off x="888122" y="4157932"/>
-            <a:ext cx="955226" cy="1031838"/>
-            <a:chOff x="1152648" y="4310332"/>
-            <a:chExt cx="955226" cy="1031838"/>
-          </a:xfrm>
-        </p:grpSpPr>
-        <p:cxnSp>
-          <p:nvCxnSpPr>
-            <p:cNvPr id="109" name="Connecteur droit 108"/>
-            <p:cNvCxnSpPr/>
-            <p:nvPr/>
-          </p:nvCxnSpPr>
-          <p:spPr>
-            <a:xfrm flipH="1" flipV="1">
-              <a:off x="1494725" y="5342170"/>
-              <a:ext cx="613149" cy="0"/>
-            </a:xfrm>
-            <a:prstGeom prst="line">
-              <a:avLst/>
-            </a:prstGeom>
-            <a:ln w="28575">
-              <a:solidFill>
-                <a:srgbClr val="00B050"/>
-              </a:solidFill>
-            </a:ln>
-          </p:spPr>
-          <p:style>
-            <a:lnRef idx="1">
-              <a:schemeClr val="accent1"/>
-            </a:lnRef>
-            <a:fillRef idx="0">
-              <a:schemeClr val="accent1"/>
-            </a:fillRef>
-            <a:effectRef idx="0">
-              <a:schemeClr val="accent1"/>
-            </a:effectRef>
-            <a:fontRef idx="minor">
-              <a:schemeClr val="tx1"/>
-            </a:fontRef>
-          </p:style>
-        </p:cxnSp>
-        <p:sp>
-          <p:nvSpPr>
-            <p:cNvPr id="110" name="Rectangle 109"/>
-            <p:cNvSpPr/>
-            <p:nvPr/>
-          </p:nvSpPr>
-          <p:spPr>
-            <a:xfrm>
-              <a:off x="1314724" y="4769552"/>
-              <a:ext cx="360000" cy="180000"/>
-            </a:xfrm>
-            <a:prstGeom prst="rect">
-              <a:avLst/>
-            </a:prstGeom>
-            <a:noFill/>
-            <a:ln w="28575">
-              <a:solidFill>
-                <a:srgbClr val="00B050"/>
-              </a:solidFill>
-            </a:ln>
-          </p:spPr>
-          <p:style>
-            <a:lnRef idx="2">
-              <a:schemeClr val="accent1">
-                <a:shade val="50000"/>
-              </a:schemeClr>
-            </a:lnRef>
-            <a:fillRef idx="1">
-              <a:schemeClr val="accent1"/>
-            </a:fillRef>
-            <a:effectRef idx="0">
-              <a:schemeClr val="accent1"/>
-            </a:effectRef>
-            <a:fontRef idx="minor">
-              <a:schemeClr val="lt1"/>
-            </a:fontRef>
-          </p:style>
-          <p:txBody>
-            <a:bodyPr rtlCol="0" anchor="ctr"/>
-            <a:lstStyle/>
-            <a:p>
-              <a:pPr algn="ctr"/>
-              <a:endParaRPr lang="fr-FR"/>
-            </a:p>
-          </p:txBody>
-        </p:sp>
-        <p:cxnSp>
-          <p:nvCxnSpPr>
-            <p:cNvPr id="111" name="Connecteur droit 110"/>
-            <p:cNvCxnSpPr/>
-            <p:nvPr/>
-          </p:nvCxnSpPr>
-          <p:spPr>
-            <a:xfrm>
-              <a:off x="1728038" y="4769552"/>
-              <a:ext cx="0" cy="180000"/>
-            </a:xfrm>
-            <a:prstGeom prst="line">
-              <a:avLst/>
-            </a:prstGeom>
-            <a:ln w="28575">
-              <a:solidFill>
-                <a:srgbClr val="660033"/>
-              </a:solidFill>
-            </a:ln>
-          </p:spPr>
-          <p:style>
-            <a:lnRef idx="1">
-              <a:schemeClr val="accent1"/>
-            </a:lnRef>
-            <a:fillRef idx="0">
-              <a:schemeClr val="accent1"/>
-            </a:fillRef>
-            <a:effectRef idx="0">
-              <a:schemeClr val="accent1"/>
-            </a:effectRef>
-            <a:fontRef idx="minor">
-              <a:schemeClr val="tx1"/>
-            </a:fontRef>
-          </p:style>
-        </p:cxnSp>
-        <p:cxnSp>
-          <p:nvCxnSpPr>
-            <p:cNvPr id="112" name="Connecteur droit 111"/>
-            <p:cNvCxnSpPr/>
-            <p:nvPr/>
-          </p:nvCxnSpPr>
-          <p:spPr>
-            <a:xfrm>
-              <a:off x="1261410" y="4769552"/>
-              <a:ext cx="0" cy="180000"/>
-            </a:xfrm>
-            <a:prstGeom prst="line">
-              <a:avLst/>
-            </a:prstGeom>
-            <a:ln w="28575">
-              <a:solidFill>
-                <a:srgbClr val="660033"/>
-              </a:solidFill>
-            </a:ln>
-          </p:spPr>
-          <p:style>
-            <a:lnRef idx="1">
-              <a:schemeClr val="accent1"/>
-            </a:lnRef>
-            <a:fillRef idx="0">
-              <a:schemeClr val="accent1"/>
-            </a:fillRef>
-            <a:effectRef idx="0">
-              <a:schemeClr val="accent1"/>
-            </a:effectRef>
-            <a:fontRef idx="minor">
-              <a:schemeClr val="tx1"/>
-            </a:fontRef>
-          </p:style>
-        </p:cxnSp>
-        <p:cxnSp>
-          <p:nvCxnSpPr>
-            <p:cNvPr id="113" name="Connecteur droit 112"/>
-            <p:cNvCxnSpPr>
-              <a:stCxn id="110" idx="2"/>
-            </p:cNvCxnSpPr>
-            <p:nvPr/>
-          </p:nvCxnSpPr>
-          <p:spPr>
-            <a:xfrm>
-              <a:off x="1494724" y="4949552"/>
-              <a:ext cx="0" cy="392618"/>
-            </a:xfrm>
-            <a:prstGeom prst="line">
-              <a:avLst/>
-            </a:prstGeom>
-            <a:ln w="28575">
-              <a:solidFill>
-                <a:srgbClr val="00B050"/>
-              </a:solidFill>
-            </a:ln>
-          </p:spPr>
-          <p:style>
-            <a:lnRef idx="1">
-              <a:schemeClr val="accent1"/>
-            </a:lnRef>
-            <a:fillRef idx="0">
-              <a:schemeClr val="accent1"/>
-            </a:fillRef>
-            <a:effectRef idx="0">
-              <a:schemeClr val="accent1"/>
-            </a:effectRef>
-            <a:fontRef idx="minor">
-              <a:schemeClr val="tx1"/>
-            </a:fontRef>
-          </p:style>
-        </p:cxnSp>
-        <p:cxnSp>
-          <p:nvCxnSpPr>
-            <p:cNvPr id="114" name="Connecteur droit 113"/>
-            <p:cNvCxnSpPr/>
-            <p:nvPr/>
-          </p:nvCxnSpPr>
-          <p:spPr>
-            <a:xfrm flipH="1">
-              <a:off x="1154480" y="4859552"/>
-              <a:ext cx="619424" cy="0"/>
-            </a:xfrm>
-            <a:prstGeom prst="line">
-              <a:avLst/>
-            </a:prstGeom>
-            <a:ln w="28575">
-              <a:solidFill>
-                <a:srgbClr val="660033"/>
-              </a:solidFill>
-            </a:ln>
-          </p:spPr>
-          <p:style>
-            <a:lnRef idx="1">
-              <a:schemeClr val="accent1"/>
-            </a:lnRef>
-            <a:fillRef idx="0">
-              <a:schemeClr val="accent1"/>
-            </a:fillRef>
-            <a:effectRef idx="0">
-              <a:schemeClr val="accent1"/>
-            </a:effectRef>
-            <a:fontRef idx="minor">
-              <a:schemeClr val="tx1"/>
-            </a:fontRef>
-          </p:style>
-        </p:cxnSp>
-        <p:cxnSp>
-          <p:nvCxnSpPr>
-            <p:cNvPr id="115" name="Connecteur droit 114"/>
-            <p:cNvCxnSpPr/>
-            <p:nvPr/>
-          </p:nvCxnSpPr>
-          <p:spPr>
-            <a:xfrm flipH="1">
-              <a:off x="1154480" y="4715774"/>
-              <a:ext cx="0" cy="143778"/>
-            </a:xfrm>
-            <a:prstGeom prst="line">
-              <a:avLst/>
-            </a:prstGeom>
-            <a:ln w="28575">
-              <a:solidFill>
-                <a:srgbClr val="660033"/>
-              </a:solidFill>
-            </a:ln>
-          </p:spPr>
-          <p:style>
-            <a:lnRef idx="1">
-              <a:schemeClr val="accent1"/>
-            </a:lnRef>
-            <a:fillRef idx="0">
-              <a:schemeClr val="accent1"/>
-            </a:fillRef>
-            <a:effectRef idx="0">
-              <a:schemeClr val="accent1"/>
-            </a:effectRef>
-            <a:fontRef idx="minor">
-              <a:schemeClr val="tx1"/>
-            </a:fontRef>
-          </p:style>
-        </p:cxnSp>
-        <p:cxnSp>
-          <p:nvCxnSpPr>
-            <p:cNvPr id="116" name="Connecteur droit 115"/>
-            <p:cNvCxnSpPr/>
-            <p:nvPr/>
-          </p:nvCxnSpPr>
-          <p:spPr>
-            <a:xfrm flipH="1">
-              <a:off x="1152648" y="4705708"/>
-              <a:ext cx="344943" cy="0"/>
-            </a:xfrm>
-            <a:prstGeom prst="line">
-              <a:avLst/>
-            </a:prstGeom>
-            <a:ln w="28575">
-              <a:solidFill>
-                <a:srgbClr val="660033"/>
-              </a:solidFill>
-            </a:ln>
-          </p:spPr>
-          <p:style>
-            <a:lnRef idx="1">
-              <a:schemeClr val="accent1"/>
-            </a:lnRef>
-            <a:fillRef idx="0">
-              <a:schemeClr val="accent1"/>
-            </a:fillRef>
-            <a:effectRef idx="0">
-              <a:schemeClr val="accent1"/>
-            </a:effectRef>
-            <a:fontRef idx="minor">
-              <a:schemeClr val="tx1"/>
-            </a:fontRef>
-          </p:style>
-        </p:cxnSp>
-        <p:cxnSp>
-          <p:nvCxnSpPr>
-            <p:cNvPr id="117" name="Connecteur droit 116"/>
-            <p:cNvCxnSpPr/>
-            <p:nvPr/>
-          </p:nvCxnSpPr>
-          <p:spPr>
-            <a:xfrm>
-              <a:off x="1500459" y="4310332"/>
-              <a:ext cx="0" cy="109558"/>
-            </a:xfrm>
-            <a:prstGeom prst="line">
-              <a:avLst/>
-            </a:prstGeom>
-            <a:ln w="28575">
-              <a:solidFill>
-                <a:schemeClr val="tx1"/>
-              </a:solidFill>
-            </a:ln>
-          </p:spPr>
-          <p:style>
-            <a:lnRef idx="1">
-              <a:schemeClr val="accent1"/>
-            </a:lnRef>
-            <a:fillRef idx="0">
-              <a:schemeClr val="accent1"/>
-            </a:fillRef>
-            <a:effectRef idx="0">
-              <a:schemeClr val="accent1"/>
-            </a:effectRef>
-            <a:fontRef idx="minor">
-              <a:schemeClr val="tx1"/>
-            </a:fontRef>
-          </p:style>
-        </p:cxnSp>
-        <p:cxnSp>
-          <p:nvCxnSpPr>
-            <p:cNvPr id="118" name="Connecteur droit 117"/>
-            <p:cNvCxnSpPr/>
-            <p:nvPr/>
-          </p:nvCxnSpPr>
-          <p:spPr>
-            <a:xfrm flipH="1">
-              <a:off x="1396639" y="4419890"/>
-              <a:ext cx="207640" cy="0"/>
-            </a:xfrm>
-            <a:prstGeom prst="line">
-              <a:avLst/>
-            </a:prstGeom>
-            <a:ln w="28575">
-              <a:solidFill>
-                <a:schemeClr val="tx1"/>
-              </a:solidFill>
-            </a:ln>
-          </p:spPr>
-          <p:style>
-            <a:lnRef idx="1">
-              <a:schemeClr val="accent1"/>
-            </a:lnRef>
-            <a:fillRef idx="0">
-              <a:schemeClr val="accent1"/>
-            </a:fillRef>
-            <a:effectRef idx="0">
-              <a:schemeClr val="accent1"/>
-            </a:effectRef>
-            <a:fontRef idx="minor">
-              <a:schemeClr val="tx1"/>
-            </a:fontRef>
-          </p:style>
-        </p:cxnSp>
-        <p:cxnSp>
-          <p:nvCxnSpPr>
-            <p:cNvPr id="119" name="Connecteur droit 118"/>
-            <p:cNvCxnSpPr/>
-            <p:nvPr/>
-          </p:nvCxnSpPr>
-          <p:spPr>
-            <a:xfrm flipH="1">
-              <a:off x="1493264" y="4561930"/>
-              <a:ext cx="0" cy="143778"/>
-            </a:xfrm>
-            <a:prstGeom prst="line">
-              <a:avLst/>
-            </a:prstGeom>
-            <a:ln w="28575">
-              <a:solidFill>
-                <a:srgbClr val="660033"/>
-              </a:solidFill>
-            </a:ln>
-          </p:spPr>
-          <p:style>
-            <a:lnRef idx="1">
-              <a:schemeClr val="accent1"/>
-            </a:lnRef>
-            <a:fillRef idx="0">
-              <a:schemeClr val="accent1"/>
-            </a:fillRef>
-            <a:effectRef idx="0">
-              <a:schemeClr val="accent1"/>
-            </a:effectRef>
-            <a:fontRef idx="minor">
-              <a:schemeClr val="tx1"/>
-            </a:fontRef>
-          </p:style>
-        </p:cxnSp>
-        <p:sp>
-          <p:nvSpPr>
-            <p:cNvPr id="120" name="Triangle isocèle 119"/>
-            <p:cNvSpPr/>
-            <p:nvPr/>
-          </p:nvSpPr>
-          <p:spPr>
-            <a:xfrm>
-              <a:off x="1425583" y="4445496"/>
-              <a:ext cx="144016" cy="144016"/>
-            </a:xfrm>
-            <a:prstGeom prst="triangle">
-              <a:avLst/>
-            </a:prstGeom>
-            <a:solidFill>
-              <a:schemeClr val="bg1"/>
-            </a:solidFill>
-            <a:ln w="28575">
-              <a:solidFill>
-                <a:srgbClr val="660033"/>
-              </a:solidFill>
-            </a:ln>
-          </p:spPr>
-          <p:style>
-            <a:lnRef idx="1">
-              <a:schemeClr val="accent1"/>
-            </a:lnRef>
-            <a:fillRef idx="0">
-              <a:schemeClr val="accent1"/>
-            </a:fillRef>
-            <a:effectRef idx="0">
-              <a:schemeClr val="accent1"/>
-            </a:effectRef>
-            <a:fontRef idx="minor">
-              <a:schemeClr val="tx1"/>
-            </a:fontRef>
-          </p:style>
-          <p:txBody>
-            <a:bodyPr rtlCol="0" anchor="ctr"/>
-            <a:lstStyle/>
-            <a:p>
-              <a:pPr algn="ctr"/>
-              <a:endParaRPr lang="fr-FR"/>
-            </a:p>
-          </p:txBody>
-        </p:sp>
-      </p:grpSp>
-      <p:sp>
-        <p:nvSpPr>
-          <p:cNvPr id="27" name="Ellipse 26"/>
-          <p:cNvSpPr/>
-          <p:nvPr/>
-        </p:nvSpPr>
-        <p:spPr>
-          <a:xfrm>
-            <a:off x="3391880" y="5589240"/>
-            <a:ext cx="288032" cy="288032"/>
-          </a:xfrm>
-          <a:prstGeom prst="ellipse">
-            <a:avLst/>
-          </a:prstGeom>
-          <a:ln w="28575">
-            <a:solidFill>
-              <a:schemeClr val="accent5">
-                <a:lumMod val="75000"/>
-              </a:schemeClr>
-            </a:solidFill>
-          </a:ln>
-        </p:spPr>
-        <p:style>
-          <a:lnRef idx="1">
-            <a:schemeClr val="accent1"/>
-          </a:lnRef>
-          <a:fillRef idx="0">
-            <a:schemeClr val="accent1"/>
-          </a:fillRef>
-          <a:effectRef idx="0">
-            <a:schemeClr val="accent1"/>
-          </a:effectRef>
-          <a:fontRef idx="minor">
-            <a:schemeClr val="tx1"/>
-          </a:fontRef>
-        </p:style>
-        <p:txBody>
-          <a:bodyPr lIns="0" tIns="0" rIns="0" bIns="0" rtlCol="0" anchor="ctr"/>
-          <a:lstStyle/>
-          <a:p>
-            <a:pPr algn="ctr"/>
-            <a:r>
-              <a:rPr lang="fr-FR" sz="1400" b="1" dirty="0" smtClean="0">
-                <a:solidFill>
-                  <a:schemeClr val="accent5">
-                    <a:lumMod val="75000"/>
-                  </a:schemeClr>
-                </a:solidFill>
-              </a:rPr>
-              <a:t>3</a:t>
-            </a:r>
-            <a:endParaRPr lang="fr-FR" sz="1400" b="1" dirty="0">
-              <a:solidFill>
-                <a:schemeClr val="accent5">
-                  <a:lumMod val="75000"/>
-                </a:schemeClr>
-              </a:solidFill>
-            </a:endParaRPr>
-          </a:p>
-        </p:txBody>
-      </p:sp>
-      <p:sp>
-        <p:nvSpPr>
-          <p:cNvPr id="123" name="Ellipse 122"/>
-          <p:cNvSpPr/>
-          <p:nvPr/>
-        </p:nvSpPr>
-        <p:spPr>
-          <a:xfrm>
-            <a:off x="3075870" y="6596756"/>
-            <a:ext cx="288032" cy="288032"/>
-          </a:xfrm>
-          <a:prstGeom prst="ellipse">
-            <a:avLst/>
-          </a:prstGeom>
-          <a:ln w="28575">
-            <a:solidFill>
-              <a:srgbClr val="FF0000"/>
-            </a:solidFill>
-          </a:ln>
-        </p:spPr>
-        <p:style>
-          <a:lnRef idx="1">
-            <a:schemeClr val="accent1"/>
-          </a:lnRef>
-          <a:fillRef idx="0">
-            <a:schemeClr val="accent1"/>
-          </a:fillRef>
-          <a:effectRef idx="0">
-            <a:schemeClr val="accent1"/>
-          </a:effectRef>
-          <a:fontRef idx="minor">
-            <a:schemeClr val="tx1"/>
-          </a:fontRef>
-        </p:style>
-        <p:txBody>
-          <a:bodyPr lIns="0" tIns="0" rIns="0" bIns="0" rtlCol="0" anchor="ctr"/>
-          <a:lstStyle/>
-          <a:p>
-            <a:pPr algn="ctr"/>
-            <a:r>
-              <a:rPr lang="fr-FR" sz="1400" b="1" dirty="0" smtClean="0">
-                <a:solidFill>
-                  <a:srgbClr val="FF0000"/>
-                </a:solidFill>
-              </a:rPr>
-              <a:t>9</a:t>
-            </a:r>
-            <a:endParaRPr lang="fr-FR" sz="1400" b="1" dirty="0">
-              <a:solidFill>
-                <a:srgbClr val="FF0000"/>
-              </a:solidFill>
-            </a:endParaRPr>
-          </a:p>
-        </p:txBody>
-      </p:sp>
-      <p:sp>
-        <p:nvSpPr>
-          <p:cNvPr id="125" name="Ellipse 124"/>
-          <p:cNvSpPr/>
-          <p:nvPr/>
-        </p:nvSpPr>
-        <p:spPr>
-          <a:xfrm>
-            <a:off x="2971828" y="4893729"/>
-            <a:ext cx="288032" cy="288032"/>
-          </a:xfrm>
-          <a:prstGeom prst="ellipse">
-            <a:avLst/>
-          </a:prstGeom>
-          <a:ln w="28575">
-            <a:solidFill>
-              <a:srgbClr val="0000FF"/>
-            </a:solidFill>
-          </a:ln>
-        </p:spPr>
-        <p:style>
-          <a:lnRef idx="1">
-            <a:schemeClr val="accent1"/>
-          </a:lnRef>
-          <a:fillRef idx="0">
-            <a:schemeClr val="accent1"/>
-          </a:fillRef>
-          <a:effectRef idx="0">
-            <a:schemeClr val="accent1"/>
-          </a:effectRef>
-          <a:fontRef idx="minor">
-            <a:schemeClr val="tx1"/>
-          </a:fontRef>
-        </p:style>
-        <p:txBody>
-          <a:bodyPr lIns="0" tIns="0" rIns="0" bIns="0" rtlCol="0" anchor="ctr"/>
-          <a:lstStyle/>
-          <a:p>
-            <a:pPr algn="ctr"/>
-            <a:r>
-              <a:rPr lang="fr-FR" sz="1400" b="1" dirty="0" smtClean="0">
-                <a:solidFill>
-                  <a:srgbClr val="0000FF"/>
-                </a:solidFill>
-              </a:rPr>
-              <a:t>10</a:t>
-            </a:r>
-            <a:endParaRPr lang="fr-FR" sz="1400" b="1" dirty="0">
-              <a:solidFill>
-                <a:srgbClr val="0000FF"/>
-              </a:solidFill>
-            </a:endParaRPr>
-          </a:p>
-        </p:txBody>
-      </p:sp>
-      <p:sp>
-        <p:nvSpPr>
-          <p:cNvPr id="126" name="Ellipse 125"/>
-          <p:cNvSpPr/>
-          <p:nvPr/>
-        </p:nvSpPr>
-        <p:spPr>
-          <a:xfrm>
-            <a:off x="2514342" y="4202013"/>
-            <a:ext cx="288032" cy="288032"/>
-          </a:xfrm>
-          <a:prstGeom prst="ellipse">
-            <a:avLst/>
-          </a:prstGeom>
-          <a:ln w="28575">
-            <a:solidFill>
-              <a:schemeClr val="tx1"/>
-            </a:solidFill>
-          </a:ln>
-        </p:spPr>
-        <p:style>
-          <a:lnRef idx="1">
-            <a:schemeClr val="accent1"/>
-          </a:lnRef>
-          <a:fillRef idx="0">
-            <a:schemeClr val="accent1"/>
-          </a:fillRef>
-          <a:effectRef idx="0">
-            <a:schemeClr val="accent1"/>
-          </a:effectRef>
-          <a:fontRef idx="minor">
-            <a:schemeClr val="tx1"/>
-          </a:fontRef>
-        </p:style>
-        <p:txBody>
-          <a:bodyPr lIns="0" tIns="0" rIns="0" bIns="0" rtlCol="0" anchor="ctr"/>
-          <a:lstStyle/>
-          <a:p>
-            <a:pPr algn="ctr"/>
-            <a:r>
-              <a:rPr lang="fr-FR" sz="1400" b="1" dirty="0" smtClean="0"/>
-              <a:t>12</a:t>
-            </a:r>
-            <a:endParaRPr lang="fr-FR" sz="1400" b="1" dirty="0"/>
-          </a:p>
-        </p:txBody>
-      </p:sp>
-      <p:sp>
-        <p:nvSpPr>
-          <p:cNvPr id="127" name="Ellipse 126"/>
-          <p:cNvSpPr/>
-          <p:nvPr/>
-        </p:nvSpPr>
-        <p:spPr>
-          <a:xfrm>
-            <a:off x="1359872" y="4299209"/>
-            <a:ext cx="288032" cy="288032"/>
-          </a:xfrm>
-          <a:prstGeom prst="ellipse">
-            <a:avLst/>
-          </a:prstGeom>
-          <a:ln w="28575">
-            <a:solidFill>
-              <a:srgbClr val="660033"/>
-            </a:solidFill>
-          </a:ln>
-        </p:spPr>
-        <p:style>
-          <a:lnRef idx="1">
-            <a:schemeClr val="accent1"/>
-          </a:lnRef>
-          <a:fillRef idx="0">
-            <a:schemeClr val="accent1"/>
-          </a:fillRef>
-          <a:effectRef idx="0">
-            <a:schemeClr val="accent1"/>
-          </a:effectRef>
-          <a:fontRef idx="minor">
-            <a:schemeClr val="tx1"/>
-          </a:fontRef>
-        </p:style>
-        <p:txBody>
-          <a:bodyPr lIns="0" tIns="0" rIns="0" bIns="0" rtlCol="0" anchor="ctr"/>
-          <a:lstStyle/>
-          <a:p>
-            <a:pPr algn="ctr"/>
-            <a:r>
-              <a:rPr lang="fr-FR" sz="1400" b="1" dirty="0" smtClean="0">
-                <a:solidFill>
-                  <a:srgbClr val="660033"/>
-                </a:solidFill>
-              </a:rPr>
-              <a:t>20</a:t>
-            </a:r>
-            <a:endParaRPr lang="fr-FR" sz="1400" b="1" dirty="0">
-              <a:solidFill>
-                <a:srgbClr val="660033"/>
-              </a:solidFill>
-            </a:endParaRPr>
-          </a:p>
-        </p:txBody>
-      </p:sp>
-      <p:sp>
-        <p:nvSpPr>
-          <p:cNvPr id="128" name="Ellipse 127"/>
-          <p:cNvSpPr/>
-          <p:nvPr/>
-        </p:nvSpPr>
-        <p:spPr>
-          <a:xfrm>
-            <a:off x="1890802" y="4916979"/>
-            <a:ext cx="288032" cy="288032"/>
-          </a:xfrm>
-          <a:prstGeom prst="ellipse">
-            <a:avLst/>
-          </a:prstGeom>
-          <a:ln w="28575">
-            <a:solidFill>
-              <a:srgbClr val="00B050"/>
-            </a:solidFill>
-          </a:ln>
-        </p:spPr>
-        <p:style>
-          <a:lnRef idx="1">
-            <a:schemeClr val="accent1"/>
-          </a:lnRef>
-          <a:fillRef idx="0">
-            <a:schemeClr val="accent1"/>
-          </a:fillRef>
-          <a:effectRef idx="0">
-            <a:schemeClr val="accent1"/>
-          </a:effectRef>
-          <a:fontRef idx="minor">
-            <a:schemeClr val="tx1"/>
-          </a:fontRef>
-        </p:style>
-        <p:txBody>
-          <a:bodyPr lIns="0" tIns="0" rIns="0" bIns="0" rtlCol="0" anchor="ctr"/>
-          <a:lstStyle/>
-          <a:p>
-            <a:pPr algn="ctr"/>
-            <a:r>
-              <a:rPr lang="fr-FR" sz="1400" b="1" dirty="0" smtClean="0">
-                <a:solidFill>
-                  <a:srgbClr val="00B050"/>
-                </a:solidFill>
-              </a:rPr>
-              <a:t>18</a:t>
-            </a:r>
-            <a:endParaRPr lang="fr-FR" sz="1400" b="1" dirty="0">
-              <a:solidFill>
-                <a:srgbClr val="00B050"/>
-              </a:solidFill>
-            </a:endParaRPr>
-          </a:p>
-        </p:txBody>
-      </p:sp>
-      <p:sp>
-        <p:nvSpPr>
-          <p:cNvPr id="129" name="Ellipse 128"/>
-          <p:cNvSpPr/>
-          <p:nvPr/>
-        </p:nvSpPr>
-        <p:spPr>
-          <a:xfrm>
-            <a:off x="2000035" y="6051768"/>
-            <a:ext cx="288032" cy="288032"/>
-          </a:xfrm>
-          <a:prstGeom prst="ellipse">
-            <a:avLst/>
-          </a:prstGeom>
-          <a:ln w="28575">
-            <a:solidFill>
-              <a:schemeClr val="accent2">
-                <a:lumMod val="75000"/>
-              </a:schemeClr>
-            </a:solidFill>
-          </a:ln>
-        </p:spPr>
-        <p:style>
-          <a:lnRef idx="1">
-            <a:schemeClr val="accent1"/>
-          </a:lnRef>
-          <a:fillRef idx="0">
-            <a:schemeClr val="accent1"/>
-          </a:fillRef>
-          <a:effectRef idx="0">
-            <a:schemeClr val="accent1"/>
-          </a:effectRef>
-          <a:fontRef idx="minor">
-            <a:schemeClr val="tx1"/>
-          </a:fontRef>
-        </p:style>
-        <p:txBody>
-          <a:bodyPr lIns="0" tIns="0" rIns="0" bIns="0" rtlCol="0" anchor="ctr"/>
-          <a:lstStyle/>
-          <a:p>
-            <a:pPr algn="ctr"/>
-            <a:r>
-              <a:rPr lang="fr-FR" sz="1400" b="1" dirty="0" smtClean="0">
-                <a:solidFill>
-                  <a:srgbClr val="953721"/>
-                </a:solidFill>
-              </a:rPr>
-              <a:t>9’</a:t>
-            </a:r>
-            <a:endParaRPr lang="fr-FR" sz="1400" b="1" dirty="0">
-              <a:solidFill>
-                <a:srgbClr val="953721"/>
-              </a:solidFill>
-            </a:endParaRPr>
-          </a:p>
-        </p:txBody>
-      </p:sp>
     </p:spTree>
     <p:extLst>
       <p:ext uri="{BB962C8B-B14F-4D97-AF65-F5344CB8AC3E}">
